--- a/LCA/cyclopentanone_olive_kernel_lca_presentation.pptx
+++ b/LCA/cyclopentanone_olive_kernel_lca_presentation.pptx
@@ -31,6 +31,9 @@
     <p:sldId id="279" r:id="rId26"/>
     <p:sldId id="280" r:id="rId27"/>
     <p:sldId id="281" r:id="rId28"/>
+    <p:sldId id="282" r:id="rId29"/>
+    <p:sldId id="283" r:id="rId30"/>
+    <p:sldId id="284" r:id="rId31"/>
   </p:sldIdLst>
   <p:sldSz cx="12188825" cy="6858000"/>
   <p:notesSz cx="7559675" cy="10691813"/>
@@ -61,7 +64,7 @@
             <a:spLocks noGrp="1"/>
           </p:cNvSpPr>
           <p:nvPr>
-            <p:ph type="ftr" idx="2"/>
+            <p:ph type="ftr" idx="1"/>
           </p:nvPr>
         </p:nvSpPr>
         <p:spPr/>
@@ -81,14 +84,14 @@
             <a:spLocks noGrp="1"/>
           </p:cNvSpPr>
           <p:nvPr>
-            <p:ph type="sldNum" idx="3"/>
+            <p:ph type="sldNum" idx="2"/>
           </p:nvPr>
         </p:nvSpPr>
         <p:spPr/>
         <p:txBody>
           <a:bodyPr/>
           <a:p>
-            <a:fld id="{BFB2B713-30E6-4B42-8269-B2F7A0EE52E2}" type="slidenum">
+            <a:fld id="{E3D95EA5-0702-42AA-8649-F79F8597A126}" type="slidenum">
               <a:t>&lt;#&gt;</a:t>
             </a:fld>
           </a:p>
@@ -101,7 +104,7 @@
             <a:spLocks noGrp="1"/>
           </p:cNvSpPr>
           <p:nvPr>
-            <p:ph type="dt" idx="1"/>
+            <p:ph type="dt" idx="3"/>
           </p:nvPr>
         </p:nvSpPr>
         <p:spPr/>
@@ -139,7 +142,7 @@
       </p:grpSpPr>
       <p:sp>
         <p:nvSpPr>
-          <p:cNvPr id="26" name="PlaceHolder 1"/>
+          <p:cNvPr id="28" name="PlaceHolder 1"/>
           <p:cNvSpPr>
             <a:spLocks noGrp="1"/>
           </p:cNvSpPr>
@@ -150,7 +153,7 @@
         <p:spPr>
           <a:xfrm>
             <a:off x="609120" y="274320"/>
-            <a:ext cx="10969560" cy="1142280"/>
+            <a:ext cx="10968840" cy="1141560"/>
           </a:xfrm>
           <a:prstGeom prst="rect">
             <a:avLst/>
@@ -165,21 +168,21 @@
             <a:noAutofit/>
           </a:bodyPr>
           <a:p>
-            <a:pPr indent="0">
+            <a:pPr indent="0" algn="ctr">
               <a:buNone/>
             </a:pPr>
-            <a:endParaRPr b="0" lang="en-US" sz="2400" spc="-1" strike="noStrike">
+            <a:endParaRPr b="0" lang="en-US" sz="4400" spc="-1" strike="noStrike">
               <a:solidFill>
-                <a:schemeClr val="dk1"/>
+                <a:srgbClr val="000000"/>
               </a:solidFill>
-              <a:latin typeface="Calibri"/>
+              <a:latin typeface="Arial"/>
             </a:endParaRPr>
           </a:p>
         </p:txBody>
       </p:sp>
       <p:sp>
         <p:nvSpPr>
-          <p:cNvPr id="27" name="PlaceHolder 2"/>
+          <p:cNvPr id="29" name="PlaceHolder 2"/>
           <p:cNvSpPr>
             <a:spLocks noGrp="1"/>
           </p:cNvSpPr>
@@ -189,8 +192,8 @@
         </p:nvSpPr>
         <p:spPr>
           <a:xfrm>
-            <a:off x="609120" y="1600200"/>
-            <a:ext cx="10969560" cy="2158200"/>
+            <a:off x="609120" y="1604520"/>
+            <a:ext cx="5352480" cy="904320"/>
           </a:xfrm>
           <a:prstGeom prst="rect">
             <a:avLst/>
@@ -207,22 +210,22 @@
           <a:p>
             <a:pPr indent="0">
               <a:spcBef>
-                <a:spcPts val="1888"/>
+                <a:spcPts val="1417"/>
               </a:spcBef>
               <a:buNone/>
             </a:pPr>
             <a:endParaRPr b="0" lang="en-US" sz="3200" spc="-1" strike="noStrike">
               <a:solidFill>
-                <a:schemeClr val="dk1"/>
+                <a:srgbClr val="000000"/>
               </a:solidFill>
-              <a:latin typeface="Calibri"/>
+              <a:latin typeface="Arial"/>
             </a:endParaRPr>
           </a:p>
         </p:txBody>
       </p:sp>
       <p:sp>
         <p:nvSpPr>
-          <p:cNvPr id="28" name="PlaceHolder 3"/>
+          <p:cNvPr id="30" name="PlaceHolder 3"/>
           <p:cNvSpPr>
             <a:spLocks noGrp="1"/>
           </p:cNvSpPr>
@@ -232,8 +235,8 @@
         </p:nvSpPr>
         <p:spPr>
           <a:xfrm>
-            <a:off x="609120" y="3963960"/>
-            <a:ext cx="10969560" cy="2158200"/>
+            <a:off x="609120" y="2595240"/>
+            <a:ext cx="5352480" cy="904320"/>
           </a:xfrm>
           <a:prstGeom prst="rect">
             <a:avLst/>
@@ -250,15 +253,15 @@
           <a:p>
             <a:pPr indent="0">
               <a:spcBef>
-                <a:spcPts val="1888"/>
+                <a:spcPts val="1417"/>
               </a:spcBef>
               <a:buNone/>
             </a:pPr>
             <a:endParaRPr b="0" lang="en-US" sz="3200" spc="-1" strike="noStrike">
               <a:solidFill>
-                <a:schemeClr val="dk1"/>
+                <a:srgbClr val="000000"/>
               </a:solidFill>
-              <a:latin typeface="Calibri"/>
+              <a:latin typeface="Arial"/>
             </a:endParaRPr>
           </a:p>
         </p:txBody>
@@ -270,7 +273,7 @@
             <a:spLocks noGrp="1"/>
           </p:cNvSpPr>
           <p:nvPr>
-            <p:ph type="ftr" idx="2"/>
+            <p:ph type="ftr" idx="1"/>
           </p:nvPr>
         </p:nvSpPr>
         <p:spPr/>
@@ -290,14 +293,14 @@
             <a:spLocks noGrp="1"/>
           </p:cNvSpPr>
           <p:nvPr>
-            <p:ph type="sldNum" idx="3"/>
+            <p:ph type="sldNum" idx="2"/>
           </p:nvPr>
         </p:nvSpPr>
         <p:spPr/>
         <p:txBody>
           <a:bodyPr/>
           <a:p>
-            <a:fld id="{FB3740B9-70E7-45EA-AB2F-170BF8D78157}" type="slidenum">
+            <a:fld id="{2231762E-984C-4DA1-8F85-FE3C53E4469D}" type="slidenum">
               <a:t>&lt;#&gt;</a:t>
             </a:fld>
           </a:p>
@@ -310,7 +313,7 @@
             <a:spLocks noGrp="1"/>
           </p:cNvSpPr>
           <p:nvPr>
-            <p:ph type="dt" idx="1"/>
+            <p:ph type="dt" idx="3"/>
           </p:nvPr>
         </p:nvSpPr>
         <p:spPr/>
@@ -348,7 +351,7 @@
       </p:grpSpPr>
       <p:sp>
         <p:nvSpPr>
-          <p:cNvPr id="29" name="PlaceHolder 1"/>
+          <p:cNvPr id="31" name="PlaceHolder 1"/>
           <p:cNvSpPr>
             <a:spLocks noGrp="1"/>
           </p:cNvSpPr>
@@ -359,7 +362,7 @@
         <p:spPr>
           <a:xfrm>
             <a:off x="609120" y="274320"/>
-            <a:ext cx="10969560" cy="1142280"/>
+            <a:ext cx="10968840" cy="1141560"/>
           </a:xfrm>
           <a:prstGeom prst="rect">
             <a:avLst/>
@@ -374,21 +377,21 @@
             <a:noAutofit/>
           </a:bodyPr>
           <a:p>
-            <a:pPr indent="0">
+            <a:pPr indent="0" algn="ctr">
               <a:buNone/>
             </a:pPr>
-            <a:endParaRPr b="0" lang="en-US" sz="2400" spc="-1" strike="noStrike">
+            <a:endParaRPr b="0" lang="en-US" sz="4400" spc="-1" strike="noStrike">
               <a:solidFill>
-                <a:schemeClr val="dk1"/>
+                <a:srgbClr val="000000"/>
               </a:solidFill>
-              <a:latin typeface="Calibri"/>
+              <a:latin typeface="Arial"/>
             </a:endParaRPr>
           </a:p>
         </p:txBody>
       </p:sp>
       <p:sp>
         <p:nvSpPr>
-          <p:cNvPr id="30" name="PlaceHolder 2"/>
+          <p:cNvPr id="32" name="PlaceHolder 2"/>
           <p:cNvSpPr>
             <a:spLocks noGrp="1"/>
           </p:cNvSpPr>
@@ -398,8 +401,8 @@
         </p:nvSpPr>
         <p:spPr>
           <a:xfrm>
-            <a:off x="609120" y="1600200"/>
-            <a:ext cx="5352840" cy="2158200"/>
+            <a:off x="609120" y="1604520"/>
+            <a:ext cx="2611800" cy="904320"/>
           </a:xfrm>
           <a:prstGeom prst="rect">
             <a:avLst/>
@@ -416,22 +419,22 @@
           <a:p>
             <a:pPr indent="0">
               <a:spcBef>
-                <a:spcPts val="1888"/>
+                <a:spcPts val="1417"/>
               </a:spcBef>
               <a:buNone/>
             </a:pPr>
             <a:endParaRPr b="0" lang="en-US" sz="3200" spc="-1" strike="noStrike">
               <a:solidFill>
-                <a:schemeClr val="dk1"/>
+                <a:srgbClr val="000000"/>
               </a:solidFill>
-              <a:latin typeface="Calibri"/>
+              <a:latin typeface="Arial"/>
             </a:endParaRPr>
           </a:p>
         </p:txBody>
       </p:sp>
       <p:sp>
         <p:nvSpPr>
-          <p:cNvPr id="31" name="PlaceHolder 3"/>
+          <p:cNvPr id="33" name="PlaceHolder 3"/>
           <p:cNvSpPr>
             <a:spLocks noGrp="1"/>
           </p:cNvSpPr>
@@ -441,8 +444,8 @@
         </p:nvSpPr>
         <p:spPr>
           <a:xfrm>
-            <a:off x="6230160" y="1600200"/>
-            <a:ext cx="5352840" cy="2158200"/>
+            <a:off x="3351960" y="1604520"/>
+            <a:ext cx="2611800" cy="904320"/>
           </a:xfrm>
           <a:prstGeom prst="rect">
             <a:avLst/>
@@ -459,22 +462,22 @@
           <a:p>
             <a:pPr indent="0">
               <a:spcBef>
-                <a:spcPts val="1888"/>
+                <a:spcPts val="1417"/>
               </a:spcBef>
               <a:buNone/>
             </a:pPr>
             <a:endParaRPr b="0" lang="en-US" sz="3200" spc="-1" strike="noStrike">
               <a:solidFill>
-                <a:schemeClr val="dk1"/>
+                <a:srgbClr val="000000"/>
               </a:solidFill>
-              <a:latin typeface="Calibri"/>
+              <a:latin typeface="Arial"/>
             </a:endParaRPr>
           </a:p>
         </p:txBody>
       </p:sp>
       <p:sp>
         <p:nvSpPr>
-          <p:cNvPr id="32" name="PlaceHolder 4"/>
+          <p:cNvPr id="34" name="PlaceHolder 4"/>
           <p:cNvSpPr>
             <a:spLocks noGrp="1"/>
           </p:cNvSpPr>
@@ -484,8 +487,8 @@
         </p:nvSpPr>
         <p:spPr>
           <a:xfrm>
-            <a:off x="609120" y="3963960"/>
-            <a:ext cx="5352840" cy="2158200"/>
+            <a:off x="609120" y="2595240"/>
+            <a:ext cx="2611800" cy="904320"/>
           </a:xfrm>
           <a:prstGeom prst="rect">
             <a:avLst/>
@@ -502,22 +505,22 @@
           <a:p>
             <a:pPr indent="0">
               <a:spcBef>
-                <a:spcPts val="1888"/>
+                <a:spcPts val="1417"/>
               </a:spcBef>
               <a:buNone/>
             </a:pPr>
             <a:endParaRPr b="0" lang="en-US" sz="3200" spc="-1" strike="noStrike">
               <a:solidFill>
-                <a:schemeClr val="dk1"/>
+                <a:srgbClr val="000000"/>
               </a:solidFill>
-              <a:latin typeface="Calibri"/>
+              <a:latin typeface="Arial"/>
             </a:endParaRPr>
           </a:p>
         </p:txBody>
       </p:sp>
       <p:sp>
         <p:nvSpPr>
-          <p:cNvPr id="33" name="PlaceHolder 5"/>
+          <p:cNvPr id="35" name="PlaceHolder 5"/>
           <p:cNvSpPr>
             <a:spLocks noGrp="1"/>
           </p:cNvSpPr>
@@ -527,8 +530,8 @@
         </p:nvSpPr>
         <p:spPr>
           <a:xfrm>
-            <a:off x="6230160" y="3963960"/>
-            <a:ext cx="5352840" cy="2158200"/>
+            <a:off x="3351960" y="2595240"/>
+            <a:ext cx="2611800" cy="904320"/>
           </a:xfrm>
           <a:prstGeom prst="rect">
             <a:avLst/>
@@ -545,15 +548,15 @@
           <a:p>
             <a:pPr indent="0">
               <a:spcBef>
-                <a:spcPts val="1888"/>
+                <a:spcPts val="1417"/>
               </a:spcBef>
               <a:buNone/>
             </a:pPr>
             <a:endParaRPr b="0" lang="en-US" sz="3200" spc="-1" strike="noStrike">
               <a:solidFill>
-                <a:schemeClr val="dk1"/>
+                <a:srgbClr val="000000"/>
               </a:solidFill>
-              <a:latin typeface="Calibri"/>
+              <a:latin typeface="Arial"/>
             </a:endParaRPr>
           </a:p>
         </p:txBody>
@@ -565,7 +568,7 @@
             <a:spLocks noGrp="1"/>
           </p:cNvSpPr>
           <p:nvPr>
-            <p:ph type="ftr" idx="2"/>
+            <p:ph type="ftr" idx="1"/>
           </p:nvPr>
         </p:nvSpPr>
         <p:spPr/>
@@ -585,14 +588,14 @@
             <a:spLocks noGrp="1"/>
           </p:cNvSpPr>
           <p:nvPr>
-            <p:ph type="sldNum" idx="3"/>
+            <p:ph type="sldNum" idx="2"/>
           </p:nvPr>
         </p:nvSpPr>
         <p:spPr/>
         <p:txBody>
           <a:bodyPr/>
           <a:p>
-            <a:fld id="{E8F4E509-45B1-4FDB-8435-BFDDE083384A}" type="slidenum">
+            <a:fld id="{5ABCAB1D-CA1A-42A4-8645-8AFCA9357968}" type="slidenum">
               <a:t>&lt;#&gt;</a:t>
             </a:fld>
           </a:p>
@@ -605,7 +608,7 @@
             <a:spLocks noGrp="1"/>
           </p:cNvSpPr>
           <p:nvPr>
-            <p:ph type="dt" idx="1"/>
+            <p:ph type="dt" idx="3"/>
           </p:nvPr>
         </p:nvSpPr>
         <p:spPr/>
@@ -643,7 +646,7 @@
       </p:grpSpPr>
       <p:sp>
         <p:nvSpPr>
-          <p:cNvPr id="34" name="PlaceHolder 1"/>
+          <p:cNvPr id="36" name="PlaceHolder 1"/>
           <p:cNvSpPr>
             <a:spLocks noGrp="1"/>
           </p:cNvSpPr>
@@ -654,7 +657,7 @@
         <p:spPr>
           <a:xfrm>
             <a:off x="609120" y="274320"/>
-            <a:ext cx="10969560" cy="1142280"/>
+            <a:ext cx="10968840" cy="1141560"/>
           </a:xfrm>
           <a:prstGeom prst="rect">
             <a:avLst/>
@@ -669,21 +672,21 @@
             <a:noAutofit/>
           </a:bodyPr>
           <a:p>
-            <a:pPr indent="0">
+            <a:pPr indent="0" algn="ctr">
               <a:buNone/>
             </a:pPr>
-            <a:endParaRPr b="0" lang="en-US" sz="2400" spc="-1" strike="noStrike">
+            <a:endParaRPr b="0" lang="en-US" sz="4400" spc="-1" strike="noStrike">
               <a:solidFill>
-                <a:schemeClr val="dk1"/>
+                <a:srgbClr val="000000"/>
               </a:solidFill>
-              <a:latin typeface="Calibri"/>
+              <a:latin typeface="Arial"/>
             </a:endParaRPr>
           </a:p>
         </p:txBody>
       </p:sp>
       <p:sp>
         <p:nvSpPr>
-          <p:cNvPr id="35" name="PlaceHolder 2"/>
+          <p:cNvPr id="37" name="PlaceHolder 2"/>
           <p:cNvSpPr>
             <a:spLocks noGrp="1"/>
           </p:cNvSpPr>
@@ -693,8 +696,8 @@
         </p:nvSpPr>
         <p:spPr>
           <a:xfrm>
-            <a:off x="609120" y="1600200"/>
-            <a:ext cx="3531960" cy="2158200"/>
+            <a:off x="609120" y="1604520"/>
+            <a:ext cx="1723320" cy="904320"/>
           </a:xfrm>
           <a:prstGeom prst="rect">
             <a:avLst/>
@@ -706,27 +709,27 @@
         </p:spPr>
         <p:txBody>
           <a:bodyPr lIns="0" rIns="0" tIns="0" bIns="0" anchor="t">
-            <a:normAutofit/>
+            <a:normAutofit fontScale="84366"/>
           </a:bodyPr>
           <a:p>
             <a:pPr indent="0">
               <a:spcBef>
-                <a:spcPts val="1888"/>
+                <a:spcPts val="1417"/>
               </a:spcBef>
               <a:buNone/>
             </a:pPr>
             <a:endParaRPr b="0" lang="en-US" sz="3200" spc="-1" strike="noStrike">
               <a:solidFill>
-                <a:schemeClr val="dk1"/>
+                <a:srgbClr val="000000"/>
               </a:solidFill>
-              <a:latin typeface="Calibri"/>
+              <a:latin typeface="Arial"/>
             </a:endParaRPr>
           </a:p>
         </p:txBody>
       </p:sp>
       <p:sp>
         <p:nvSpPr>
-          <p:cNvPr id="36" name="PlaceHolder 3"/>
+          <p:cNvPr id="38" name="PlaceHolder 3"/>
           <p:cNvSpPr>
             <a:spLocks noGrp="1"/>
           </p:cNvSpPr>
@@ -736,8 +739,8 @@
         </p:nvSpPr>
         <p:spPr>
           <a:xfrm>
-            <a:off x="4318200" y="1600200"/>
-            <a:ext cx="3531960" cy="2158200"/>
+            <a:off x="2418840" y="1604520"/>
+            <a:ext cx="1723320" cy="904320"/>
           </a:xfrm>
           <a:prstGeom prst="rect">
             <a:avLst/>
@@ -749,27 +752,27 @@
         </p:spPr>
         <p:txBody>
           <a:bodyPr lIns="0" rIns="0" tIns="0" bIns="0" anchor="t">
-            <a:normAutofit/>
+            <a:normAutofit fontScale="84366"/>
           </a:bodyPr>
           <a:p>
             <a:pPr indent="0">
               <a:spcBef>
-                <a:spcPts val="1888"/>
+                <a:spcPts val="1417"/>
               </a:spcBef>
               <a:buNone/>
             </a:pPr>
             <a:endParaRPr b="0" lang="en-US" sz="3200" spc="-1" strike="noStrike">
               <a:solidFill>
-                <a:schemeClr val="dk1"/>
+                <a:srgbClr val="000000"/>
               </a:solidFill>
-              <a:latin typeface="Calibri"/>
+              <a:latin typeface="Arial"/>
             </a:endParaRPr>
           </a:p>
         </p:txBody>
       </p:sp>
       <p:sp>
         <p:nvSpPr>
-          <p:cNvPr id="37" name="PlaceHolder 4"/>
+          <p:cNvPr id="39" name="PlaceHolder 4"/>
           <p:cNvSpPr>
             <a:spLocks noGrp="1"/>
           </p:cNvSpPr>
@@ -779,8 +782,8 @@
         </p:nvSpPr>
         <p:spPr>
           <a:xfrm>
-            <a:off x="8026920" y="1600200"/>
-            <a:ext cx="3531960" cy="2158200"/>
+            <a:off x="4228920" y="1604520"/>
+            <a:ext cx="1723320" cy="904320"/>
           </a:xfrm>
           <a:prstGeom prst="rect">
             <a:avLst/>
@@ -792,27 +795,27 @@
         </p:spPr>
         <p:txBody>
           <a:bodyPr lIns="0" rIns="0" tIns="0" bIns="0" anchor="t">
-            <a:normAutofit/>
+            <a:normAutofit fontScale="84366"/>
           </a:bodyPr>
           <a:p>
             <a:pPr indent="0">
               <a:spcBef>
-                <a:spcPts val="1888"/>
+                <a:spcPts val="1417"/>
               </a:spcBef>
               <a:buNone/>
             </a:pPr>
             <a:endParaRPr b="0" lang="en-US" sz="3200" spc="-1" strike="noStrike">
               <a:solidFill>
-                <a:schemeClr val="dk1"/>
+                <a:srgbClr val="000000"/>
               </a:solidFill>
-              <a:latin typeface="Calibri"/>
+              <a:latin typeface="Arial"/>
             </a:endParaRPr>
           </a:p>
         </p:txBody>
       </p:sp>
       <p:sp>
         <p:nvSpPr>
-          <p:cNvPr id="38" name="PlaceHolder 5"/>
+          <p:cNvPr id="40" name="PlaceHolder 5"/>
           <p:cNvSpPr>
             <a:spLocks noGrp="1"/>
           </p:cNvSpPr>
@@ -822,8 +825,8 @@
         </p:nvSpPr>
         <p:spPr>
           <a:xfrm>
-            <a:off x="609120" y="3963960"/>
-            <a:ext cx="3531960" cy="2158200"/>
+            <a:off x="609120" y="2595240"/>
+            <a:ext cx="1723320" cy="904320"/>
           </a:xfrm>
           <a:prstGeom prst="rect">
             <a:avLst/>
@@ -835,27 +838,27 @@
         </p:spPr>
         <p:txBody>
           <a:bodyPr lIns="0" rIns="0" tIns="0" bIns="0" anchor="t">
-            <a:normAutofit/>
+            <a:normAutofit fontScale="84366"/>
           </a:bodyPr>
           <a:p>
             <a:pPr indent="0">
               <a:spcBef>
-                <a:spcPts val="1888"/>
+                <a:spcPts val="1417"/>
               </a:spcBef>
               <a:buNone/>
             </a:pPr>
             <a:endParaRPr b="0" lang="en-US" sz="3200" spc="-1" strike="noStrike">
               <a:solidFill>
-                <a:schemeClr val="dk1"/>
+                <a:srgbClr val="000000"/>
               </a:solidFill>
-              <a:latin typeface="Calibri"/>
+              <a:latin typeface="Arial"/>
             </a:endParaRPr>
           </a:p>
         </p:txBody>
       </p:sp>
       <p:sp>
         <p:nvSpPr>
-          <p:cNvPr id="39" name="PlaceHolder 6"/>
+          <p:cNvPr id="41" name="PlaceHolder 6"/>
           <p:cNvSpPr>
             <a:spLocks noGrp="1"/>
           </p:cNvSpPr>
@@ -865,8 +868,8 @@
         </p:nvSpPr>
         <p:spPr>
           <a:xfrm>
-            <a:off x="4318200" y="3963960"/>
-            <a:ext cx="3531960" cy="2158200"/>
+            <a:off x="2418840" y="2595240"/>
+            <a:ext cx="1723320" cy="904320"/>
           </a:xfrm>
           <a:prstGeom prst="rect">
             <a:avLst/>
@@ -878,27 +881,27 @@
         </p:spPr>
         <p:txBody>
           <a:bodyPr lIns="0" rIns="0" tIns="0" bIns="0" anchor="t">
-            <a:normAutofit/>
+            <a:normAutofit fontScale="84366"/>
           </a:bodyPr>
           <a:p>
             <a:pPr indent="0">
               <a:spcBef>
-                <a:spcPts val="1888"/>
+                <a:spcPts val="1417"/>
               </a:spcBef>
               <a:buNone/>
             </a:pPr>
             <a:endParaRPr b="0" lang="en-US" sz="3200" spc="-1" strike="noStrike">
               <a:solidFill>
-                <a:schemeClr val="dk1"/>
+                <a:srgbClr val="000000"/>
               </a:solidFill>
-              <a:latin typeface="Calibri"/>
+              <a:latin typeface="Arial"/>
             </a:endParaRPr>
           </a:p>
         </p:txBody>
       </p:sp>
       <p:sp>
         <p:nvSpPr>
-          <p:cNvPr id="40" name="PlaceHolder 7"/>
+          <p:cNvPr id="42" name="PlaceHolder 7"/>
           <p:cNvSpPr>
             <a:spLocks noGrp="1"/>
           </p:cNvSpPr>
@@ -908,8 +911,8 @@
         </p:nvSpPr>
         <p:spPr>
           <a:xfrm>
-            <a:off x="8026920" y="3963960"/>
-            <a:ext cx="3531960" cy="2158200"/>
+            <a:off x="4228920" y="2595240"/>
+            <a:ext cx="1723320" cy="904320"/>
           </a:xfrm>
           <a:prstGeom prst="rect">
             <a:avLst/>
@@ -921,20 +924,20 @@
         </p:spPr>
         <p:txBody>
           <a:bodyPr lIns="0" rIns="0" tIns="0" bIns="0" anchor="t">
-            <a:normAutofit/>
+            <a:normAutofit fontScale="84366"/>
           </a:bodyPr>
           <a:p>
             <a:pPr indent="0">
               <a:spcBef>
-                <a:spcPts val="1888"/>
+                <a:spcPts val="1417"/>
               </a:spcBef>
               <a:buNone/>
             </a:pPr>
             <a:endParaRPr b="0" lang="en-US" sz="3200" spc="-1" strike="noStrike">
               <a:solidFill>
-                <a:schemeClr val="dk1"/>
+                <a:srgbClr val="000000"/>
               </a:solidFill>
-              <a:latin typeface="Calibri"/>
+              <a:latin typeface="Arial"/>
             </a:endParaRPr>
           </a:p>
         </p:txBody>
@@ -946,7 +949,7 @@
             <a:spLocks noGrp="1"/>
           </p:cNvSpPr>
           <p:nvPr>
-            <p:ph type="ftr" idx="2"/>
+            <p:ph type="ftr" idx="1"/>
           </p:nvPr>
         </p:nvSpPr>
         <p:spPr/>
@@ -966,14 +969,14 @@
             <a:spLocks noGrp="1"/>
           </p:cNvSpPr>
           <p:nvPr>
-            <p:ph type="sldNum" idx="3"/>
+            <p:ph type="sldNum" idx="2"/>
           </p:nvPr>
         </p:nvSpPr>
         <p:spPr/>
         <p:txBody>
           <a:bodyPr/>
           <a:p>
-            <a:fld id="{BD3C3CD2-0E7E-4029-9650-D08444C9D8B7}" type="slidenum">
+            <a:fld id="{AD71D754-C1F6-4CF6-89E8-55E6EC08DA1E}" type="slidenum">
               <a:t>&lt;#&gt;</a:t>
             </a:fld>
           </a:p>
@@ -986,7 +989,7 @@
             <a:spLocks noGrp="1"/>
           </p:cNvSpPr>
           <p:nvPr>
-            <p:ph type="dt" idx="1"/>
+            <p:ph type="dt" idx="3"/>
           </p:nvPr>
         </p:nvSpPr>
         <p:spPr/>
@@ -1024,7 +1027,7 @@
       </p:grpSpPr>
       <p:sp>
         <p:nvSpPr>
-          <p:cNvPr id="5" name="PlaceHolder 1"/>
+          <p:cNvPr id="7" name="PlaceHolder 1"/>
           <p:cNvSpPr>
             <a:spLocks noGrp="1"/>
           </p:cNvSpPr>
@@ -1035,7 +1038,7 @@
         <p:spPr>
           <a:xfrm>
             <a:off x="609120" y="274320"/>
-            <a:ext cx="10969560" cy="1142280"/>
+            <a:ext cx="10968840" cy="1141560"/>
           </a:xfrm>
           <a:prstGeom prst="rect">
             <a:avLst/>
@@ -1050,21 +1053,21 @@
             <a:noAutofit/>
           </a:bodyPr>
           <a:p>
-            <a:pPr indent="0">
+            <a:pPr indent="0" algn="ctr">
               <a:buNone/>
             </a:pPr>
-            <a:endParaRPr b="0" lang="en-US" sz="2400" spc="-1" strike="noStrike">
+            <a:endParaRPr b="0" lang="en-US" sz="4400" spc="-1" strike="noStrike">
               <a:solidFill>
-                <a:schemeClr val="dk1"/>
+                <a:srgbClr val="000000"/>
               </a:solidFill>
-              <a:latin typeface="Calibri"/>
+              <a:latin typeface="Arial"/>
             </a:endParaRPr>
           </a:p>
         </p:txBody>
       </p:sp>
       <p:sp>
         <p:nvSpPr>
-          <p:cNvPr id="6" name="PlaceHolder 2"/>
+          <p:cNvPr id="8" name="PlaceHolder 2"/>
           <p:cNvSpPr>
             <a:spLocks noGrp="1"/>
           </p:cNvSpPr>
@@ -1074,8 +1077,8 @@
         </p:nvSpPr>
         <p:spPr>
           <a:xfrm>
-            <a:off x="609120" y="1600200"/>
-            <a:ext cx="10969560" cy="4525200"/>
+            <a:off x="609120" y="1604520"/>
+            <a:ext cx="5352480" cy="1896480"/>
           </a:xfrm>
           <a:prstGeom prst="rect">
             <a:avLst/>
@@ -1109,7 +1112,7 @@
             <a:spLocks noGrp="1"/>
           </p:cNvSpPr>
           <p:nvPr>
-            <p:ph type="ftr" idx="2"/>
+            <p:ph type="ftr" idx="1"/>
           </p:nvPr>
         </p:nvSpPr>
         <p:spPr/>
@@ -1129,14 +1132,14 @@
             <a:spLocks noGrp="1"/>
           </p:cNvSpPr>
           <p:nvPr>
-            <p:ph type="sldNum" idx="3"/>
+            <p:ph type="sldNum" idx="2"/>
           </p:nvPr>
         </p:nvSpPr>
         <p:spPr/>
         <p:txBody>
           <a:bodyPr/>
           <a:p>
-            <a:fld id="{7D3D3E21-63C7-4B75-A60F-6A6A26E5E086}" type="slidenum">
+            <a:fld id="{B4AD2F86-7988-44FC-8B88-CB0D7B9CFCE6}" type="slidenum">
               <a:t>&lt;#&gt;</a:t>
             </a:fld>
           </a:p>
@@ -1149,7 +1152,7 @@
             <a:spLocks noGrp="1"/>
           </p:cNvSpPr>
           <p:nvPr>
-            <p:ph type="dt" idx="1"/>
+            <p:ph type="dt" idx="3"/>
           </p:nvPr>
         </p:nvSpPr>
         <p:spPr/>
@@ -1187,7 +1190,7 @@
       </p:grpSpPr>
       <p:sp>
         <p:nvSpPr>
-          <p:cNvPr id="7" name="PlaceHolder 1"/>
+          <p:cNvPr id="9" name="PlaceHolder 1"/>
           <p:cNvSpPr>
             <a:spLocks noGrp="1"/>
           </p:cNvSpPr>
@@ -1198,7 +1201,7 @@
         <p:spPr>
           <a:xfrm>
             <a:off x="609120" y="274320"/>
-            <a:ext cx="10969560" cy="1142280"/>
+            <a:ext cx="10968840" cy="1141560"/>
           </a:xfrm>
           <a:prstGeom prst="rect">
             <a:avLst/>
@@ -1213,21 +1216,21 @@
             <a:noAutofit/>
           </a:bodyPr>
           <a:p>
-            <a:pPr indent="0">
+            <a:pPr indent="0" algn="ctr">
               <a:buNone/>
             </a:pPr>
-            <a:endParaRPr b="0" lang="en-US" sz="2400" spc="-1" strike="noStrike">
+            <a:endParaRPr b="0" lang="en-US" sz="4400" spc="-1" strike="noStrike">
               <a:solidFill>
-                <a:schemeClr val="dk1"/>
+                <a:srgbClr val="000000"/>
               </a:solidFill>
-              <a:latin typeface="Calibri"/>
+              <a:latin typeface="Arial"/>
             </a:endParaRPr>
           </a:p>
         </p:txBody>
       </p:sp>
       <p:sp>
         <p:nvSpPr>
-          <p:cNvPr id="8" name="PlaceHolder 2"/>
+          <p:cNvPr id="10" name="PlaceHolder 2"/>
           <p:cNvSpPr>
             <a:spLocks noGrp="1"/>
           </p:cNvSpPr>
@@ -1237,8 +1240,8 @@
         </p:nvSpPr>
         <p:spPr>
           <a:xfrm>
-            <a:off x="609120" y="1600200"/>
-            <a:ext cx="10969560" cy="4525200"/>
+            <a:off x="609120" y="1604520"/>
+            <a:ext cx="5352480" cy="1896480"/>
           </a:xfrm>
           <a:prstGeom prst="rect">
             <a:avLst/>
@@ -1255,15 +1258,15 @@
           <a:p>
             <a:pPr indent="0">
               <a:spcBef>
-                <a:spcPts val="1888"/>
+                <a:spcPts val="1417"/>
               </a:spcBef>
               <a:buNone/>
             </a:pPr>
             <a:endParaRPr b="0" lang="en-US" sz="3200" spc="-1" strike="noStrike">
               <a:solidFill>
-                <a:schemeClr val="dk1"/>
+                <a:srgbClr val="000000"/>
               </a:solidFill>
-              <a:latin typeface="Calibri"/>
+              <a:latin typeface="Arial"/>
             </a:endParaRPr>
           </a:p>
         </p:txBody>
@@ -1275,7 +1278,7 @@
             <a:spLocks noGrp="1"/>
           </p:cNvSpPr>
           <p:nvPr>
-            <p:ph type="ftr" idx="2"/>
+            <p:ph type="ftr" idx="1"/>
           </p:nvPr>
         </p:nvSpPr>
         <p:spPr/>
@@ -1295,14 +1298,14 @@
             <a:spLocks noGrp="1"/>
           </p:cNvSpPr>
           <p:nvPr>
-            <p:ph type="sldNum" idx="3"/>
+            <p:ph type="sldNum" idx="2"/>
           </p:nvPr>
         </p:nvSpPr>
         <p:spPr/>
         <p:txBody>
           <a:bodyPr/>
           <a:p>
-            <a:fld id="{FDF59F07-7C00-4329-89D1-FE2CF63EAAB4}" type="slidenum">
+            <a:fld id="{FF33B235-B293-48DF-AC9C-3E3A869A465B}" type="slidenum">
               <a:t>&lt;#&gt;</a:t>
             </a:fld>
           </a:p>
@@ -1315,7 +1318,7 @@
             <a:spLocks noGrp="1"/>
           </p:cNvSpPr>
           <p:nvPr>
-            <p:ph type="dt" idx="1"/>
+            <p:ph type="dt" idx="3"/>
           </p:nvPr>
         </p:nvSpPr>
         <p:spPr/>
@@ -1353,7 +1356,7 @@
       </p:grpSpPr>
       <p:sp>
         <p:nvSpPr>
-          <p:cNvPr id="9" name="PlaceHolder 1"/>
+          <p:cNvPr id="11" name="PlaceHolder 1"/>
           <p:cNvSpPr>
             <a:spLocks noGrp="1"/>
           </p:cNvSpPr>
@@ -1364,7 +1367,7 @@
         <p:spPr>
           <a:xfrm>
             <a:off x="609120" y="274320"/>
-            <a:ext cx="10969560" cy="1142280"/>
+            <a:ext cx="10968840" cy="1141560"/>
           </a:xfrm>
           <a:prstGeom prst="rect">
             <a:avLst/>
@@ -1379,21 +1382,21 @@
             <a:noAutofit/>
           </a:bodyPr>
           <a:p>
-            <a:pPr indent="0">
+            <a:pPr indent="0" algn="ctr">
               <a:buNone/>
             </a:pPr>
-            <a:endParaRPr b="0" lang="en-US" sz="2400" spc="-1" strike="noStrike">
+            <a:endParaRPr b="0" lang="en-US" sz="4400" spc="-1" strike="noStrike">
               <a:solidFill>
-                <a:schemeClr val="dk1"/>
+                <a:srgbClr val="000000"/>
               </a:solidFill>
-              <a:latin typeface="Calibri"/>
+              <a:latin typeface="Arial"/>
             </a:endParaRPr>
           </a:p>
         </p:txBody>
       </p:sp>
       <p:sp>
         <p:nvSpPr>
-          <p:cNvPr id="10" name="PlaceHolder 2"/>
+          <p:cNvPr id="12" name="PlaceHolder 2"/>
           <p:cNvSpPr>
             <a:spLocks noGrp="1"/>
           </p:cNvSpPr>
@@ -1403,8 +1406,8 @@
         </p:nvSpPr>
         <p:spPr>
           <a:xfrm>
-            <a:off x="609120" y="1600200"/>
-            <a:ext cx="5352840" cy="4525200"/>
+            <a:off x="609120" y="1604520"/>
+            <a:ext cx="2611800" cy="1896480"/>
           </a:xfrm>
           <a:prstGeom prst="rect">
             <a:avLst/>
@@ -1421,22 +1424,22 @@
           <a:p>
             <a:pPr indent="0">
               <a:spcBef>
-                <a:spcPts val="1888"/>
+                <a:spcPts val="1417"/>
               </a:spcBef>
               <a:buNone/>
             </a:pPr>
             <a:endParaRPr b="0" lang="en-US" sz="3200" spc="-1" strike="noStrike">
               <a:solidFill>
-                <a:schemeClr val="dk1"/>
+                <a:srgbClr val="000000"/>
               </a:solidFill>
-              <a:latin typeface="Calibri"/>
+              <a:latin typeface="Arial"/>
             </a:endParaRPr>
           </a:p>
         </p:txBody>
       </p:sp>
       <p:sp>
         <p:nvSpPr>
-          <p:cNvPr id="11" name="PlaceHolder 3"/>
+          <p:cNvPr id="13" name="PlaceHolder 3"/>
           <p:cNvSpPr>
             <a:spLocks noGrp="1"/>
           </p:cNvSpPr>
@@ -1446,8 +1449,8 @@
         </p:nvSpPr>
         <p:spPr>
           <a:xfrm>
-            <a:off x="6230160" y="1600200"/>
-            <a:ext cx="5352840" cy="4525200"/>
+            <a:off x="3351960" y="1604520"/>
+            <a:ext cx="2611800" cy="1896480"/>
           </a:xfrm>
           <a:prstGeom prst="rect">
             <a:avLst/>
@@ -1464,15 +1467,15 @@
           <a:p>
             <a:pPr indent="0">
               <a:spcBef>
-                <a:spcPts val="1888"/>
+                <a:spcPts val="1417"/>
               </a:spcBef>
               <a:buNone/>
             </a:pPr>
             <a:endParaRPr b="0" lang="en-US" sz="3200" spc="-1" strike="noStrike">
               <a:solidFill>
-                <a:schemeClr val="dk1"/>
+                <a:srgbClr val="000000"/>
               </a:solidFill>
-              <a:latin typeface="Calibri"/>
+              <a:latin typeface="Arial"/>
             </a:endParaRPr>
           </a:p>
         </p:txBody>
@@ -1484,7 +1487,7 @@
             <a:spLocks noGrp="1"/>
           </p:cNvSpPr>
           <p:nvPr>
-            <p:ph type="ftr" idx="2"/>
+            <p:ph type="ftr" idx="1"/>
           </p:nvPr>
         </p:nvSpPr>
         <p:spPr/>
@@ -1504,14 +1507,14 @@
             <a:spLocks noGrp="1"/>
           </p:cNvSpPr>
           <p:nvPr>
-            <p:ph type="sldNum" idx="3"/>
+            <p:ph type="sldNum" idx="2"/>
           </p:nvPr>
         </p:nvSpPr>
         <p:spPr/>
         <p:txBody>
           <a:bodyPr/>
           <a:p>
-            <a:fld id="{C7BA072A-3FB2-4318-9812-690F3375FC3D}" type="slidenum">
+            <a:fld id="{F041CC6C-D0C9-43B8-BA5C-6D40A44EB033}" type="slidenum">
               <a:t>&lt;#&gt;</a:t>
             </a:fld>
           </a:p>
@@ -1524,7 +1527,7 @@
             <a:spLocks noGrp="1"/>
           </p:cNvSpPr>
           <p:nvPr>
-            <p:ph type="dt" idx="1"/>
+            <p:ph type="dt" idx="3"/>
           </p:nvPr>
         </p:nvSpPr>
         <p:spPr/>
@@ -1562,7 +1565,7 @@
       </p:grpSpPr>
       <p:sp>
         <p:nvSpPr>
-          <p:cNvPr id="12" name="PlaceHolder 1"/>
+          <p:cNvPr id="14" name="PlaceHolder 1"/>
           <p:cNvSpPr>
             <a:spLocks noGrp="1"/>
           </p:cNvSpPr>
@@ -1573,7 +1576,7 @@
         <p:spPr>
           <a:xfrm>
             <a:off x="609120" y="274320"/>
-            <a:ext cx="10969560" cy="1142280"/>
+            <a:ext cx="10968840" cy="1141560"/>
           </a:xfrm>
           <a:prstGeom prst="rect">
             <a:avLst/>
@@ -1588,14 +1591,14 @@
             <a:noAutofit/>
           </a:bodyPr>
           <a:p>
-            <a:pPr indent="0">
+            <a:pPr indent="0" algn="ctr">
               <a:buNone/>
             </a:pPr>
-            <a:endParaRPr b="0" lang="en-US" sz="2400" spc="-1" strike="noStrike">
+            <a:endParaRPr b="0" lang="en-US" sz="4400" spc="-1" strike="noStrike">
               <a:solidFill>
-                <a:schemeClr val="dk1"/>
+                <a:srgbClr val="000000"/>
               </a:solidFill>
-              <a:latin typeface="Calibri"/>
+              <a:latin typeface="Arial"/>
             </a:endParaRPr>
           </a:p>
         </p:txBody>
@@ -1607,7 +1610,7 @@
             <a:spLocks noGrp="1"/>
           </p:cNvSpPr>
           <p:nvPr>
-            <p:ph type="ftr" idx="2"/>
+            <p:ph type="ftr" idx="1"/>
           </p:nvPr>
         </p:nvSpPr>
         <p:spPr/>
@@ -1627,14 +1630,14 @@
             <a:spLocks noGrp="1"/>
           </p:cNvSpPr>
           <p:nvPr>
-            <p:ph type="sldNum" idx="3"/>
+            <p:ph type="sldNum" idx="2"/>
           </p:nvPr>
         </p:nvSpPr>
         <p:spPr/>
         <p:txBody>
           <a:bodyPr/>
           <a:p>
-            <a:fld id="{87F7F329-AA5E-416B-B605-C48A3CB23133}" type="slidenum">
+            <a:fld id="{232B94A1-B891-4146-8757-3C4B5D7A4B53}" type="slidenum">
               <a:t>&lt;#&gt;</a:t>
             </a:fld>
           </a:p>
@@ -1647,7 +1650,7 @@
             <a:spLocks noGrp="1"/>
           </p:cNvSpPr>
           <p:nvPr>
-            <p:ph type="dt" idx="1"/>
+            <p:ph type="dt" idx="3"/>
           </p:nvPr>
         </p:nvSpPr>
         <p:spPr/>
@@ -1685,7 +1688,7 @@
       </p:grpSpPr>
       <p:sp>
         <p:nvSpPr>
-          <p:cNvPr id="13" name="PlaceHolder 1"/>
+          <p:cNvPr id="15" name="PlaceHolder 1"/>
           <p:cNvSpPr>
             <a:spLocks noGrp="1"/>
           </p:cNvSpPr>
@@ -1696,7 +1699,7 @@
         <p:spPr>
           <a:xfrm>
             <a:off x="609120" y="274320"/>
-            <a:ext cx="10969560" cy="5296320"/>
+            <a:ext cx="10968840" cy="5292720"/>
           </a:xfrm>
           <a:prstGeom prst="rect">
             <a:avLst/>
@@ -1728,7 +1731,7 @@
             <a:spLocks noGrp="1"/>
           </p:cNvSpPr>
           <p:nvPr>
-            <p:ph type="ftr" idx="2"/>
+            <p:ph type="ftr" idx="1"/>
           </p:nvPr>
         </p:nvSpPr>
         <p:spPr/>
@@ -1748,14 +1751,14 @@
             <a:spLocks noGrp="1"/>
           </p:cNvSpPr>
           <p:nvPr>
-            <p:ph type="sldNum" idx="3"/>
+            <p:ph type="sldNum" idx="2"/>
           </p:nvPr>
         </p:nvSpPr>
         <p:spPr/>
         <p:txBody>
           <a:bodyPr/>
           <a:p>
-            <a:fld id="{7E988B64-024A-4D88-9DCA-6001C6E77201}" type="slidenum">
+            <a:fld id="{FD1249F0-0D33-4ECE-83E9-B95D9F24C529}" type="slidenum">
               <a:t>&lt;#&gt;</a:t>
             </a:fld>
           </a:p>
@@ -1768,7 +1771,7 @@
             <a:spLocks noGrp="1"/>
           </p:cNvSpPr>
           <p:nvPr>
-            <p:ph type="dt" idx="1"/>
+            <p:ph type="dt" idx="3"/>
           </p:nvPr>
         </p:nvSpPr>
         <p:spPr/>
@@ -1806,7 +1809,7 @@
       </p:grpSpPr>
       <p:sp>
         <p:nvSpPr>
-          <p:cNvPr id="14" name="PlaceHolder 1"/>
+          <p:cNvPr id="16" name="PlaceHolder 1"/>
           <p:cNvSpPr>
             <a:spLocks noGrp="1"/>
           </p:cNvSpPr>
@@ -1817,7 +1820,7 @@
         <p:spPr>
           <a:xfrm>
             <a:off x="609120" y="274320"/>
-            <a:ext cx="10969560" cy="1142280"/>
+            <a:ext cx="10968840" cy="1141560"/>
           </a:xfrm>
           <a:prstGeom prst="rect">
             <a:avLst/>
@@ -1832,21 +1835,21 @@
             <a:noAutofit/>
           </a:bodyPr>
           <a:p>
-            <a:pPr indent="0">
+            <a:pPr indent="0" algn="ctr">
               <a:buNone/>
             </a:pPr>
-            <a:endParaRPr b="0" lang="en-US" sz="2400" spc="-1" strike="noStrike">
+            <a:endParaRPr b="0" lang="en-US" sz="4400" spc="-1" strike="noStrike">
               <a:solidFill>
-                <a:schemeClr val="dk1"/>
+                <a:srgbClr val="000000"/>
               </a:solidFill>
-              <a:latin typeface="Calibri"/>
+              <a:latin typeface="Arial"/>
             </a:endParaRPr>
           </a:p>
         </p:txBody>
       </p:sp>
       <p:sp>
         <p:nvSpPr>
-          <p:cNvPr id="15" name="PlaceHolder 2"/>
+          <p:cNvPr id="17" name="PlaceHolder 2"/>
           <p:cNvSpPr>
             <a:spLocks noGrp="1"/>
           </p:cNvSpPr>
@@ -1856,8 +1859,8 @@
         </p:nvSpPr>
         <p:spPr>
           <a:xfrm>
-            <a:off x="609120" y="1600200"/>
-            <a:ext cx="5352840" cy="2158200"/>
+            <a:off x="609120" y="1604520"/>
+            <a:ext cx="2611800" cy="904320"/>
           </a:xfrm>
           <a:prstGeom prst="rect">
             <a:avLst/>
@@ -1874,22 +1877,22 @@
           <a:p>
             <a:pPr indent="0">
               <a:spcBef>
-                <a:spcPts val="1888"/>
+                <a:spcPts val="1417"/>
               </a:spcBef>
               <a:buNone/>
             </a:pPr>
             <a:endParaRPr b="0" lang="en-US" sz="3200" spc="-1" strike="noStrike">
               <a:solidFill>
-                <a:schemeClr val="dk1"/>
+                <a:srgbClr val="000000"/>
               </a:solidFill>
-              <a:latin typeface="Calibri"/>
+              <a:latin typeface="Arial"/>
             </a:endParaRPr>
           </a:p>
         </p:txBody>
       </p:sp>
       <p:sp>
         <p:nvSpPr>
-          <p:cNvPr id="16" name="PlaceHolder 3"/>
+          <p:cNvPr id="18" name="PlaceHolder 3"/>
           <p:cNvSpPr>
             <a:spLocks noGrp="1"/>
           </p:cNvSpPr>
@@ -1899,8 +1902,8 @@
         </p:nvSpPr>
         <p:spPr>
           <a:xfrm>
-            <a:off x="6230160" y="1600200"/>
-            <a:ext cx="5352840" cy="4525200"/>
+            <a:off x="3351960" y="1604520"/>
+            <a:ext cx="2611800" cy="1896480"/>
           </a:xfrm>
           <a:prstGeom prst="rect">
             <a:avLst/>
@@ -1917,22 +1920,22 @@
           <a:p>
             <a:pPr indent="0">
               <a:spcBef>
-                <a:spcPts val="1888"/>
+                <a:spcPts val="1417"/>
               </a:spcBef>
               <a:buNone/>
             </a:pPr>
             <a:endParaRPr b="0" lang="en-US" sz="3200" spc="-1" strike="noStrike">
               <a:solidFill>
-                <a:schemeClr val="dk1"/>
+                <a:srgbClr val="000000"/>
               </a:solidFill>
-              <a:latin typeface="Calibri"/>
+              <a:latin typeface="Arial"/>
             </a:endParaRPr>
           </a:p>
         </p:txBody>
       </p:sp>
       <p:sp>
         <p:nvSpPr>
-          <p:cNvPr id="17" name="PlaceHolder 4"/>
+          <p:cNvPr id="19" name="PlaceHolder 4"/>
           <p:cNvSpPr>
             <a:spLocks noGrp="1"/>
           </p:cNvSpPr>
@@ -1942,8 +1945,8 @@
         </p:nvSpPr>
         <p:spPr>
           <a:xfrm>
-            <a:off x="609120" y="3963960"/>
-            <a:ext cx="5352840" cy="2158200"/>
+            <a:off x="609120" y="2595240"/>
+            <a:ext cx="2611800" cy="904320"/>
           </a:xfrm>
           <a:prstGeom prst="rect">
             <a:avLst/>
@@ -1960,15 +1963,15 @@
           <a:p>
             <a:pPr indent="0">
               <a:spcBef>
-                <a:spcPts val="1888"/>
+                <a:spcPts val="1417"/>
               </a:spcBef>
               <a:buNone/>
             </a:pPr>
             <a:endParaRPr b="0" lang="en-US" sz="3200" spc="-1" strike="noStrike">
               <a:solidFill>
-                <a:schemeClr val="dk1"/>
+                <a:srgbClr val="000000"/>
               </a:solidFill>
-              <a:latin typeface="Calibri"/>
+              <a:latin typeface="Arial"/>
             </a:endParaRPr>
           </a:p>
         </p:txBody>
@@ -1980,7 +1983,7 @@
             <a:spLocks noGrp="1"/>
           </p:cNvSpPr>
           <p:nvPr>
-            <p:ph type="ftr" idx="2"/>
+            <p:ph type="ftr" idx="1"/>
           </p:nvPr>
         </p:nvSpPr>
         <p:spPr/>
@@ -2000,14 +2003,14 @@
             <a:spLocks noGrp="1"/>
           </p:cNvSpPr>
           <p:nvPr>
-            <p:ph type="sldNum" idx="3"/>
+            <p:ph type="sldNum" idx="2"/>
           </p:nvPr>
         </p:nvSpPr>
         <p:spPr/>
         <p:txBody>
           <a:bodyPr/>
           <a:p>
-            <a:fld id="{B0C1645B-0F49-421F-80FD-E4E3428AF771}" type="slidenum">
+            <a:fld id="{C4701BF2-3117-40C4-B16E-06A2D25E2B43}" type="slidenum">
               <a:t>&lt;#&gt;</a:t>
             </a:fld>
           </a:p>
@@ -2020,7 +2023,7 @@
             <a:spLocks noGrp="1"/>
           </p:cNvSpPr>
           <p:nvPr>
-            <p:ph type="dt" idx="1"/>
+            <p:ph type="dt" idx="3"/>
           </p:nvPr>
         </p:nvSpPr>
         <p:spPr/>
@@ -2058,7 +2061,7 @@
       </p:grpSpPr>
       <p:sp>
         <p:nvSpPr>
-          <p:cNvPr id="18" name="PlaceHolder 1"/>
+          <p:cNvPr id="20" name="PlaceHolder 1"/>
           <p:cNvSpPr>
             <a:spLocks noGrp="1"/>
           </p:cNvSpPr>
@@ -2069,7 +2072,7 @@
         <p:spPr>
           <a:xfrm>
             <a:off x="609120" y="274320"/>
-            <a:ext cx="10969560" cy="1142280"/>
+            <a:ext cx="10968840" cy="1141560"/>
           </a:xfrm>
           <a:prstGeom prst="rect">
             <a:avLst/>
@@ -2084,21 +2087,21 @@
             <a:noAutofit/>
           </a:bodyPr>
           <a:p>
-            <a:pPr indent="0">
+            <a:pPr indent="0" algn="ctr">
               <a:buNone/>
             </a:pPr>
-            <a:endParaRPr b="0" lang="en-US" sz="2400" spc="-1" strike="noStrike">
+            <a:endParaRPr b="0" lang="en-US" sz="4400" spc="-1" strike="noStrike">
               <a:solidFill>
-                <a:schemeClr val="dk1"/>
+                <a:srgbClr val="000000"/>
               </a:solidFill>
-              <a:latin typeface="Calibri"/>
+              <a:latin typeface="Arial"/>
             </a:endParaRPr>
           </a:p>
         </p:txBody>
       </p:sp>
       <p:sp>
         <p:nvSpPr>
-          <p:cNvPr id="19" name="PlaceHolder 2"/>
+          <p:cNvPr id="21" name="PlaceHolder 2"/>
           <p:cNvSpPr>
             <a:spLocks noGrp="1"/>
           </p:cNvSpPr>
@@ -2108,8 +2111,8 @@
         </p:nvSpPr>
         <p:spPr>
           <a:xfrm>
-            <a:off x="609120" y="1600200"/>
-            <a:ext cx="5352840" cy="4525200"/>
+            <a:off x="609120" y="1604520"/>
+            <a:ext cx="2611800" cy="1896480"/>
           </a:xfrm>
           <a:prstGeom prst="rect">
             <a:avLst/>
@@ -2126,22 +2129,22 @@
           <a:p>
             <a:pPr indent="0">
               <a:spcBef>
-                <a:spcPts val="1888"/>
+                <a:spcPts val="1417"/>
               </a:spcBef>
               <a:buNone/>
             </a:pPr>
             <a:endParaRPr b="0" lang="en-US" sz="3200" spc="-1" strike="noStrike">
               <a:solidFill>
-                <a:schemeClr val="dk1"/>
+                <a:srgbClr val="000000"/>
               </a:solidFill>
-              <a:latin typeface="Calibri"/>
+              <a:latin typeface="Arial"/>
             </a:endParaRPr>
           </a:p>
         </p:txBody>
       </p:sp>
       <p:sp>
         <p:nvSpPr>
-          <p:cNvPr id="20" name="PlaceHolder 3"/>
+          <p:cNvPr id="22" name="PlaceHolder 3"/>
           <p:cNvSpPr>
             <a:spLocks noGrp="1"/>
           </p:cNvSpPr>
@@ -2151,8 +2154,8 @@
         </p:nvSpPr>
         <p:spPr>
           <a:xfrm>
-            <a:off x="6230160" y="1600200"/>
-            <a:ext cx="5352840" cy="2158200"/>
+            <a:off x="3351960" y="1604520"/>
+            <a:ext cx="2611800" cy="904320"/>
           </a:xfrm>
           <a:prstGeom prst="rect">
             <a:avLst/>
@@ -2169,22 +2172,22 @@
           <a:p>
             <a:pPr indent="0">
               <a:spcBef>
-                <a:spcPts val="1888"/>
+                <a:spcPts val="1417"/>
               </a:spcBef>
               <a:buNone/>
             </a:pPr>
             <a:endParaRPr b="0" lang="en-US" sz="3200" spc="-1" strike="noStrike">
               <a:solidFill>
-                <a:schemeClr val="dk1"/>
+                <a:srgbClr val="000000"/>
               </a:solidFill>
-              <a:latin typeface="Calibri"/>
+              <a:latin typeface="Arial"/>
             </a:endParaRPr>
           </a:p>
         </p:txBody>
       </p:sp>
       <p:sp>
         <p:nvSpPr>
-          <p:cNvPr id="21" name="PlaceHolder 4"/>
+          <p:cNvPr id="23" name="PlaceHolder 4"/>
           <p:cNvSpPr>
             <a:spLocks noGrp="1"/>
           </p:cNvSpPr>
@@ -2194,8 +2197,8 @@
         </p:nvSpPr>
         <p:spPr>
           <a:xfrm>
-            <a:off x="6230160" y="3963960"/>
-            <a:ext cx="5352840" cy="2158200"/>
+            <a:off x="3351960" y="2595240"/>
+            <a:ext cx="2611800" cy="904320"/>
           </a:xfrm>
           <a:prstGeom prst="rect">
             <a:avLst/>
@@ -2212,15 +2215,15 @@
           <a:p>
             <a:pPr indent="0">
               <a:spcBef>
-                <a:spcPts val="1888"/>
+                <a:spcPts val="1417"/>
               </a:spcBef>
               <a:buNone/>
             </a:pPr>
             <a:endParaRPr b="0" lang="en-US" sz="3200" spc="-1" strike="noStrike">
               <a:solidFill>
-                <a:schemeClr val="dk1"/>
+                <a:srgbClr val="000000"/>
               </a:solidFill>
-              <a:latin typeface="Calibri"/>
+              <a:latin typeface="Arial"/>
             </a:endParaRPr>
           </a:p>
         </p:txBody>
@@ -2232,7 +2235,7 @@
             <a:spLocks noGrp="1"/>
           </p:cNvSpPr>
           <p:nvPr>
-            <p:ph type="ftr" idx="2"/>
+            <p:ph type="ftr" idx="1"/>
           </p:nvPr>
         </p:nvSpPr>
         <p:spPr/>
@@ -2252,14 +2255,14 @@
             <a:spLocks noGrp="1"/>
           </p:cNvSpPr>
           <p:nvPr>
-            <p:ph type="sldNum" idx="3"/>
+            <p:ph type="sldNum" idx="2"/>
           </p:nvPr>
         </p:nvSpPr>
         <p:spPr/>
         <p:txBody>
           <a:bodyPr/>
           <a:p>
-            <a:fld id="{123B2960-A39C-426E-8C2C-BF37908A2050}" type="slidenum">
+            <a:fld id="{EDB04D34-F72D-42B5-974F-2A00B3DEB9D9}" type="slidenum">
               <a:t>&lt;#&gt;</a:t>
             </a:fld>
           </a:p>
@@ -2272,7 +2275,7 @@
             <a:spLocks noGrp="1"/>
           </p:cNvSpPr>
           <p:nvPr>
-            <p:ph type="dt" idx="1"/>
+            <p:ph type="dt" idx="3"/>
           </p:nvPr>
         </p:nvSpPr>
         <p:spPr/>
@@ -2310,7 +2313,7 @@
       </p:grpSpPr>
       <p:sp>
         <p:nvSpPr>
-          <p:cNvPr id="22" name="PlaceHolder 1"/>
+          <p:cNvPr id="24" name="PlaceHolder 1"/>
           <p:cNvSpPr>
             <a:spLocks noGrp="1"/>
           </p:cNvSpPr>
@@ -2321,7 +2324,7 @@
         <p:spPr>
           <a:xfrm>
             <a:off x="609120" y="274320"/>
-            <a:ext cx="10969560" cy="1142280"/>
+            <a:ext cx="10968840" cy="1141560"/>
           </a:xfrm>
           <a:prstGeom prst="rect">
             <a:avLst/>
@@ -2336,21 +2339,21 @@
             <a:noAutofit/>
           </a:bodyPr>
           <a:p>
-            <a:pPr indent="0">
+            <a:pPr indent="0" algn="ctr">
               <a:buNone/>
             </a:pPr>
-            <a:endParaRPr b="0" lang="en-US" sz="2400" spc="-1" strike="noStrike">
+            <a:endParaRPr b="0" lang="en-US" sz="4400" spc="-1" strike="noStrike">
               <a:solidFill>
-                <a:schemeClr val="dk1"/>
+                <a:srgbClr val="000000"/>
               </a:solidFill>
-              <a:latin typeface="Calibri"/>
+              <a:latin typeface="Arial"/>
             </a:endParaRPr>
           </a:p>
         </p:txBody>
       </p:sp>
       <p:sp>
         <p:nvSpPr>
-          <p:cNvPr id="23" name="PlaceHolder 2"/>
+          <p:cNvPr id="25" name="PlaceHolder 2"/>
           <p:cNvSpPr>
             <a:spLocks noGrp="1"/>
           </p:cNvSpPr>
@@ -2360,8 +2363,8 @@
         </p:nvSpPr>
         <p:spPr>
           <a:xfrm>
-            <a:off x="609120" y="1600200"/>
-            <a:ext cx="5352840" cy="2158200"/>
+            <a:off x="609120" y="1604520"/>
+            <a:ext cx="2611800" cy="904320"/>
           </a:xfrm>
           <a:prstGeom prst="rect">
             <a:avLst/>
@@ -2378,22 +2381,22 @@
           <a:p>
             <a:pPr indent="0">
               <a:spcBef>
-                <a:spcPts val="1888"/>
+                <a:spcPts val="1417"/>
               </a:spcBef>
               <a:buNone/>
             </a:pPr>
             <a:endParaRPr b="0" lang="en-US" sz="3200" spc="-1" strike="noStrike">
               <a:solidFill>
-                <a:schemeClr val="dk1"/>
+                <a:srgbClr val="000000"/>
               </a:solidFill>
-              <a:latin typeface="Calibri"/>
+              <a:latin typeface="Arial"/>
             </a:endParaRPr>
           </a:p>
         </p:txBody>
       </p:sp>
       <p:sp>
         <p:nvSpPr>
-          <p:cNvPr id="24" name="PlaceHolder 3"/>
+          <p:cNvPr id="26" name="PlaceHolder 3"/>
           <p:cNvSpPr>
             <a:spLocks noGrp="1"/>
           </p:cNvSpPr>
@@ -2403,8 +2406,8 @@
         </p:nvSpPr>
         <p:spPr>
           <a:xfrm>
-            <a:off x="6230160" y="1600200"/>
-            <a:ext cx="5352840" cy="2158200"/>
+            <a:off x="3351960" y="1604520"/>
+            <a:ext cx="2611800" cy="904320"/>
           </a:xfrm>
           <a:prstGeom prst="rect">
             <a:avLst/>
@@ -2421,22 +2424,22 @@
           <a:p>
             <a:pPr indent="0">
               <a:spcBef>
-                <a:spcPts val="1888"/>
+                <a:spcPts val="1417"/>
               </a:spcBef>
               <a:buNone/>
             </a:pPr>
             <a:endParaRPr b="0" lang="en-US" sz="3200" spc="-1" strike="noStrike">
               <a:solidFill>
-                <a:schemeClr val="dk1"/>
+                <a:srgbClr val="000000"/>
               </a:solidFill>
-              <a:latin typeface="Calibri"/>
+              <a:latin typeface="Arial"/>
             </a:endParaRPr>
           </a:p>
         </p:txBody>
       </p:sp>
       <p:sp>
         <p:nvSpPr>
-          <p:cNvPr id="25" name="PlaceHolder 4"/>
+          <p:cNvPr id="27" name="PlaceHolder 4"/>
           <p:cNvSpPr>
             <a:spLocks noGrp="1"/>
           </p:cNvSpPr>
@@ -2446,8 +2449,8 @@
         </p:nvSpPr>
         <p:spPr>
           <a:xfrm>
-            <a:off x="609120" y="3963960"/>
-            <a:ext cx="10969560" cy="2158200"/>
+            <a:off x="609120" y="2595240"/>
+            <a:ext cx="5352480" cy="904320"/>
           </a:xfrm>
           <a:prstGeom prst="rect">
             <a:avLst/>
@@ -2464,15 +2467,15 @@
           <a:p>
             <a:pPr indent="0">
               <a:spcBef>
-                <a:spcPts val="1888"/>
+                <a:spcPts val="1417"/>
               </a:spcBef>
               <a:buNone/>
             </a:pPr>
             <a:endParaRPr b="0" lang="en-US" sz="3200" spc="-1" strike="noStrike">
               <a:solidFill>
-                <a:schemeClr val="dk1"/>
+                <a:srgbClr val="000000"/>
               </a:solidFill>
-              <a:latin typeface="Calibri"/>
+              <a:latin typeface="Arial"/>
             </a:endParaRPr>
           </a:p>
         </p:txBody>
@@ -2484,7 +2487,7 @@
             <a:spLocks noGrp="1"/>
           </p:cNvSpPr>
           <p:nvPr>
-            <p:ph type="ftr" idx="2"/>
+            <p:ph type="ftr" idx="1"/>
           </p:nvPr>
         </p:nvSpPr>
         <p:spPr/>
@@ -2504,14 +2507,14 @@
             <a:spLocks noGrp="1"/>
           </p:cNvSpPr>
           <p:nvPr>
-            <p:ph type="sldNum" idx="3"/>
+            <p:ph type="sldNum" idx="2"/>
           </p:nvPr>
         </p:nvSpPr>
         <p:spPr/>
         <p:txBody>
           <a:bodyPr/>
           <a:p>
-            <a:fld id="{ECFCE03F-1F8B-44AF-BC65-9CFF184F6B3B}" type="slidenum">
+            <a:fld id="{E17EFC89-CA1E-46B7-82AB-B69DCF45FCD3}" type="slidenum">
               <a:t>&lt;#&gt;</a:t>
             </a:fld>
           </a:p>
@@ -2524,7 +2527,7 @@
             <a:spLocks noGrp="1"/>
           </p:cNvSpPr>
           <p:nvPr>
-            <p:ph type="dt" idx="1"/>
+            <p:ph type="dt" idx="3"/>
           </p:nvPr>
         </p:nvSpPr>
         <p:spPr/>
@@ -2579,8 +2582,8 @@
         </p:nvSpPr>
         <p:spPr>
           <a:xfrm>
-            <a:off x="914040" y="2130120"/>
-            <a:ext cx="10360080" cy="1469880"/>
+            <a:off x="609120" y="274320"/>
+            <a:ext cx="10968840" cy="1141560"/>
           </a:xfrm>
           <a:prstGeom prst="rect">
             <a:avLst/>
@@ -2591,66 +2594,27 @@
           </a:ln>
         </p:spPr>
         <p:txBody>
-          <a:bodyPr lIns="91440" rIns="91440" tIns="45720" bIns="45720" anchor="ctr">
+          <a:bodyPr lIns="0" rIns="0" tIns="0" bIns="0" anchor="ctr">
             <a:noAutofit/>
           </a:bodyPr>
           <a:p>
-            <a:pPr indent="0" algn="ctr" defTabSz="343080">
-              <a:lnSpc>
-                <a:spcPct val="100000"/>
-              </a:lnSpc>
+            <a:pPr indent="0">
               <a:buNone/>
             </a:pPr>
             <a:r>
-              <a:rPr b="0" lang="en-US" sz="3300" spc="-1" strike="noStrike">
+              <a:rPr b="0" lang="en-US" sz="1800" spc="-1" strike="noStrike">
                 <a:solidFill>
-                  <a:schemeClr val="dk1"/>
+                  <a:srgbClr val="000000"/>
                 </a:solidFill>
-                <a:latin typeface="Calibri"/>
+                <a:latin typeface="Arial"/>
               </a:rPr>
-              <a:t>Click to </a:t>
+              <a:t>Click to edit the title text format</a:t>
             </a:r>
-            <a:r>
-              <a:rPr b="0" lang="en-US" sz="3300" spc="-1" strike="noStrike">
-                <a:solidFill>
-                  <a:schemeClr val="dk1"/>
-                </a:solidFill>
-                <a:latin typeface="Calibri"/>
-              </a:rPr>
-              <a:t>edit </a:t>
-            </a:r>
-            <a:r>
-              <a:rPr b="0" lang="en-US" sz="3300" spc="-1" strike="noStrike">
-                <a:solidFill>
-                  <a:schemeClr val="dk1"/>
-                </a:solidFill>
-                <a:latin typeface="Calibri"/>
-              </a:rPr>
-              <a:t>Master </a:t>
-            </a:r>
-            <a:r>
-              <a:rPr b="0" lang="en-US" sz="3300" spc="-1" strike="noStrike">
-                <a:solidFill>
-                  <a:schemeClr val="dk1"/>
-                </a:solidFill>
-                <a:latin typeface="Calibri"/>
-              </a:rPr>
-              <a:t>title </a:t>
-            </a:r>
-            <a:r>
-              <a:rPr b="0" lang="en-US" sz="3300" spc="-1" strike="noStrike">
-                <a:solidFill>
-                  <a:schemeClr val="dk1"/>
-                </a:solidFill>
-                <a:latin typeface="Calibri"/>
-              </a:rPr>
-              <a:t>style</a:t>
-            </a:r>
-            <a:endParaRPr b="0" lang="en-US" sz="3300" spc="-1" strike="noStrike">
+            <a:endParaRPr b="0" lang="en-US" sz="1800" spc="-1" strike="noStrike">
               <a:solidFill>
-                <a:schemeClr val="dk1"/>
+                <a:srgbClr val="000000"/>
               </a:solidFill>
-              <a:latin typeface="Calibri"/>
+              <a:latin typeface="Arial"/>
             </a:endParaRPr>
           </a:p>
         </p:txBody>
@@ -2662,13 +2626,13 @@
             <a:spLocks noGrp="1"/>
           </p:cNvSpPr>
           <p:nvPr>
-            <p:ph type="dt" idx="1"/>
+            <p:ph type="body"/>
           </p:nvPr>
         </p:nvSpPr>
         <p:spPr>
           <a:xfrm>
-            <a:off x="609120" y="6355800"/>
-            <a:ext cx="2843640" cy="364680"/>
+            <a:off x="609120" y="1604520"/>
+            <a:ext cx="5352480" cy="1896480"/>
           </a:xfrm>
           <a:prstGeom prst="rect">
             <a:avLst/>
@@ -2679,48 +2643,203 @@
           </a:ln>
         </p:spPr>
         <p:txBody>
-          <a:bodyPr lIns="91440" rIns="91440" tIns="45720" bIns="45720" anchor="ctr">
-            <a:noAutofit/>
+          <a:bodyPr lIns="0" rIns="0" tIns="0" bIns="0" anchor="t">
+            <a:normAutofit fontScale="71666"/>
           </a:bodyPr>
-          <a:lstStyle>
-            <a:lvl1pPr indent="0" defTabSz="457200">
-              <a:lnSpc>
-                <a:spcPct val="100000"/>
-              </a:lnSpc>
-              <a:buNone/>
-              <a:defRPr b="0" lang="en-US" sz="900" spc="-1" strike="noStrike">
-                <a:solidFill>
-                  <a:schemeClr val="dk1">
-                    <a:tint val="75000"/>
-                  </a:schemeClr>
-                </a:solidFill>
-                <a:latin typeface="Calibri"/>
-              </a:defRPr>
-            </a:lvl1pPr>
-          </a:lstStyle>
           <a:p>
-            <a:pPr indent="0" defTabSz="457200">
-              <a:lnSpc>
-                <a:spcPct val="100000"/>
-              </a:lnSpc>
-              <a:buNone/>
+            <a:pPr marL="432000" indent="-324000">
+              <a:spcBef>
+                <a:spcPts val="1417"/>
+              </a:spcBef>
+              <a:buClr>
+                <a:srgbClr val="000000"/>
+              </a:buClr>
+              <a:buSzPct val="45000"/>
+              <a:buFont typeface="Wingdings" charset="2"/>
+              <a:buChar char=""/>
             </a:pPr>
             <a:r>
-              <a:rPr b="0" lang="en-US" sz="900" spc="-1" strike="noStrike">
+              <a:rPr b="0" lang="en-US" sz="1800" spc="-1" strike="noStrike">
                 <a:solidFill>
-                  <a:schemeClr val="dk1">
-                    <a:tint val="75000"/>
-                  </a:schemeClr>
+                  <a:srgbClr val="000000"/>
                 </a:solidFill>
-                <a:latin typeface="Calibri"/>
+                <a:latin typeface="Arial"/>
               </a:rPr>
-              <a:t>&lt;date/time&gt;</a:t>
+              <a:t>Click to edit the outline text format</a:t>
             </a:r>
-            <a:endParaRPr b="0" lang="en-US" sz="900" spc="-1" strike="noStrike">
+            <a:endParaRPr b="0" lang="en-US" sz="1800" spc="-1" strike="noStrike">
               <a:solidFill>
                 <a:srgbClr val="000000"/>
               </a:solidFill>
-              <a:latin typeface="Times New Roman"/>
+              <a:latin typeface="Arial"/>
+            </a:endParaRPr>
+          </a:p>
+          <a:p>
+            <a:pPr lvl="1" marL="864000" indent="-324000">
+              <a:spcBef>
+                <a:spcPts val="1134"/>
+              </a:spcBef>
+              <a:buClr>
+                <a:srgbClr val="000000"/>
+              </a:buClr>
+              <a:buSzPct val="75000"/>
+              <a:buFont typeface="Symbol" charset="2"/>
+              <a:buChar char=""/>
+            </a:pPr>
+            <a:r>
+              <a:rPr b="0" lang="en-US" sz="1800" spc="-1" strike="noStrike">
+                <a:solidFill>
+                  <a:srgbClr val="000000"/>
+                </a:solidFill>
+                <a:latin typeface="Arial"/>
+              </a:rPr>
+              <a:t>Second Outline Level</a:t>
+            </a:r>
+            <a:endParaRPr b="0" lang="en-US" sz="1800" spc="-1" strike="noStrike">
+              <a:solidFill>
+                <a:srgbClr val="000000"/>
+              </a:solidFill>
+              <a:latin typeface="Arial"/>
+            </a:endParaRPr>
+          </a:p>
+          <a:p>
+            <a:pPr lvl="2" marL="1296000" indent="-288000">
+              <a:spcBef>
+                <a:spcPts val="850"/>
+              </a:spcBef>
+              <a:buClr>
+                <a:srgbClr val="000000"/>
+              </a:buClr>
+              <a:buSzPct val="45000"/>
+              <a:buFont typeface="Wingdings" charset="2"/>
+              <a:buChar char=""/>
+            </a:pPr>
+            <a:r>
+              <a:rPr b="0" lang="en-US" sz="1800" spc="-1" strike="noStrike">
+                <a:solidFill>
+                  <a:srgbClr val="000000"/>
+                </a:solidFill>
+                <a:latin typeface="Arial"/>
+              </a:rPr>
+              <a:t>Third Outline Level</a:t>
+            </a:r>
+            <a:endParaRPr b="0" lang="en-US" sz="1800" spc="-1" strike="noStrike">
+              <a:solidFill>
+                <a:srgbClr val="000000"/>
+              </a:solidFill>
+              <a:latin typeface="Arial"/>
+            </a:endParaRPr>
+          </a:p>
+          <a:p>
+            <a:pPr lvl="3" marL="1728000" indent="-216000">
+              <a:spcBef>
+                <a:spcPts val="567"/>
+              </a:spcBef>
+              <a:buClr>
+                <a:srgbClr val="000000"/>
+              </a:buClr>
+              <a:buSzPct val="75000"/>
+              <a:buFont typeface="Symbol" charset="2"/>
+              <a:buChar char=""/>
+            </a:pPr>
+            <a:r>
+              <a:rPr b="0" lang="en-US" sz="1800" spc="-1" strike="noStrike">
+                <a:solidFill>
+                  <a:srgbClr val="000000"/>
+                </a:solidFill>
+                <a:latin typeface="Arial"/>
+              </a:rPr>
+              <a:t>Fourth Outline Level</a:t>
+            </a:r>
+            <a:endParaRPr b="0" lang="en-US" sz="1800" spc="-1" strike="noStrike">
+              <a:solidFill>
+                <a:srgbClr val="000000"/>
+              </a:solidFill>
+              <a:latin typeface="Arial"/>
+            </a:endParaRPr>
+          </a:p>
+          <a:p>
+            <a:pPr lvl="4" marL="2160000" indent="-216000">
+              <a:spcBef>
+                <a:spcPts val="283"/>
+              </a:spcBef>
+              <a:buClr>
+                <a:srgbClr val="000000"/>
+              </a:buClr>
+              <a:buSzPct val="45000"/>
+              <a:buFont typeface="Wingdings" charset="2"/>
+              <a:buChar char=""/>
+            </a:pPr>
+            <a:r>
+              <a:rPr b="0" lang="en-US" sz="1800" spc="-1" strike="noStrike">
+                <a:solidFill>
+                  <a:srgbClr val="000000"/>
+                </a:solidFill>
+                <a:latin typeface="Arial"/>
+              </a:rPr>
+              <a:t>Fifth Outline Level</a:t>
+            </a:r>
+            <a:endParaRPr b="0" lang="en-US" sz="1800" spc="-1" strike="noStrike">
+              <a:solidFill>
+                <a:srgbClr val="000000"/>
+              </a:solidFill>
+              <a:latin typeface="Arial"/>
+            </a:endParaRPr>
+          </a:p>
+          <a:p>
+            <a:pPr lvl="5" marL="2592000" indent="-216000">
+              <a:spcBef>
+                <a:spcPts val="283"/>
+              </a:spcBef>
+              <a:buClr>
+                <a:srgbClr val="000000"/>
+              </a:buClr>
+              <a:buSzPct val="45000"/>
+              <a:buFont typeface="Wingdings" charset="2"/>
+              <a:buChar char=""/>
+            </a:pPr>
+            <a:r>
+              <a:rPr b="0" lang="en-US" sz="1800" spc="-1" strike="noStrike">
+                <a:solidFill>
+                  <a:srgbClr val="000000"/>
+                </a:solidFill>
+                <a:latin typeface="Arial"/>
+              </a:rPr>
+              <a:t>Sixth Outline Level</a:t>
+            </a:r>
+            <a:endParaRPr b="0" lang="en-US" sz="1800" spc="-1" strike="noStrike">
+              <a:solidFill>
+                <a:srgbClr val="000000"/>
+              </a:solidFill>
+              <a:latin typeface="Arial"/>
+            </a:endParaRPr>
+          </a:p>
+          <a:p>
+            <a:pPr lvl="6" marL="3024000" indent="-216000">
+              <a:spcBef>
+                <a:spcPts val="283"/>
+              </a:spcBef>
+              <a:buClr>
+                <a:srgbClr val="000000"/>
+              </a:buClr>
+              <a:buSzPct val="45000"/>
+              <a:buFont typeface="Wingdings" charset="2"/>
+              <a:buChar char=""/>
+            </a:pPr>
+            <a:r>
+              <a:rPr b="0" lang="en-US" sz="1800" spc="-1" strike="noStrike">
+                <a:solidFill>
+                  <a:srgbClr val="000000"/>
+                </a:solidFill>
+                <a:latin typeface="Arial"/>
+              </a:rPr>
+              <a:t>Seventh Outline Level</a:t>
+            </a:r>
+            <a:endParaRPr b="0" lang="en-US" sz="1800" spc="-1" strike="noStrike">
+              <a:solidFill>
+                <a:srgbClr val="000000"/>
+              </a:solidFill>
+              <a:latin typeface="Arial"/>
             </a:endParaRPr>
           </a:p>
         </p:txBody>
@@ -2732,13 +2851,463 @@
             <a:spLocks noGrp="1"/>
           </p:cNvSpPr>
           <p:nvPr>
-            <p:ph type="ftr" idx="2"/>
+            <p:ph type="body"/>
+          </p:nvPr>
+        </p:nvSpPr>
+        <p:spPr>
+          <a:xfrm>
+            <a:off x="6230160" y="1604520"/>
+            <a:ext cx="5352480" cy="1896480"/>
+          </a:xfrm>
+          <a:prstGeom prst="rect">
+            <a:avLst/>
+          </a:prstGeom>
+          <a:noFill/>
+          <a:ln w="0">
+            <a:noFill/>
+          </a:ln>
+        </p:spPr>
+        <p:txBody>
+          <a:bodyPr lIns="0" rIns="0" tIns="0" bIns="0" anchor="t">
+            <a:normAutofit fontScale="71666"/>
+          </a:bodyPr>
+          <a:p>
+            <a:pPr marL="432000" indent="-324000">
+              <a:spcBef>
+                <a:spcPts val="1417"/>
+              </a:spcBef>
+              <a:buClr>
+                <a:srgbClr val="000000"/>
+              </a:buClr>
+              <a:buSzPct val="45000"/>
+              <a:buFont typeface="Wingdings" charset="2"/>
+              <a:buChar char=""/>
+            </a:pPr>
+            <a:r>
+              <a:rPr b="0" lang="en-US" sz="1800" spc="-1" strike="noStrike">
+                <a:solidFill>
+                  <a:srgbClr val="000000"/>
+                </a:solidFill>
+                <a:latin typeface="Arial"/>
+              </a:rPr>
+              <a:t>Click to edit the outline text format</a:t>
+            </a:r>
+            <a:endParaRPr b="0" lang="en-US" sz="1800" spc="-1" strike="noStrike">
+              <a:solidFill>
+                <a:srgbClr val="000000"/>
+              </a:solidFill>
+              <a:latin typeface="Arial"/>
+            </a:endParaRPr>
+          </a:p>
+          <a:p>
+            <a:pPr lvl="1" marL="864000" indent="-324000">
+              <a:spcBef>
+                <a:spcPts val="1134"/>
+              </a:spcBef>
+              <a:buClr>
+                <a:srgbClr val="000000"/>
+              </a:buClr>
+              <a:buSzPct val="75000"/>
+              <a:buFont typeface="Symbol" charset="2"/>
+              <a:buChar char=""/>
+            </a:pPr>
+            <a:r>
+              <a:rPr b="0" lang="en-US" sz="1800" spc="-1" strike="noStrike">
+                <a:solidFill>
+                  <a:srgbClr val="000000"/>
+                </a:solidFill>
+                <a:latin typeface="Arial"/>
+              </a:rPr>
+              <a:t>Second Outline Level</a:t>
+            </a:r>
+            <a:endParaRPr b="0" lang="en-US" sz="1800" spc="-1" strike="noStrike">
+              <a:solidFill>
+                <a:srgbClr val="000000"/>
+              </a:solidFill>
+              <a:latin typeface="Arial"/>
+            </a:endParaRPr>
+          </a:p>
+          <a:p>
+            <a:pPr lvl="2" marL="1296000" indent="-288000">
+              <a:spcBef>
+                <a:spcPts val="850"/>
+              </a:spcBef>
+              <a:buClr>
+                <a:srgbClr val="000000"/>
+              </a:buClr>
+              <a:buSzPct val="45000"/>
+              <a:buFont typeface="Wingdings" charset="2"/>
+              <a:buChar char=""/>
+            </a:pPr>
+            <a:r>
+              <a:rPr b="0" lang="en-US" sz="1800" spc="-1" strike="noStrike">
+                <a:solidFill>
+                  <a:srgbClr val="000000"/>
+                </a:solidFill>
+                <a:latin typeface="Arial"/>
+              </a:rPr>
+              <a:t>Third Outline Level</a:t>
+            </a:r>
+            <a:endParaRPr b="0" lang="en-US" sz="1800" spc="-1" strike="noStrike">
+              <a:solidFill>
+                <a:srgbClr val="000000"/>
+              </a:solidFill>
+              <a:latin typeface="Arial"/>
+            </a:endParaRPr>
+          </a:p>
+          <a:p>
+            <a:pPr lvl="3" marL="1728000" indent="-216000">
+              <a:spcBef>
+                <a:spcPts val="567"/>
+              </a:spcBef>
+              <a:buClr>
+                <a:srgbClr val="000000"/>
+              </a:buClr>
+              <a:buSzPct val="75000"/>
+              <a:buFont typeface="Symbol" charset="2"/>
+              <a:buChar char=""/>
+            </a:pPr>
+            <a:r>
+              <a:rPr b="0" lang="en-US" sz="1800" spc="-1" strike="noStrike">
+                <a:solidFill>
+                  <a:srgbClr val="000000"/>
+                </a:solidFill>
+                <a:latin typeface="Arial"/>
+              </a:rPr>
+              <a:t>Fourth Outline Level</a:t>
+            </a:r>
+            <a:endParaRPr b="0" lang="en-US" sz="1800" spc="-1" strike="noStrike">
+              <a:solidFill>
+                <a:srgbClr val="000000"/>
+              </a:solidFill>
+              <a:latin typeface="Arial"/>
+            </a:endParaRPr>
+          </a:p>
+          <a:p>
+            <a:pPr lvl="4" marL="2160000" indent="-216000">
+              <a:spcBef>
+                <a:spcPts val="283"/>
+              </a:spcBef>
+              <a:buClr>
+                <a:srgbClr val="000000"/>
+              </a:buClr>
+              <a:buSzPct val="45000"/>
+              <a:buFont typeface="Wingdings" charset="2"/>
+              <a:buChar char=""/>
+            </a:pPr>
+            <a:r>
+              <a:rPr b="0" lang="en-US" sz="1800" spc="-1" strike="noStrike">
+                <a:solidFill>
+                  <a:srgbClr val="000000"/>
+                </a:solidFill>
+                <a:latin typeface="Arial"/>
+              </a:rPr>
+              <a:t>Fifth Outline Level</a:t>
+            </a:r>
+            <a:endParaRPr b="0" lang="en-US" sz="1800" spc="-1" strike="noStrike">
+              <a:solidFill>
+                <a:srgbClr val="000000"/>
+              </a:solidFill>
+              <a:latin typeface="Arial"/>
+            </a:endParaRPr>
+          </a:p>
+          <a:p>
+            <a:pPr lvl="5" marL="2592000" indent="-216000">
+              <a:spcBef>
+                <a:spcPts val="283"/>
+              </a:spcBef>
+              <a:buClr>
+                <a:srgbClr val="000000"/>
+              </a:buClr>
+              <a:buSzPct val="45000"/>
+              <a:buFont typeface="Wingdings" charset="2"/>
+              <a:buChar char=""/>
+            </a:pPr>
+            <a:r>
+              <a:rPr b="0" lang="en-US" sz="1800" spc="-1" strike="noStrike">
+                <a:solidFill>
+                  <a:srgbClr val="000000"/>
+                </a:solidFill>
+                <a:latin typeface="Arial"/>
+              </a:rPr>
+              <a:t>Sixth Outline Level</a:t>
+            </a:r>
+            <a:endParaRPr b="0" lang="en-US" sz="1800" spc="-1" strike="noStrike">
+              <a:solidFill>
+                <a:srgbClr val="000000"/>
+              </a:solidFill>
+              <a:latin typeface="Arial"/>
+            </a:endParaRPr>
+          </a:p>
+          <a:p>
+            <a:pPr lvl="6" marL="3024000" indent="-216000">
+              <a:spcBef>
+                <a:spcPts val="283"/>
+              </a:spcBef>
+              <a:buClr>
+                <a:srgbClr val="000000"/>
+              </a:buClr>
+              <a:buSzPct val="45000"/>
+              <a:buFont typeface="Wingdings" charset="2"/>
+              <a:buChar char=""/>
+            </a:pPr>
+            <a:r>
+              <a:rPr b="0" lang="en-US" sz="1800" spc="-1" strike="noStrike">
+                <a:solidFill>
+                  <a:srgbClr val="000000"/>
+                </a:solidFill>
+                <a:latin typeface="Arial"/>
+              </a:rPr>
+              <a:t>Seventh Outline Level</a:t>
+            </a:r>
+            <a:endParaRPr b="0" lang="en-US" sz="1800" spc="-1" strike="noStrike">
+              <a:solidFill>
+                <a:srgbClr val="000000"/>
+              </a:solidFill>
+              <a:latin typeface="Arial"/>
+            </a:endParaRPr>
+          </a:p>
+        </p:txBody>
+      </p:sp>
+      <p:sp>
+        <p:nvSpPr>
+          <p:cNvPr id="3" name="PlaceHolder 4"/>
+          <p:cNvSpPr>
+            <a:spLocks noGrp="1"/>
+          </p:cNvSpPr>
+          <p:nvPr>
+            <p:ph type="body"/>
+          </p:nvPr>
+        </p:nvSpPr>
+        <p:spPr>
+          <a:xfrm>
+            <a:off x="609120" y="3682080"/>
+            <a:ext cx="10969200" cy="1896480"/>
+          </a:xfrm>
+          <a:prstGeom prst="rect">
+            <a:avLst/>
+          </a:prstGeom>
+          <a:noFill/>
+          <a:ln w="0">
+            <a:noFill/>
+          </a:ln>
+        </p:spPr>
+        <p:txBody>
+          <a:bodyPr lIns="0" rIns="0" tIns="0" bIns="0" anchor="t">
+            <a:normAutofit fontScale="71666"/>
+          </a:bodyPr>
+          <a:p>
+            <a:pPr marL="432000" indent="-324000">
+              <a:spcBef>
+                <a:spcPts val="1417"/>
+              </a:spcBef>
+              <a:buClr>
+                <a:srgbClr val="000000"/>
+              </a:buClr>
+              <a:buSzPct val="45000"/>
+              <a:buFont typeface="Wingdings" charset="2"/>
+              <a:buChar char=""/>
+            </a:pPr>
+            <a:r>
+              <a:rPr b="0" lang="en-US" sz="1800" spc="-1" strike="noStrike">
+                <a:solidFill>
+                  <a:srgbClr val="000000"/>
+                </a:solidFill>
+                <a:latin typeface="Arial"/>
+              </a:rPr>
+              <a:t>Click to edit the outline text format</a:t>
+            </a:r>
+            <a:endParaRPr b="0" lang="en-US" sz="1800" spc="-1" strike="noStrike">
+              <a:solidFill>
+                <a:srgbClr val="000000"/>
+              </a:solidFill>
+              <a:latin typeface="Arial"/>
+            </a:endParaRPr>
+          </a:p>
+          <a:p>
+            <a:pPr lvl="1" marL="864000" indent="-324000">
+              <a:spcBef>
+                <a:spcPts val="1134"/>
+              </a:spcBef>
+              <a:buClr>
+                <a:srgbClr val="000000"/>
+              </a:buClr>
+              <a:buSzPct val="75000"/>
+              <a:buFont typeface="Symbol" charset="2"/>
+              <a:buChar char=""/>
+            </a:pPr>
+            <a:r>
+              <a:rPr b="0" lang="en-US" sz="1800" spc="-1" strike="noStrike">
+                <a:solidFill>
+                  <a:srgbClr val="000000"/>
+                </a:solidFill>
+                <a:latin typeface="Arial"/>
+              </a:rPr>
+              <a:t>Second Outline Level</a:t>
+            </a:r>
+            <a:endParaRPr b="0" lang="en-US" sz="1800" spc="-1" strike="noStrike">
+              <a:solidFill>
+                <a:srgbClr val="000000"/>
+              </a:solidFill>
+              <a:latin typeface="Arial"/>
+            </a:endParaRPr>
+          </a:p>
+          <a:p>
+            <a:pPr lvl="2" marL="1296000" indent="-288000">
+              <a:spcBef>
+                <a:spcPts val="850"/>
+              </a:spcBef>
+              <a:buClr>
+                <a:srgbClr val="000000"/>
+              </a:buClr>
+              <a:buSzPct val="45000"/>
+              <a:buFont typeface="Wingdings" charset="2"/>
+              <a:buChar char=""/>
+            </a:pPr>
+            <a:r>
+              <a:rPr b="0" lang="en-US" sz="1800" spc="-1" strike="noStrike">
+                <a:solidFill>
+                  <a:srgbClr val="000000"/>
+                </a:solidFill>
+                <a:latin typeface="Arial"/>
+              </a:rPr>
+              <a:t>Third Outline Level</a:t>
+            </a:r>
+            <a:endParaRPr b="0" lang="en-US" sz="1800" spc="-1" strike="noStrike">
+              <a:solidFill>
+                <a:srgbClr val="000000"/>
+              </a:solidFill>
+              <a:latin typeface="Arial"/>
+            </a:endParaRPr>
+          </a:p>
+          <a:p>
+            <a:pPr lvl="3" marL="1728000" indent="-216000">
+              <a:spcBef>
+                <a:spcPts val="567"/>
+              </a:spcBef>
+              <a:buClr>
+                <a:srgbClr val="000000"/>
+              </a:buClr>
+              <a:buSzPct val="75000"/>
+              <a:buFont typeface="Symbol" charset="2"/>
+              <a:buChar char=""/>
+            </a:pPr>
+            <a:r>
+              <a:rPr b="0" lang="en-US" sz="1800" spc="-1" strike="noStrike">
+                <a:solidFill>
+                  <a:srgbClr val="000000"/>
+                </a:solidFill>
+                <a:latin typeface="Arial"/>
+              </a:rPr>
+              <a:t>Fourth Outline Level</a:t>
+            </a:r>
+            <a:endParaRPr b="0" lang="en-US" sz="1800" spc="-1" strike="noStrike">
+              <a:solidFill>
+                <a:srgbClr val="000000"/>
+              </a:solidFill>
+              <a:latin typeface="Arial"/>
+            </a:endParaRPr>
+          </a:p>
+          <a:p>
+            <a:pPr lvl="4" marL="2160000" indent="-216000">
+              <a:spcBef>
+                <a:spcPts val="283"/>
+              </a:spcBef>
+              <a:buClr>
+                <a:srgbClr val="000000"/>
+              </a:buClr>
+              <a:buSzPct val="45000"/>
+              <a:buFont typeface="Wingdings" charset="2"/>
+              <a:buChar char=""/>
+            </a:pPr>
+            <a:r>
+              <a:rPr b="0" lang="en-US" sz="1800" spc="-1" strike="noStrike">
+                <a:solidFill>
+                  <a:srgbClr val="000000"/>
+                </a:solidFill>
+                <a:latin typeface="Arial"/>
+              </a:rPr>
+              <a:t>Fifth Outline Level</a:t>
+            </a:r>
+            <a:endParaRPr b="0" lang="en-US" sz="1800" spc="-1" strike="noStrike">
+              <a:solidFill>
+                <a:srgbClr val="000000"/>
+              </a:solidFill>
+              <a:latin typeface="Arial"/>
+            </a:endParaRPr>
+          </a:p>
+          <a:p>
+            <a:pPr lvl="5" marL="2592000" indent="-216000">
+              <a:spcBef>
+                <a:spcPts val="283"/>
+              </a:spcBef>
+              <a:buClr>
+                <a:srgbClr val="000000"/>
+              </a:buClr>
+              <a:buSzPct val="45000"/>
+              <a:buFont typeface="Wingdings" charset="2"/>
+              <a:buChar char=""/>
+            </a:pPr>
+            <a:r>
+              <a:rPr b="0" lang="en-US" sz="1800" spc="-1" strike="noStrike">
+                <a:solidFill>
+                  <a:srgbClr val="000000"/>
+                </a:solidFill>
+                <a:latin typeface="Arial"/>
+              </a:rPr>
+              <a:t>Sixth Outline Level</a:t>
+            </a:r>
+            <a:endParaRPr b="0" lang="en-US" sz="1800" spc="-1" strike="noStrike">
+              <a:solidFill>
+                <a:srgbClr val="000000"/>
+              </a:solidFill>
+              <a:latin typeface="Arial"/>
+            </a:endParaRPr>
+          </a:p>
+          <a:p>
+            <a:pPr lvl="6" marL="3024000" indent="-216000">
+              <a:spcBef>
+                <a:spcPts val="283"/>
+              </a:spcBef>
+              <a:buClr>
+                <a:srgbClr val="000000"/>
+              </a:buClr>
+              <a:buSzPct val="45000"/>
+              <a:buFont typeface="Wingdings" charset="2"/>
+              <a:buChar char=""/>
+            </a:pPr>
+            <a:r>
+              <a:rPr b="0" lang="en-US" sz="1800" spc="-1" strike="noStrike">
+                <a:solidFill>
+                  <a:srgbClr val="000000"/>
+                </a:solidFill>
+                <a:latin typeface="Arial"/>
+              </a:rPr>
+              <a:t>Seventh Outline Level</a:t>
+            </a:r>
+            <a:endParaRPr b="0" lang="en-US" sz="1800" spc="-1" strike="noStrike">
+              <a:solidFill>
+                <a:srgbClr val="000000"/>
+              </a:solidFill>
+              <a:latin typeface="Arial"/>
+            </a:endParaRPr>
+          </a:p>
+        </p:txBody>
+      </p:sp>
+      <p:sp>
+        <p:nvSpPr>
+          <p:cNvPr id="4" name="PlaceHolder 5"/>
+          <p:cNvSpPr>
+            <a:spLocks noGrp="1"/>
+          </p:cNvSpPr>
+          <p:nvPr>
+            <p:ph type="ftr" idx="1"/>
           </p:nvPr>
         </p:nvSpPr>
         <p:spPr>
           <a:xfrm>
             <a:off x="4164120" y="6355800"/>
-            <a:ext cx="3859200" cy="364680"/>
+            <a:ext cx="3858480" cy="363960"/>
           </a:xfrm>
           <a:prstGeom prst="rect">
             <a:avLst/>
@@ -2754,7 +3323,13 @@
           </a:bodyPr>
           <a:lstStyle>
             <a:lvl1pPr indent="0" algn="ctr">
+              <a:lnSpc>
+                <a:spcPct val="100000"/>
+              </a:lnSpc>
               <a:buNone/>
+              <a:tabLst>
+                <a:tab algn="l" pos="0"/>
+              </a:tabLst>
               <a:defRPr b="0" lang="en-US" sz="1400" spc="-1" strike="noStrike">
                 <a:solidFill>
                   <a:srgbClr val="000000"/>
@@ -2765,7 +3340,13 @@
           </a:lstStyle>
           <a:p>
             <a:pPr indent="0" algn="ctr">
+              <a:lnSpc>
+                <a:spcPct val="100000"/>
+              </a:lnSpc>
               <a:buNone/>
+              <a:tabLst>
+                <a:tab algn="l" pos="0"/>
+              </a:tabLst>
             </a:pPr>
             <a:r>
               <a:rPr b="0" lang="en-US" sz="1400" spc="-1" strike="noStrike">
@@ -2787,18 +3368,18 @@
       </p:sp>
       <p:sp>
         <p:nvSpPr>
-          <p:cNvPr id="3" name="PlaceHolder 4"/>
+          <p:cNvPr id="5" name="PlaceHolder 6"/>
           <p:cNvSpPr>
             <a:spLocks noGrp="1"/>
           </p:cNvSpPr>
           <p:nvPr>
-            <p:ph type="sldNum" idx="3"/>
+            <p:ph type="sldNum" idx="2"/>
           </p:nvPr>
         </p:nvSpPr>
         <p:spPr>
           <a:xfrm>
             <a:off x="8735040" y="6355800"/>
-            <a:ext cx="2843640" cy="364680"/>
+            <a:ext cx="2842920" cy="363960"/>
           </a:xfrm>
           <a:prstGeom prst="rect">
             <a:avLst/>
@@ -2818,6 +3399,9 @@
                 <a:spcPct val="100000"/>
               </a:lnSpc>
               <a:buNone/>
+              <a:tabLst>
+                <a:tab algn="l" pos="0"/>
+              </a:tabLst>
               <a:defRPr b="0" lang="en-US" sz="900" spc="-1" strike="noStrike">
                 <a:solidFill>
                   <a:schemeClr val="dk1">
@@ -2834,8 +3418,11 @@
                 <a:spcPct val="100000"/>
               </a:lnSpc>
               <a:buNone/>
+              <a:tabLst>
+                <a:tab algn="l" pos="0"/>
+              </a:tabLst>
             </a:pPr>
-            <a:fld id="{1E8E6665-8BCB-426B-A9B9-D72055236891}" type="slidenum">
+            <a:fld id="{33CA31BB-6A8C-4CAF-867D-CB19003FD56A}" type="slidenum">
               <a:rPr b="0" lang="en-US" sz="900" spc="-1" strike="noStrike">
                 <a:solidFill>
                   <a:schemeClr val="dk1">
@@ -2857,18 +3444,18 @@
       </p:sp>
       <p:sp>
         <p:nvSpPr>
-          <p:cNvPr id="4" name="PlaceHolder 5"/>
+          <p:cNvPr id="6" name="PlaceHolder 7"/>
           <p:cNvSpPr>
             <a:spLocks noGrp="1"/>
           </p:cNvSpPr>
           <p:nvPr>
-            <p:ph type="body"/>
+            <p:ph type="dt" idx="3"/>
           </p:nvPr>
         </p:nvSpPr>
         <p:spPr>
           <a:xfrm>
-            <a:off x="609120" y="1604520"/>
-            <a:ext cx="10969560" cy="3977280"/>
+            <a:off x="609120" y="6355800"/>
+            <a:ext cx="2842920" cy="363960"/>
           </a:xfrm>
           <a:prstGeom prst="rect">
             <a:avLst/>
@@ -2879,203 +3466,38 @@
           </a:ln>
         </p:spPr>
         <p:txBody>
-          <a:bodyPr lIns="0" rIns="0" tIns="0" bIns="0" anchor="t">
-            <a:normAutofit/>
+          <a:bodyPr lIns="91440" rIns="91440" tIns="45720" bIns="45720" anchor="ctr">
+            <a:noAutofit/>
           </a:bodyPr>
+          <a:lstStyle>
+            <a:lvl1pPr indent="0">
+              <a:buNone/>
+              <a:defRPr b="0" lang="en-US" sz="1400" spc="-1" strike="noStrike">
+                <a:solidFill>
+                  <a:srgbClr val="000000"/>
+                </a:solidFill>
+                <a:latin typeface="Times New Roman"/>
+              </a:defRPr>
+            </a:lvl1pPr>
+          </a:lstStyle>
           <a:p>
-            <a:pPr marL="432000" indent="-324000">
-              <a:spcBef>
-                <a:spcPts val="1888"/>
-              </a:spcBef>
-              <a:buClr>
-                <a:srgbClr val="000000"/>
-              </a:buClr>
-              <a:buSzPct val="45000"/>
-              <a:buFont typeface="Wingdings" charset="2"/>
-              <a:buChar char=""/>
+            <a:pPr indent="0">
+              <a:buNone/>
             </a:pPr>
             <a:r>
-              <a:rPr b="0" lang="en-US" sz="3200" spc="-1" strike="noStrike">
+              <a:rPr b="0" lang="en-US" sz="1400" spc="-1" strike="noStrike">
                 <a:solidFill>
-                  <a:schemeClr val="dk1"/>
+                  <a:srgbClr val="000000"/>
                 </a:solidFill>
-                <a:latin typeface="Calibri"/>
+                <a:latin typeface="Times New Roman"/>
               </a:rPr>
-              <a:t>Click to edit the outline text format</a:t>
+              <a:t>&lt;date/time&gt;</a:t>
             </a:r>
-            <a:endParaRPr b="0" lang="en-US" sz="3200" spc="-1" strike="noStrike">
+            <a:endParaRPr b="0" lang="en-US" sz="1400" spc="-1" strike="noStrike">
               <a:solidFill>
-                <a:schemeClr val="dk1"/>
+                <a:srgbClr val="000000"/>
               </a:solidFill>
-              <a:latin typeface="Calibri"/>
-            </a:endParaRPr>
-          </a:p>
-          <a:p>
-            <a:pPr lvl="1" marL="864000" indent="-324000">
-              <a:spcBef>
-                <a:spcPts val="1508"/>
-              </a:spcBef>
-              <a:buClr>
-                <a:srgbClr val="000000"/>
-              </a:buClr>
-              <a:buSzPct val="75000"/>
-              <a:buFont typeface="Symbol" charset="2"/>
-              <a:buChar char=""/>
-            </a:pPr>
-            <a:r>
-              <a:rPr b="0" lang="en-US" sz="2400" spc="-1" strike="noStrike">
-                <a:solidFill>
-                  <a:schemeClr val="dk1"/>
-                </a:solidFill>
-                <a:latin typeface="Calibri"/>
-              </a:rPr>
-              <a:t>Second Outline Level</a:t>
-            </a:r>
-            <a:endParaRPr b="0" lang="en-US" sz="2400" spc="-1" strike="noStrike">
-              <a:solidFill>
-                <a:schemeClr val="dk1"/>
-              </a:solidFill>
-              <a:latin typeface="Calibri"/>
-            </a:endParaRPr>
-          </a:p>
-          <a:p>
-            <a:pPr lvl="2" marL="1296000" indent="-288000">
-              <a:spcBef>
-                <a:spcPts val="1131"/>
-              </a:spcBef>
-              <a:buClr>
-                <a:srgbClr val="000000"/>
-              </a:buClr>
-              <a:buSzPct val="45000"/>
-              <a:buFont typeface="Wingdings" charset="2"/>
-              <a:buChar char=""/>
-            </a:pPr>
-            <a:r>
-              <a:rPr b="0" lang="en-US" sz="2000" spc="-1" strike="noStrike">
-                <a:solidFill>
-                  <a:schemeClr val="dk1"/>
-                </a:solidFill>
-                <a:latin typeface="Calibri"/>
-              </a:rPr>
-              <a:t>Third Outline Level</a:t>
-            </a:r>
-            <a:endParaRPr b="0" lang="en-US" sz="2000" spc="-1" strike="noStrike">
-              <a:solidFill>
-                <a:schemeClr val="dk1"/>
-              </a:solidFill>
-              <a:latin typeface="Calibri"/>
-            </a:endParaRPr>
-          </a:p>
-          <a:p>
-            <a:pPr lvl="3" marL="1728000" indent="-216000">
-              <a:spcBef>
-                <a:spcPts val="754"/>
-              </a:spcBef>
-              <a:buClr>
-                <a:srgbClr val="000000"/>
-              </a:buClr>
-              <a:buSzPct val="75000"/>
-              <a:buFont typeface="Symbol" charset="2"/>
-              <a:buChar char=""/>
-            </a:pPr>
-            <a:r>
-              <a:rPr b="0" lang="en-US" sz="2000" spc="-1" strike="noStrike">
-                <a:solidFill>
-                  <a:schemeClr val="dk1"/>
-                </a:solidFill>
-                <a:latin typeface="Calibri"/>
-              </a:rPr>
-              <a:t>Fourth Outline Level</a:t>
-            </a:r>
-            <a:endParaRPr b="0" lang="en-US" sz="2000" spc="-1" strike="noStrike">
-              <a:solidFill>
-                <a:schemeClr val="dk1"/>
-              </a:solidFill>
-              <a:latin typeface="Calibri"/>
-            </a:endParaRPr>
-          </a:p>
-          <a:p>
-            <a:pPr lvl="4" marL="2160000" indent="-216000">
-              <a:spcBef>
-                <a:spcPts val="377"/>
-              </a:spcBef>
-              <a:buClr>
-                <a:srgbClr val="000000"/>
-              </a:buClr>
-              <a:buSzPct val="45000"/>
-              <a:buFont typeface="Wingdings" charset="2"/>
-              <a:buChar char=""/>
-            </a:pPr>
-            <a:r>
-              <a:rPr b="0" lang="en-US" sz="2670" spc="-1" strike="noStrike">
-                <a:solidFill>
-                  <a:schemeClr val="dk1"/>
-                </a:solidFill>
-                <a:latin typeface="Calibri"/>
-              </a:rPr>
-              <a:t>Fifth Outline Level</a:t>
-            </a:r>
-            <a:endParaRPr b="0" lang="en-US" sz="2670" spc="-1" strike="noStrike">
-              <a:solidFill>
-                <a:schemeClr val="dk1"/>
-              </a:solidFill>
-              <a:latin typeface="Calibri"/>
-            </a:endParaRPr>
-          </a:p>
-          <a:p>
-            <a:pPr lvl="5" marL="2592000" indent="-216000">
-              <a:spcBef>
-                <a:spcPts val="377"/>
-              </a:spcBef>
-              <a:buClr>
-                <a:srgbClr val="000000"/>
-              </a:buClr>
-              <a:buSzPct val="45000"/>
-              <a:buFont typeface="Wingdings" charset="2"/>
-              <a:buChar char=""/>
-            </a:pPr>
-            <a:r>
-              <a:rPr b="0" lang="en-US" sz="2670" spc="-1" strike="noStrike">
-                <a:solidFill>
-                  <a:schemeClr val="dk1"/>
-                </a:solidFill>
-                <a:latin typeface="Calibri"/>
-              </a:rPr>
-              <a:t>Sixth Outline Level</a:t>
-            </a:r>
-            <a:endParaRPr b="0" lang="en-US" sz="2670" spc="-1" strike="noStrike">
-              <a:solidFill>
-                <a:schemeClr val="dk1"/>
-              </a:solidFill>
-              <a:latin typeface="Calibri"/>
-            </a:endParaRPr>
-          </a:p>
-          <a:p>
-            <a:pPr lvl="6" marL="3024000" indent="-216000">
-              <a:spcBef>
-                <a:spcPts val="377"/>
-              </a:spcBef>
-              <a:buClr>
-                <a:srgbClr val="000000"/>
-              </a:buClr>
-              <a:buSzPct val="45000"/>
-              <a:buFont typeface="Wingdings" charset="2"/>
-              <a:buChar char=""/>
-            </a:pPr>
-            <a:r>
-              <a:rPr b="0" lang="en-US" sz="2670" spc="-1" strike="noStrike">
-                <a:solidFill>
-                  <a:schemeClr val="dk1"/>
-                </a:solidFill>
-                <a:latin typeface="Calibri"/>
-              </a:rPr>
-              <a:t>Seventh Outline Level</a:t>
-            </a:r>
-            <a:endParaRPr b="0" lang="en-US" sz="2670" spc="-1" strike="noStrike">
-              <a:solidFill>
-                <a:schemeClr val="dk1"/>
-              </a:solidFill>
-              <a:latin typeface="Calibri"/>
+              <a:latin typeface="Times New Roman"/>
             </a:endParaRPr>
           </a:p>
         </p:txBody>
@@ -3119,7 +3541,7 @@
       </p:grpSpPr>
       <p:sp>
         <p:nvSpPr>
-          <p:cNvPr id="41" name="PlaceHolder 1"/>
+          <p:cNvPr id="43" name="PlaceHolder 1"/>
           <p:cNvSpPr>
             <a:spLocks noGrp="1"/>
           </p:cNvSpPr>
@@ -3130,7 +3552,7 @@
         <p:spPr>
           <a:xfrm>
             <a:off x="914040" y="2129760"/>
-            <a:ext cx="10360080" cy="1469880"/>
+            <a:ext cx="10359360" cy="1469160"/>
           </a:xfrm>
           <a:prstGeom prst="rect">
             <a:avLst/>
@@ -3161,146 +3583,20 @@
                 </a:solidFill>
                 <a:latin typeface="Calibri"/>
               </a:rPr>
-              <a:t>Life </a:t>
-            </a:r>
-            <a:r>
-              <a:rPr b="0" lang="en-US" sz="4400" spc="-1" strike="noStrike">
-                <a:solidFill>
-                  <a:schemeClr val="dk1"/>
-                </a:solidFill>
-                <a:latin typeface="Calibri"/>
-              </a:rPr>
-              <a:t>Cycle </a:t>
-            </a:r>
-            <a:r>
-              <a:rPr b="0" lang="en-US" sz="4400" spc="-1" strike="noStrike">
-                <a:solidFill>
-                  <a:schemeClr val="dk1"/>
-                </a:solidFill>
-                <a:latin typeface="Calibri"/>
-              </a:rPr>
-              <a:t>Asses</a:t>
-            </a:r>
-            <a:r>
-              <a:rPr b="0" lang="en-US" sz="4400" spc="-1" strike="noStrike">
-                <a:solidFill>
-                  <a:schemeClr val="dk1"/>
-                </a:solidFill>
-                <a:latin typeface="Calibri"/>
-              </a:rPr>
-              <a:t>smen</a:t>
-            </a:r>
-            <a:r>
-              <a:rPr b="0" lang="en-US" sz="4400" spc="-1" strike="noStrike">
-                <a:solidFill>
-                  <a:schemeClr val="dk1"/>
-                </a:solidFill>
-                <a:latin typeface="Calibri"/>
-              </a:rPr>
-              <a:t>t of </a:t>
-            </a:r>
-            <a:r>
-              <a:rPr b="0" lang="en-US" sz="4400" spc="-1" strike="noStrike">
-                <a:solidFill>
-                  <a:schemeClr val="dk1"/>
-                </a:solidFill>
-                <a:latin typeface="Calibri"/>
-              </a:rPr>
-              <a:t>Cyclo</a:t>
-            </a:r>
-            <a:r>
-              <a:rPr b="0" lang="en-US" sz="4400" spc="-1" strike="noStrike">
-                <a:solidFill>
-                  <a:schemeClr val="dk1"/>
-                </a:solidFill>
-                <a:latin typeface="Calibri"/>
-              </a:rPr>
-              <a:t>penta</a:t>
-            </a:r>
-            <a:r>
-              <a:rPr b="0" lang="en-US" sz="4400" spc="-1" strike="noStrike">
-                <a:solidFill>
-                  <a:schemeClr val="dk1"/>
-                </a:solidFill>
-                <a:latin typeface="Calibri"/>
-              </a:rPr>
-              <a:t>none </a:t>
-            </a:r>
-            <a:r>
-              <a:rPr b="0" lang="en-US" sz="4400" spc="-1" strike="noStrike">
-                <a:solidFill>
-                  <a:schemeClr val="dk1"/>
-                </a:solidFill>
-                <a:latin typeface="Calibri"/>
-              </a:rPr>
-              <a:t>prod</a:t>
-            </a:r>
-            <a:r>
-              <a:rPr b="0" lang="en-US" sz="4400" spc="-1" strike="noStrike">
-                <a:solidFill>
-                  <a:schemeClr val="dk1"/>
-                </a:solidFill>
-                <a:latin typeface="Calibri"/>
-              </a:rPr>
-              <a:t>uctio</a:t>
-            </a:r>
-            <a:r>
-              <a:rPr b="0" lang="en-US" sz="4400" spc="-1" strike="noStrike">
-                <a:solidFill>
-                  <a:schemeClr val="dk1"/>
-                </a:solidFill>
-                <a:latin typeface="Calibri"/>
-              </a:rPr>
-              <a:t>n </a:t>
-            </a:r>
-            <a:r>
-              <a:rPr b="0" lang="en-US" sz="4400" spc="-1" strike="noStrike">
-                <a:solidFill>
-                  <a:schemeClr val="dk1"/>
-                </a:solidFill>
-                <a:latin typeface="Calibri"/>
-              </a:rPr>
-              <a:t>from </a:t>
-            </a:r>
-            <a:r>
-              <a:rPr b="0" lang="en-US" sz="4400" spc="-1" strike="noStrike">
-                <a:solidFill>
-                  <a:schemeClr val="dk1"/>
-                </a:solidFill>
-                <a:latin typeface="Calibri"/>
-              </a:rPr>
-              <a:t>Olive </a:t>
-            </a:r>
-            <a:r>
-              <a:rPr b="0" lang="en-US" sz="4400" spc="-1" strike="noStrike">
-                <a:solidFill>
-                  <a:schemeClr val="dk1"/>
-                </a:solidFill>
-                <a:latin typeface="Calibri"/>
-              </a:rPr>
-              <a:t>Kerne</a:t>
-            </a:r>
-            <a:r>
-              <a:rPr b="0" lang="en-US" sz="4400" spc="-1" strike="noStrike">
-                <a:solidFill>
-                  <a:schemeClr val="dk1"/>
-                </a:solidFill>
-                <a:latin typeface="Calibri"/>
-              </a:rPr>
-              <a:t>ls</a:t>
+              <a:t>Life Cycle Assessment of Cyclopentanone production from Olive Kernels</a:t>
             </a:r>
             <a:endParaRPr b="0" lang="en-US" sz="4400" spc="-1" strike="noStrike">
               <a:solidFill>
-                <a:schemeClr val="dk1"/>
+                <a:srgbClr val="000000"/>
               </a:solidFill>
-              <a:latin typeface="Calibri"/>
+              <a:latin typeface="Arial"/>
             </a:endParaRPr>
           </a:p>
         </p:txBody>
       </p:sp>
       <p:sp>
         <p:nvSpPr>
-          <p:cNvPr id="42" name="PlaceHolder 2"/>
+          <p:cNvPr id="44" name="PlaceHolder 2"/>
           <p:cNvSpPr>
             <a:spLocks noGrp="1"/>
           </p:cNvSpPr>
@@ -3311,7 +3607,7 @@
         <p:spPr>
           <a:xfrm>
             <a:off x="1828080" y="3885840"/>
-            <a:ext cx="8531640" cy="1751760"/>
+            <a:ext cx="8530920" cy="1751040"/>
           </a:xfrm>
           <a:prstGeom prst="rect">
             <a:avLst/>
@@ -3353,40 +3649,7 @@
                 </a:solidFill>
                 <a:latin typeface="Calibri"/>
               </a:rPr>
-              <a:t>Vidianos </a:t>
-            </a:r>
-            <a:r>
-              <a:rPr b="0" lang="en-US" sz="3000" spc="-1" strike="noStrike">
-                <a:solidFill>
-                  <a:schemeClr val="dk1">
-                    <a:tint val="75000"/>
-                  </a:schemeClr>
-                </a:solidFill>
-                <a:latin typeface="Calibri"/>
-              </a:rPr>
-              <a:t>Giannitsi</a:t>
-            </a:r>
-            <a:r>
-              <a:rPr b="0" lang="en-US" sz="3000" spc="-1" strike="noStrike">
-                <a:solidFill>
-                  <a:schemeClr val="dk1">
-                    <a:tint val="75000"/>
-                  </a:schemeClr>
-                </a:solidFill>
-                <a:latin typeface="Calibri"/>
-              </a:rPr>
-              <a:t>s, Nikos </a:t>
-            </a:r>
-            <a:r>
-              <a:rPr b="0" lang="en-US" sz="3000" spc="-1" strike="noStrike">
-                <a:solidFill>
-                  <a:schemeClr val="dk1">
-                    <a:tint val="75000"/>
-                  </a:schemeClr>
-                </a:solidFill>
-                <a:latin typeface="Calibri"/>
-              </a:rPr>
-              <a:t>Stavrou</a:t>
+              <a:t>Vidianos Giannitsis, Nikos Stavrou</a:t>
             </a:r>
             <a:endParaRPr b="0" lang="en-US" sz="3000" spc="-1" strike="noStrike">
               <a:solidFill>
@@ -3429,7 +3692,7 @@
       </p:grpSpPr>
       <p:sp>
         <p:nvSpPr>
-          <p:cNvPr id="64" name="PlaceHolder 1"/>
+          <p:cNvPr id="66" name="PlaceHolder 1"/>
           <p:cNvSpPr>
             <a:spLocks noGrp="1"/>
           </p:cNvSpPr>
@@ -3440,7 +3703,7 @@
         <p:spPr>
           <a:xfrm>
             <a:off x="609120" y="274320"/>
-            <a:ext cx="10969560" cy="1142280"/>
+            <a:ext cx="10968840" cy="1141560"/>
           </a:xfrm>
           <a:prstGeom prst="rect">
             <a:avLst/>
@@ -3475,16 +3738,16 @@
             </a:r>
             <a:endParaRPr b="0" lang="en-US" sz="3300" spc="-1" strike="noStrike">
               <a:solidFill>
-                <a:schemeClr val="dk1"/>
+                <a:srgbClr val="000000"/>
               </a:solidFill>
-              <a:latin typeface="Calibri"/>
+              <a:latin typeface="Arial"/>
             </a:endParaRPr>
           </a:p>
         </p:txBody>
       </p:sp>
       <p:graphicFrame>
         <p:nvGraphicFramePr>
-          <p:cNvPr id="65" name="Content Placeholder 5"/>
+          <p:cNvPr id="67" name="Content Placeholder 5"/>
           <p:cNvGraphicFramePr/>
           <p:nvPr/>
         </p:nvGraphicFramePr>
@@ -4280,7 +4543,7 @@
       </p:grpSpPr>
       <p:sp>
         <p:nvSpPr>
-          <p:cNvPr id="66" name="PlaceHolder 1"/>
+          <p:cNvPr id="68" name="PlaceHolder 1"/>
           <p:cNvSpPr>
             <a:spLocks noGrp="1"/>
           </p:cNvSpPr>
@@ -4291,7 +4554,7 @@
         <p:spPr>
           <a:xfrm>
             <a:off x="609120" y="0"/>
-            <a:ext cx="10969560" cy="1142280"/>
+            <a:ext cx="10968840" cy="1141560"/>
           </a:xfrm>
           <a:prstGeom prst="rect">
             <a:avLst/>
@@ -4326,16 +4589,16 @@
             </a:r>
             <a:endParaRPr b="0" lang="en-US" sz="3300" spc="-1" strike="noStrike">
               <a:solidFill>
-                <a:schemeClr val="dk1"/>
+                <a:srgbClr val="000000"/>
               </a:solidFill>
-              <a:latin typeface="Calibri"/>
+              <a:latin typeface="Arial"/>
             </a:endParaRPr>
           </a:p>
         </p:txBody>
       </p:sp>
       <p:sp>
         <p:nvSpPr>
-          <p:cNvPr id="67" name="PlaceHolder 2"/>
+          <p:cNvPr id="69" name="PlaceHolder 2"/>
           <p:cNvSpPr>
             <a:spLocks noGrp="1"/>
           </p:cNvSpPr>
@@ -4346,7 +4609,7 @@
         <p:spPr>
           <a:xfrm>
             <a:off x="562320" y="1174680"/>
-            <a:ext cx="10969560" cy="4525200"/>
+            <a:ext cx="10968840" cy="4524480"/>
           </a:xfrm>
           <a:prstGeom prst="rect">
             <a:avLst/>
@@ -4384,9 +4647,9 @@
             </a:r>
             <a:endParaRPr b="0" lang="en-US" sz="2000" spc="-1" strike="noStrike">
               <a:solidFill>
-                <a:schemeClr val="dk1"/>
+                <a:srgbClr val="000000"/>
               </a:solidFill>
-              <a:latin typeface="Calibri"/>
+              <a:latin typeface="Arial"/>
             </a:endParaRPr>
           </a:p>
           <a:p>
@@ -4417,9 +4680,9 @@
             </a:r>
             <a:endParaRPr b="0" lang="en-US" sz="2000" spc="-1" strike="noStrike">
               <a:solidFill>
-                <a:schemeClr val="dk1"/>
+                <a:srgbClr val="000000"/>
               </a:solidFill>
-              <a:latin typeface="Calibri"/>
+              <a:latin typeface="Arial"/>
             </a:endParaRPr>
           </a:p>
           <a:p>
@@ -4450,9 +4713,9 @@
             </a:r>
             <a:endParaRPr b="0" lang="en-US" sz="2000" spc="-1" strike="noStrike">
               <a:solidFill>
-                <a:schemeClr val="dk1"/>
+                <a:srgbClr val="000000"/>
               </a:solidFill>
-              <a:latin typeface="Calibri"/>
+              <a:latin typeface="Arial"/>
             </a:endParaRPr>
           </a:p>
           <a:p>
@@ -4483,9 +4746,9 @@
             </a:r>
             <a:endParaRPr b="0" lang="en-US" sz="2000" spc="-1" strike="noStrike">
               <a:solidFill>
-                <a:schemeClr val="dk1"/>
+                <a:srgbClr val="000000"/>
               </a:solidFill>
-              <a:latin typeface="Calibri"/>
+              <a:latin typeface="Arial"/>
             </a:endParaRPr>
           </a:p>
           <a:p>
@@ -4516,9 +4779,9 @@
             </a:r>
             <a:endParaRPr b="0" lang="en-US" sz="2000" spc="-1" strike="noStrike">
               <a:solidFill>
-                <a:schemeClr val="dk1"/>
+                <a:srgbClr val="000000"/>
               </a:solidFill>
-              <a:latin typeface="Calibri"/>
+              <a:latin typeface="Arial"/>
             </a:endParaRPr>
           </a:p>
           <a:p>
@@ -4549,9 +4812,9 @@
             </a:r>
             <a:endParaRPr b="0" lang="en-US" sz="2000" spc="-1" strike="noStrike">
               <a:solidFill>
-                <a:schemeClr val="dk1"/>
+                <a:srgbClr val="000000"/>
               </a:solidFill>
-              <a:latin typeface="Calibri"/>
+              <a:latin typeface="Arial"/>
             </a:endParaRPr>
           </a:p>
         </p:txBody>
@@ -4588,7 +4851,7 @@
       </p:grpSpPr>
       <p:sp>
         <p:nvSpPr>
-          <p:cNvPr id="68" name="PlaceHolder 1"/>
+          <p:cNvPr id="70" name="PlaceHolder 1"/>
           <p:cNvSpPr>
             <a:spLocks noGrp="1"/>
           </p:cNvSpPr>
@@ -4599,7 +4862,7 @@
         <p:spPr>
           <a:xfrm>
             <a:off x="375120" y="218520"/>
-            <a:ext cx="10461600" cy="630360"/>
+            <a:ext cx="10460880" cy="629640"/>
           </a:xfrm>
           <a:prstGeom prst="rect">
             <a:avLst/>
@@ -4634,16 +4897,16 @@
             </a:r>
             <a:endParaRPr b="0" lang="en-US" sz="4000" spc="-1" strike="noStrike">
               <a:solidFill>
-                <a:schemeClr val="dk1"/>
+                <a:srgbClr val="000000"/>
               </a:solidFill>
-              <a:latin typeface="Calibri"/>
+              <a:latin typeface="Arial"/>
             </a:endParaRPr>
           </a:p>
         </p:txBody>
       </p:sp>
       <p:sp>
         <p:nvSpPr>
-          <p:cNvPr id="69" name="PlaceHolder 2"/>
+          <p:cNvPr id="71" name="PlaceHolder 2"/>
           <p:cNvSpPr>
             <a:spLocks noGrp="1"/>
           </p:cNvSpPr>
@@ -4654,7 +4917,7 @@
         <p:spPr>
           <a:xfrm>
             <a:off x="687240" y="848880"/>
-            <a:ext cx="10149480" cy="1657440"/>
+            <a:ext cx="10148760" cy="1656720"/>
           </a:xfrm>
           <a:prstGeom prst="rect">
             <a:avLst/>
@@ -4701,22 +4964,22 @@
             </a:r>
             <a:endParaRPr b="0" lang="en-US" sz="1800" spc="-1" strike="noStrike">
               <a:solidFill>
-                <a:schemeClr val="dk1"/>
+                <a:srgbClr val="000000"/>
               </a:solidFill>
-              <a:latin typeface="Calibri"/>
+              <a:latin typeface="Arial"/>
             </a:endParaRPr>
           </a:p>
         </p:txBody>
       </p:sp>
       <p:graphicFrame>
         <p:nvGraphicFramePr>
-          <p:cNvPr id="70" name="Content Placeholder 5"/>
+          <p:cNvPr id="72" name="Content Placeholder 5"/>
           <p:cNvGraphicFramePr/>
           <p:nvPr/>
         </p:nvGraphicFramePr>
         <p:xfrm>
           <a:off x="856800" y="2834640"/>
-          <a:ext cx="10206720" cy="3181320"/>
+          <a:ext cx="10206360" cy="3453120"/>
         </p:xfrm>
         <a:graphic>
           <a:graphicData uri="http://schemas.openxmlformats.org/drawingml/2006/table">
@@ -6974,7 +7237,7 @@
       </p:grpSpPr>
       <p:sp>
         <p:nvSpPr>
-          <p:cNvPr id="71" name="PlaceHolder 1"/>
+          <p:cNvPr id="73" name="PlaceHolder 1"/>
           <p:cNvSpPr>
             <a:spLocks noGrp="1"/>
           </p:cNvSpPr>
@@ -6985,7 +7248,7 @@
         <p:spPr>
           <a:xfrm>
             <a:off x="609120" y="172800"/>
-            <a:ext cx="10969560" cy="1142280"/>
+            <a:ext cx="10968840" cy="1141560"/>
           </a:xfrm>
           <a:prstGeom prst="rect">
             <a:avLst/>
@@ -7001,7 +7264,13 @@
           </a:bodyPr>
           <a:p>
             <a:pPr indent="0">
+              <a:lnSpc>
+                <a:spcPct val="100000"/>
+              </a:lnSpc>
               <a:buNone/>
+              <a:tabLst>
+                <a:tab algn="l" pos="0"/>
+              </a:tabLst>
             </a:pPr>
             <a:r>
               <a:rPr b="0" lang="en-US" sz="4400" spc="-1" strike="noStrike">
@@ -7014,22 +7283,22 @@
             </a:r>
             <a:endParaRPr b="0" lang="en-US" sz="4400" spc="-1" strike="noStrike">
               <a:solidFill>
-                <a:schemeClr val="dk1"/>
+                <a:srgbClr val="000000"/>
               </a:solidFill>
-              <a:latin typeface="Calibri"/>
+              <a:latin typeface="Arial"/>
             </a:endParaRPr>
           </a:p>
         </p:txBody>
       </p:sp>
       <p:graphicFrame>
         <p:nvGraphicFramePr>
-          <p:cNvPr id="72" name="Content Placeholder 5"/>
+          <p:cNvPr id="74" name="Content Placeholder 5"/>
           <p:cNvGraphicFramePr/>
           <p:nvPr/>
         </p:nvGraphicFramePr>
         <p:xfrm>
           <a:off x="339840" y="3561480"/>
-          <a:ext cx="11252880" cy="2633760"/>
+          <a:ext cx="11252520" cy="2680560"/>
         </p:xfrm>
         <a:graphic>
           <a:graphicData uri="http://schemas.openxmlformats.org/drawingml/2006/table">
@@ -8156,14 +8425,14 @@
       </p:graphicFrame>
       <p:sp>
         <p:nvSpPr>
-          <p:cNvPr id="73" name="TextBox 3"/>
+          <p:cNvPr id="75" name="TextBox 3"/>
           <p:cNvSpPr/>
           <p:nvPr/>
         </p:nvSpPr>
         <p:spPr>
           <a:xfrm>
             <a:off x="499680" y="1315080"/>
-            <a:ext cx="10969560" cy="676800"/>
+            <a:ext cx="10968840" cy="676080"/>
           </a:xfrm>
           <a:prstGeom prst="rect">
             <a:avLst/>
@@ -8245,7 +8514,7 @@
       </p:grpSpPr>
       <p:sp>
         <p:nvSpPr>
-          <p:cNvPr id="74" name="PlaceHolder 1"/>
+          <p:cNvPr id="76" name="PlaceHolder 1"/>
           <p:cNvSpPr>
             <a:spLocks noGrp="1"/>
           </p:cNvSpPr>
@@ -8256,7 +8525,7 @@
         <p:spPr>
           <a:xfrm>
             <a:off x="609120" y="47880"/>
-            <a:ext cx="10969560" cy="1142280"/>
+            <a:ext cx="10968840" cy="1141560"/>
           </a:xfrm>
           <a:prstGeom prst="rect">
             <a:avLst/>
@@ -8291,16 +8560,16 @@
             </a:r>
             <a:endParaRPr b="0" lang="en-US" sz="3300" spc="-1" strike="noStrike">
               <a:solidFill>
-                <a:schemeClr val="dk1"/>
+                <a:srgbClr val="000000"/>
               </a:solidFill>
-              <a:latin typeface="Calibri"/>
+              <a:latin typeface="Arial"/>
             </a:endParaRPr>
           </a:p>
         </p:txBody>
       </p:sp>
       <p:pic>
         <p:nvPicPr>
-          <p:cNvPr id="75" name="Picture 1" descr="./plots/cf_plots.png"/>
+          <p:cNvPr id="77" name="Picture 1" descr="./plots/cf_plots.png"/>
           <p:cNvPicPr/>
           <p:nvPr/>
         </p:nvPicPr>
@@ -8311,7 +8580,7 @@
         <p:spPr>
           <a:xfrm>
             <a:off x="1623240" y="1130760"/>
-            <a:ext cx="8510760" cy="5150160"/>
+            <a:ext cx="8510040" cy="5149440"/>
           </a:xfrm>
           <a:prstGeom prst="rect">
             <a:avLst/>
@@ -8353,7 +8622,7 @@
       </p:grpSpPr>
       <p:sp>
         <p:nvSpPr>
-          <p:cNvPr id="76" name="PlaceHolder 1"/>
+          <p:cNvPr id="78" name="PlaceHolder 1"/>
           <p:cNvSpPr>
             <a:spLocks noGrp="1"/>
           </p:cNvSpPr>
@@ -8364,7 +8633,7 @@
         <p:spPr>
           <a:xfrm>
             <a:off x="437400" y="118440"/>
-            <a:ext cx="10969560" cy="1142280"/>
+            <a:ext cx="10968840" cy="1141560"/>
           </a:xfrm>
           <a:prstGeom prst="rect">
             <a:avLst/>
@@ -8399,16 +8668,16 @@
             </a:r>
             <a:endParaRPr b="0" lang="en-US" sz="3300" spc="-1" strike="noStrike">
               <a:solidFill>
-                <a:schemeClr val="dk1"/>
+                <a:srgbClr val="000000"/>
               </a:solidFill>
-              <a:latin typeface="Calibri"/>
+              <a:latin typeface="Arial"/>
             </a:endParaRPr>
           </a:p>
         </p:txBody>
       </p:sp>
       <p:pic>
         <p:nvPicPr>
-          <p:cNvPr id="77" name="Picture 1" descr="./plots/wu_plots.png"/>
+          <p:cNvPr id="79" name="Picture 1" descr="./plots/wu_plots.png"/>
           <p:cNvPicPr/>
           <p:nvPr/>
         </p:nvPicPr>
@@ -8419,7 +8688,7 @@
         <p:spPr>
           <a:xfrm>
             <a:off x="2239920" y="1341720"/>
-            <a:ext cx="7683120" cy="4993920"/>
+            <a:ext cx="7682400" cy="4993200"/>
           </a:xfrm>
           <a:prstGeom prst="rect">
             <a:avLst/>
@@ -8461,7 +8730,7 @@
       </p:grpSpPr>
       <p:sp>
         <p:nvSpPr>
-          <p:cNvPr id="78" name="PlaceHolder 1"/>
+          <p:cNvPr id="80" name="PlaceHolder 1"/>
           <p:cNvSpPr>
             <a:spLocks noGrp="1"/>
           </p:cNvSpPr>
@@ -8472,7 +8741,7 @@
         <p:spPr>
           <a:xfrm>
             <a:off x="515520" y="157320"/>
-            <a:ext cx="10969560" cy="1142280"/>
+            <a:ext cx="10968840" cy="1141560"/>
           </a:xfrm>
           <a:prstGeom prst="rect">
             <a:avLst/>
@@ -8507,16 +8776,16 @@
             </a:r>
             <a:endParaRPr b="0" lang="en-US" sz="3300" spc="-1" strike="noStrike">
               <a:solidFill>
-                <a:schemeClr val="dk1"/>
+                <a:srgbClr val="000000"/>
               </a:solidFill>
-              <a:latin typeface="Calibri"/>
+              <a:latin typeface="Arial"/>
             </a:endParaRPr>
           </a:p>
         </p:txBody>
       </p:sp>
       <p:pic>
         <p:nvPicPr>
-          <p:cNvPr id="79" name="Picture 1" descr="./plots/ed_plots.png"/>
+          <p:cNvPr id="81" name="Picture 1" descr="./plots/ed_plots.png"/>
           <p:cNvPicPr/>
           <p:nvPr/>
         </p:nvPicPr>
@@ -8527,7 +8796,7 @@
         <p:spPr>
           <a:xfrm>
             <a:off x="2130480" y="1299600"/>
-            <a:ext cx="7730280" cy="4961880"/>
+            <a:ext cx="7729560" cy="4961160"/>
           </a:xfrm>
           <a:prstGeom prst="rect">
             <a:avLst/>
@@ -8569,7 +8838,7 @@
       </p:grpSpPr>
       <p:sp>
         <p:nvSpPr>
-          <p:cNvPr id="80" name="PlaceHolder 1"/>
+          <p:cNvPr id="82" name="PlaceHolder 1"/>
           <p:cNvSpPr>
             <a:spLocks noGrp="1"/>
           </p:cNvSpPr>
@@ -8580,7 +8849,7 @@
         <p:spPr>
           <a:xfrm>
             <a:off x="609120" y="227520"/>
-            <a:ext cx="10969560" cy="1142280"/>
+            <a:ext cx="10968840" cy="1141560"/>
           </a:xfrm>
           <a:prstGeom prst="rect">
             <a:avLst/>
@@ -8615,16 +8884,16 @@
             </a:r>
             <a:endParaRPr b="0" lang="en-US" sz="3300" spc="-1" strike="noStrike">
               <a:solidFill>
-                <a:schemeClr val="dk1"/>
+                <a:srgbClr val="000000"/>
               </a:solidFill>
-              <a:latin typeface="Calibri"/>
+              <a:latin typeface="Arial"/>
             </a:endParaRPr>
           </a:p>
         </p:txBody>
       </p:sp>
       <p:pic>
         <p:nvPicPr>
-          <p:cNvPr id="81" name="Picture 1" descr="./plots/ep_plots.png"/>
+          <p:cNvPr id="83" name="Picture 1" descr="./plots/ep_plots.png"/>
           <p:cNvPicPr/>
           <p:nvPr/>
         </p:nvPicPr>
@@ -8635,7 +8904,7 @@
         <p:spPr>
           <a:xfrm>
             <a:off x="2278800" y="1369800"/>
-            <a:ext cx="7620840" cy="4832280"/>
+            <a:ext cx="7620120" cy="4831560"/>
           </a:xfrm>
           <a:prstGeom prst="rect">
             <a:avLst/>
@@ -8677,7 +8946,7 @@
       </p:grpSpPr>
       <p:sp>
         <p:nvSpPr>
-          <p:cNvPr id="82" name="PlaceHolder 1"/>
+          <p:cNvPr id="84" name="PlaceHolder 1"/>
           <p:cNvSpPr>
             <a:spLocks noGrp="1"/>
           </p:cNvSpPr>
@@ -8688,7 +8957,7 @@
         <p:spPr>
           <a:xfrm>
             <a:off x="390600" y="274320"/>
-            <a:ext cx="10969560" cy="1142280"/>
+            <a:ext cx="10968840" cy="1141560"/>
           </a:xfrm>
           <a:prstGeom prst="rect">
             <a:avLst/>
@@ -8723,16 +8992,16 @@
             </a:r>
             <a:endParaRPr b="0" lang="en-US" sz="3300" spc="-1" strike="noStrike">
               <a:solidFill>
-                <a:schemeClr val="dk1"/>
+                <a:srgbClr val="000000"/>
               </a:solidFill>
-              <a:latin typeface="Calibri"/>
+              <a:latin typeface="Arial"/>
             </a:endParaRPr>
           </a:p>
         </p:txBody>
       </p:sp>
       <p:pic>
         <p:nvPicPr>
-          <p:cNvPr id="83" name="Picture 1" descr="./plots/ht_plots.png"/>
+          <p:cNvPr id="85" name="Picture 1" descr="./plots/ht_plots.png"/>
           <p:cNvPicPr/>
           <p:nvPr/>
         </p:nvPicPr>
@@ -8743,7 +9012,7 @@
         <p:spPr>
           <a:xfrm>
             <a:off x="2130480" y="1357560"/>
-            <a:ext cx="7839360" cy="4946760"/>
+            <a:ext cx="7838640" cy="4946040"/>
           </a:xfrm>
           <a:prstGeom prst="rect">
             <a:avLst/>
@@ -8785,7 +9054,7 @@
       </p:grpSpPr>
       <p:sp>
         <p:nvSpPr>
-          <p:cNvPr id="84" name="PlaceHolder 1"/>
+          <p:cNvPr id="86" name="PlaceHolder 1"/>
           <p:cNvSpPr>
             <a:spLocks noGrp="1"/>
           </p:cNvSpPr>
@@ -8796,7 +9065,7 @@
         <p:spPr>
           <a:xfrm>
             <a:off x="609120" y="274320"/>
-            <a:ext cx="10969560" cy="1142280"/>
+            <a:ext cx="10968840" cy="1141560"/>
           </a:xfrm>
           <a:prstGeom prst="rect">
             <a:avLst/>
@@ -8831,16 +9100,16 @@
             </a:r>
             <a:endParaRPr b="0" lang="en-US" sz="3300" spc="-1" strike="noStrike">
               <a:solidFill>
-                <a:schemeClr val="dk1"/>
+                <a:srgbClr val="000000"/>
               </a:solidFill>
-              <a:latin typeface="Calibri"/>
+              <a:latin typeface="Arial"/>
             </a:endParaRPr>
           </a:p>
         </p:txBody>
       </p:sp>
       <p:pic>
         <p:nvPicPr>
-          <p:cNvPr id="85" name="Picture 1" descr="Life_Cycle_Impact_Assessment/2024-01-06_16-23-27_screenshot.png"/>
+          <p:cNvPr id="87" name="Picture 1" descr="Life_Cycle_Impact_Assessment/2024-01-06_16-23-27_screenshot.png"/>
           <p:cNvPicPr/>
           <p:nvPr/>
         </p:nvPicPr>
@@ -8851,7 +9120,7 @@
         <p:spPr>
           <a:xfrm>
             <a:off x="3047040" y="1591560"/>
-            <a:ext cx="6094080" cy="4520520"/>
+            <a:ext cx="6093360" cy="4519800"/>
           </a:xfrm>
           <a:prstGeom prst="rect">
             <a:avLst/>
@@ -8893,7 +9162,7 @@
       </p:grpSpPr>
       <p:sp>
         <p:nvSpPr>
-          <p:cNvPr id="43" name="PlaceHolder 1"/>
+          <p:cNvPr id="45" name="PlaceHolder 1"/>
           <p:cNvSpPr>
             <a:spLocks noGrp="1"/>
           </p:cNvSpPr>
@@ -8904,7 +9173,7 @@
         <p:spPr>
           <a:xfrm>
             <a:off x="609120" y="274320"/>
-            <a:ext cx="10969560" cy="1142280"/>
+            <a:ext cx="10968840" cy="1141560"/>
           </a:xfrm>
           <a:prstGeom prst="rect">
             <a:avLst/>
@@ -8939,16 +9208,16 @@
             </a:r>
             <a:endParaRPr b="0" lang="en-US" sz="4500" spc="-1" strike="noStrike">
               <a:solidFill>
-                <a:schemeClr val="dk1"/>
+                <a:srgbClr val="000000"/>
               </a:solidFill>
-              <a:latin typeface="Calibri"/>
+              <a:latin typeface="Arial"/>
             </a:endParaRPr>
           </a:p>
         </p:txBody>
       </p:sp>
       <p:sp>
         <p:nvSpPr>
-          <p:cNvPr id="44" name="PlaceHolder 2"/>
+          <p:cNvPr id="46" name="PlaceHolder 2"/>
           <p:cNvSpPr>
             <a:spLocks noGrp="1"/>
           </p:cNvSpPr>
@@ -8959,7 +9228,7 @@
         <p:spPr>
           <a:xfrm>
             <a:off x="609120" y="1600200"/>
-            <a:ext cx="10969560" cy="4525200"/>
+            <a:ext cx="10968840" cy="4524480"/>
           </a:xfrm>
           <a:prstGeom prst="rect">
             <a:avLst/>
@@ -8997,9 +9266,9 @@
             </a:r>
             <a:endParaRPr b="0" lang="en-US" sz="3200" spc="-1" strike="noStrike">
               <a:solidFill>
-                <a:schemeClr val="dk1"/>
+                <a:srgbClr val="000000"/>
               </a:solidFill>
-              <a:latin typeface="Calibri"/>
+              <a:latin typeface="Arial"/>
             </a:endParaRPr>
           </a:p>
         </p:txBody>
@@ -9036,7 +9305,7 @@
       </p:grpSpPr>
       <p:sp>
         <p:nvSpPr>
-          <p:cNvPr id="86" name="PlaceHolder 1"/>
+          <p:cNvPr id="88" name="PlaceHolder 1"/>
           <p:cNvSpPr>
             <a:spLocks noGrp="1"/>
           </p:cNvSpPr>
@@ -9046,8 +9315,8 @@
         </p:nvSpPr>
         <p:spPr>
           <a:xfrm>
-            <a:off x="609120" y="274320"/>
-            <a:ext cx="10969560" cy="1142280"/>
+            <a:off x="609120" y="157320"/>
+            <a:ext cx="10968840" cy="1141560"/>
           </a:xfrm>
           <a:prstGeom prst="rect">
             <a:avLst/>
@@ -9058,11 +9327,11 @@
           </a:ln>
         </p:spPr>
         <p:txBody>
-          <a:bodyPr lIns="91440" rIns="91440" tIns="45720" bIns="45720" anchor="ctr">
+          <a:bodyPr lIns="0" rIns="0" tIns="0" bIns="0" anchor="ctr">
             <a:noAutofit/>
           </a:bodyPr>
           <a:p>
-            <a:pPr indent="0" algn="ctr" defTabSz="343080">
+            <a:pPr indent="0" algn="ctr">
               <a:lnSpc>
                 <a:spcPct val="100000"/>
               </a:lnSpc>
@@ -9072,26 +9341,26 @@
               </a:tabLst>
             </a:pPr>
             <a:r>
-              <a:rPr b="0" lang="en-US" sz="3300" spc="-1" strike="noStrike">
+              <a:rPr b="0" lang="en-US" sz="4400" spc="-1" strike="noStrike">
                 <a:solidFill>
-                  <a:schemeClr val="dk1"/>
+                  <a:srgbClr val="000000"/>
                 </a:solidFill>
-                <a:latin typeface="Calibri"/>
+                <a:latin typeface="Arial"/>
               </a:rPr>
-              <a:t>Improving Water Usage</a:t>
+              <a:t>Water Reuse Prospects</a:t>
             </a:r>
-            <a:endParaRPr b="0" lang="en-US" sz="3300" spc="-1" strike="noStrike">
+            <a:endParaRPr b="0" lang="en-US" sz="4400" spc="-1" strike="noStrike">
               <a:solidFill>
-                <a:schemeClr val="dk1"/>
+                <a:srgbClr val="000000"/>
               </a:solidFill>
-              <a:latin typeface="Calibri"/>
+              <a:latin typeface="Arial"/>
             </a:endParaRPr>
           </a:p>
         </p:txBody>
       </p:sp>
       <p:sp>
         <p:nvSpPr>
-          <p:cNvPr id="87" name="PlaceHolder 2"/>
+          <p:cNvPr id="89" name="PlaceHolder 2"/>
           <p:cNvSpPr>
             <a:spLocks noGrp="1"/>
           </p:cNvSpPr>
@@ -9101,8 +9370,8 @@
         </p:nvSpPr>
         <p:spPr>
           <a:xfrm>
-            <a:off x="531000" y="1530000"/>
-            <a:ext cx="10969560" cy="4525200"/>
+            <a:off x="609120" y="1448280"/>
+            <a:ext cx="10969200" cy="4383360"/>
           </a:xfrm>
           <a:prstGeom prst="rect">
             <a:avLst/>
@@ -9113,16 +9382,16 @@
           </a:ln>
         </p:spPr>
         <p:txBody>
-          <a:bodyPr lIns="91440" rIns="91440" tIns="45720" bIns="45720" anchor="t">
-            <a:noAutofit/>
+          <a:bodyPr lIns="0" rIns="0" tIns="0" bIns="0" anchor="t">
+            <a:normAutofit/>
           </a:bodyPr>
           <a:p>
-            <a:pPr indent="0" defTabSz="343080">
+            <a:pPr marL="432000" indent="0">
               <a:lnSpc>
                 <a:spcPct val="100000"/>
               </a:lnSpc>
               <a:spcBef>
-                <a:spcPts val="479"/>
+                <a:spcPts val="1417"/>
               </a:spcBef>
               <a:buNone/>
               <a:tabLst>
@@ -9130,19 +9399,68 @@
               </a:tabLst>
             </a:pPr>
             <a:r>
-              <a:rPr b="0" lang="en-US" sz="2800" spc="-1" strike="noStrike">
+              <a:rPr b="0" lang="en-US" sz="3200" spc="-1" strike="noStrike">
                 <a:solidFill>
-                  <a:schemeClr val="dk1"/>
+                  <a:srgbClr val="000000"/>
                 </a:solidFill>
-                <a:latin typeface="Calibri"/>
+                <a:latin typeface="Arial"/>
               </a:rPr>
-              <a:t>The biggest problem of the process is water usage. Improving the water usage isn't so easy, as half of the water needs are for cooling inside which is hard to decrease. From the ones we can control, the process is 5 times more sensitive to the cooling of the distillation column than the steam needed for the steam explosion. However, this is not very significant. The best way to decrease water usage is via optimization of water usage with Pinch point analysis or water reuse.</a:t>
+              <a:t>To improve the large water usage of the process, we can look into water reuse prospects, such as integrating the distillation columns with a refrigerator cycle, which will reuse the water needed for the cooling, thus lowering the water needs of the process.</a:t>
             </a:r>
-            <a:endParaRPr b="0" lang="en-US" sz="2800" spc="-1" strike="noStrike">
+            <a:endParaRPr b="0" lang="en-US" sz="3200" spc="-1" strike="noStrike">
               <a:solidFill>
-                <a:schemeClr val="dk1"/>
+                <a:srgbClr val="000000"/>
               </a:solidFill>
-              <a:latin typeface="Calibri"/>
+              <a:latin typeface="Arial"/>
+            </a:endParaRPr>
+          </a:p>
+          <a:p>
+            <a:pPr marL="432000" indent="0">
+              <a:lnSpc>
+                <a:spcPct val="100000"/>
+              </a:lnSpc>
+              <a:spcBef>
+                <a:spcPts val="1417"/>
+              </a:spcBef>
+              <a:buNone/>
+              <a:tabLst>
+                <a:tab algn="l" pos="0"/>
+              </a:tabLst>
+            </a:pPr>
+            <a:endParaRPr b="0" lang="en-US" sz="3200" spc="-1" strike="noStrike">
+              <a:solidFill>
+                <a:srgbClr val="000000"/>
+              </a:solidFill>
+              <a:latin typeface="Arial"/>
+            </a:endParaRPr>
+          </a:p>
+          <a:p>
+            <a:pPr marL="432000" indent="0">
+              <a:lnSpc>
+                <a:spcPct val="100000"/>
+              </a:lnSpc>
+              <a:spcBef>
+                <a:spcPts val="1417"/>
+              </a:spcBef>
+              <a:buNone/>
+              <a:tabLst>
+                <a:tab algn="l" pos="0"/>
+              </a:tabLst>
+            </a:pPr>
+            <a:r>
+              <a:rPr b="0" lang="en-US" sz="3200" spc="-1" strike="noStrike">
+                <a:solidFill>
+                  <a:srgbClr val="000000"/>
+                </a:solidFill>
+                <a:latin typeface="Arial"/>
+              </a:rPr>
+              <a:t>This could make the process worse in other aspects, but is something worth looking into</a:t>
+            </a:r>
+            <a:endParaRPr b="0" lang="en-US" sz="3200" spc="-1" strike="noStrike">
+              <a:solidFill>
+                <a:srgbClr val="000000"/>
+              </a:solidFill>
+              <a:latin typeface="Arial"/>
             </a:endParaRPr>
           </a:p>
         </p:txBody>
@@ -9179,7 +9497,494 @@
       </p:grpSpPr>
       <p:sp>
         <p:nvSpPr>
-          <p:cNvPr id="88" name="PlaceHolder 1"/>
+          <p:cNvPr id="90" name="PlaceHolder 1"/>
+          <p:cNvSpPr>
+            <a:spLocks noGrp="1"/>
+          </p:cNvSpPr>
+          <p:nvPr>
+            <p:ph type="title"/>
+          </p:nvPr>
+        </p:nvSpPr>
+        <p:spPr>
+          <a:xfrm>
+            <a:off x="609120" y="149400"/>
+            <a:ext cx="10968840" cy="880920"/>
+          </a:xfrm>
+          <a:prstGeom prst="rect">
+            <a:avLst/>
+          </a:prstGeom>
+          <a:noFill/>
+          <a:ln w="0">
+            <a:noFill/>
+          </a:ln>
+        </p:spPr>
+        <p:txBody>
+          <a:bodyPr lIns="0" rIns="0" tIns="0" bIns="0" anchor="ctr">
+            <a:noAutofit/>
+          </a:bodyPr>
+          <a:p>
+            <a:pPr indent="0" algn="ctr">
+              <a:lnSpc>
+                <a:spcPct val="100000"/>
+              </a:lnSpc>
+              <a:buNone/>
+              <a:tabLst>
+                <a:tab algn="l" pos="0"/>
+              </a:tabLst>
+            </a:pPr>
+            <a:r>
+              <a:rPr b="0" lang="en-US" sz="4400" spc="-1" strike="noStrike">
+                <a:solidFill>
+                  <a:srgbClr val="000000"/>
+                </a:solidFill>
+                <a:latin typeface="Arial"/>
+              </a:rPr>
+              <a:t>LCIA with water reuse</a:t>
+            </a:r>
+            <a:endParaRPr b="0" lang="en-US" sz="4400" spc="-1" strike="noStrike">
+              <a:solidFill>
+                <a:srgbClr val="000000"/>
+              </a:solidFill>
+              <a:latin typeface="Arial"/>
+            </a:endParaRPr>
+          </a:p>
+        </p:txBody>
+      </p:sp>
+      <p:pic>
+        <p:nvPicPr>
+          <p:cNvPr id="91" name="" descr=""/>
+          <p:cNvPicPr/>
+          <p:nvPr/>
+        </p:nvPicPr>
+        <p:blipFill>
+          <a:blip r:embed="rId1"/>
+          <a:stretch/>
+        </p:blipFill>
+        <p:spPr>
+          <a:xfrm>
+            <a:off x="2185200" y="1072080"/>
+            <a:ext cx="8008200" cy="5338440"/>
+          </a:xfrm>
+          <a:prstGeom prst="rect">
+            <a:avLst/>
+          </a:prstGeom>
+          <a:ln w="0">
+            <a:noFill/>
+          </a:ln>
+        </p:spPr>
+      </p:pic>
+    </p:spTree>
+  </p:cSld>
+  <mc:AlternateContent>
+    <mc:Choice Requires="p14">
+      <p:transition spd="slow" p14:dur="2000"/>
+    </mc:Choice>
+    <mc:Fallback>
+      <p:transition spd="slow"/>
+    </mc:Fallback>
+  </mc:AlternateContent>
+</p:sld>
+</file>
+
+<file path=ppt/slides/slide22.xml><?xml version="1.0" encoding="utf-8"?>
+<p:sld xmlns:a="http://schemas.openxmlformats.org/drawingml/2006/main" xmlns:p="http://schemas.openxmlformats.org/presentationml/2006/main" xmlns:r="http://schemas.openxmlformats.org/officeDocument/2006/relationships" xmlns:p14="http://schemas.microsoft.com/office/powerpoint/2010/main" xmlns:p15="http://schemas.microsoft.com/office/powerpoint/2012/main" xmlns:mc="http://schemas.openxmlformats.org/markup-compatibility/2006">
+  <p:cSld>
+    <p:spTree>
+      <p:nvGrpSpPr>
+        <p:cNvPr id="1" name=""/>
+        <p:cNvGrpSpPr/>
+        <p:nvPr/>
+      </p:nvGrpSpPr>
+      <p:grpSpPr>
+        <a:xfrm>
+          <a:off x="0" y="0"/>
+          <a:ext cx="0" cy="0"/>
+          <a:chOff x="0" y="0"/>
+          <a:chExt cx="0" cy="0"/>
+        </a:xfrm>
+      </p:grpSpPr>
+      <p:sp>
+        <p:nvSpPr>
+          <p:cNvPr id="92" name="PlaceHolder 1"/>
+          <p:cNvSpPr>
+            <a:spLocks noGrp="1"/>
+          </p:cNvSpPr>
+          <p:nvPr>
+            <p:ph type="title"/>
+          </p:nvPr>
+        </p:nvSpPr>
+        <p:spPr>
+          <a:xfrm>
+            <a:off x="609120" y="110520"/>
+            <a:ext cx="10968840" cy="990000"/>
+          </a:xfrm>
+          <a:prstGeom prst="rect">
+            <a:avLst/>
+          </a:prstGeom>
+          <a:noFill/>
+          <a:ln w="0">
+            <a:noFill/>
+          </a:ln>
+        </p:spPr>
+        <p:txBody>
+          <a:bodyPr lIns="0" rIns="0" tIns="0" bIns="0" anchor="ctr">
+            <a:noAutofit/>
+          </a:bodyPr>
+          <a:p>
+            <a:pPr indent="0" algn="ctr">
+              <a:lnSpc>
+                <a:spcPct val="100000"/>
+              </a:lnSpc>
+              <a:buNone/>
+              <a:tabLst>
+                <a:tab algn="l" pos="0"/>
+              </a:tabLst>
+            </a:pPr>
+            <a:r>
+              <a:rPr b="0" lang="en-US" sz="4400" spc="-1" strike="noStrike">
+                <a:solidFill>
+                  <a:srgbClr val="000000"/>
+                </a:solidFill>
+                <a:latin typeface="Arial"/>
+              </a:rPr>
+              <a:t>Conclusions on water reuse</a:t>
+            </a:r>
+            <a:endParaRPr b="0" lang="en-US" sz="4400" spc="-1" strike="noStrike">
+              <a:solidFill>
+                <a:srgbClr val="000000"/>
+              </a:solidFill>
+              <a:latin typeface="Arial"/>
+            </a:endParaRPr>
+          </a:p>
+        </p:txBody>
+      </p:sp>
+      <p:sp>
+        <p:nvSpPr>
+          <p:cNvPr id="93" name="PlaceHolder 2"/>
+          <p:cNvSpPr>
+            <a:spLocks noGrp="1"/>
+          </p:cNvSpPr>
+          <p:nvPr>
+            <p:ph/>
+          </p:nvPr>
+        </p:nvSpPr>
+        <p:spPr>
+          <a:xfrm>
+            <a:off x="609120" y="1253160"/>
+            <a:ext cx="10969200" cy="4828320"/>
+          </a:xfrm>
+          <a:prstGeom prst="rect">
+            <a:avLst/>
+          </a:prstGeom>
+          <a:noFill/>
+          <a:ln w="0">
+            <a:noFill/>
+          </a:ln>
+        </p:spPr>
+        <p:txBody>
+          <a:bodyPr lIns="0" rIns="0" tIns="0" bIns="0" anchor="t">
+            <a:normAutofit/>
+          </a:bodyPr>
+          <a:p>
+            <a:pPr marL="432000" indent="-324000" defTabSz="343080">
+              <a:lnSpc>
+                <a:spcPct val="100000"/>
+              </a:lnSpc>
+              <a:spcBef>
+                <a:spcPts val="479"/>
+              </a:spcBef>
+              <a:buClr>
+                <a:srgbClr val="000000"/>
+              </a:buClr>
+              <a:buSzPct val="45000"/>
+              <a:buFont typeface="Wingdings" charset="2"/>
+              <a:buChar char=""/>
+              <a:tabLst>
+                <a:tab algn="l" pos="0"/>
+              </a:tabLst>
+            </a:pPr>
+            <a:r>
+              <a:rPr b="0" lang="en-US" sz="2800" spc="-1" strike="noStrike">
+                <a:solidFill>
+                  <a:schemeClr val="dk1"/>
+                </a:solidFill>
+                <a:latin typeface="Calibri"/>
+              </a:rPr>
+              <a:t>The biggest problem of the process is water usage. The proposed scenario brings water usage to 40% of its original value, which is a significant improvement, without it increasing the other impacts of the process.</a:t>
+            </a:r>
+            <a:endParaRPr b="0" lang="en-US" sz="2800" spc="-1" strike="noStrike">
+              <a:solidFill>
+                <a:srgbClr val="000000"/>
+              </a:solidFill>
+              <a:latin typeface="Arial"/>
+            </a:endParaRPr>
+          </a:p>
+          <a:p>
+            <a:pPr marL="432000" indent="0" defTabSz="343080">
+              <a:lnSpc>
+                <a:spcPct val="100000"/>
+              </a:lnSpc>
+              <a:spcBef>
+                <a:spcPts val="479"/>
+              </a:spcBef>
+              <a:buNone/>
+              <a:tabLst>
+                <a:tab algn="l" pos="0"/>
+              </a:tabLst>
+            </a:pPr>
+            <a:endParaRPr b="0" lang="en-US" sz="2800" spc="-1" strike="noStrike">
+              <a:solidFill>
+                <a:srgbClr val="000000"/>
+              </a:solidFill>
+              <a:latin typeface="Arial"/>
+            </a:endParaRPr>
+          </a:p>
+          <a:p>
+            <a:pPr marL="432000" indent="-324000" defTabSz="343080">
+              <a:lnSpc>
+                <a:spcPct val="100000"/>
+              </a:lnSpc>
+              <a:spcBef>
+                <a:spcPts val="479"/>
+              </a:spcBef>
+              <a:buClr>
+                <a:srgbClr val="000000"/>
+              </a:buClr>
+              <a:buSzPct val="45000"/>
+              <a:buFont typeface="Wingdings" charset="2"/>
+              <a:buChar char=""/>
+              <a:tabLst>
+                <a:tab algn="l" pos="0"/>
+              </a:tabLst>
+            </a:pPr>
+            <a:r>
+              <a:rPr b="0" lang="en-US" sz="2800" spc="-1" strike="noStrike">
+                <a:solidFill>
+                  <a:schemeClr val="dk1"/>
+                </a:solidFill>
+                <a:latin typeface="Calibri"/>
+              </a:rPr>
+              <a:t>What this does affect significantly however is the economics of the process. Electricity is energy of higher quality compared to heat, indicating that this is potentially more taxing energetically. Moreover, an investment on some expensive equipment, such as the compressor of the cycle is necessary. To fully assess if this is worth, a techno-economic analysis would be necessary.</a:t>
+            </a:r>
+            <a:endParaRPr b="0" lang="en-US" sz="2800" spc="-1" strike="noStrike">
+              <a:solidFill>
+                <a:srgbClr val="000000"/>
+              </a:solidFill>
+              <a:latin typeface="Arial"/>
+            </a:endParaRPr>
+          </a:p>
+        </p:txBody>
+      </p:sp>
+    </p:spTree>
+  </p:cSld>
+  <mc:AlternateContent>
+    <mc:Choice Requires="p14">
+      <p:transition spd="slow" p14:dur="2000"/>
+    </mc:Choice>
+    <mc:Fallback>
+      <p:transition spd="slow"/>
+    </mc:Fallback>
+  </mc:AlternateContent>
+</p:sld>
+</file>
+
+<file path=ppt/slides/slide23.xml><?xml version="1.0" encoding="utf-8"?>
+<p:sld xmlns:a="http://schemas.openxmlformats.org/drawingml/2006/main" xmlns:p="http://schemas.openxmlformats.org/presentationml/2006/main" xmlns:r="http://schemas.openxmlformats.org/officeDocument/2006/relationships" xmlns:p14="http://schemas.microsoft.com/office/powerpoint/2010/main" xmlns:p15="http://schemas.microsoft.com/office/powerpoint/2012/main" xmlns:mc="http://schemas.openxmlformats.org/markup-compatibility/2006">
+  <p:cSld>
+    <p:spTree>
+      <p:nvGrpSpPr>
+        <p:cNvPr id="1" name=""/>
+        <p:cNvGrpSpPr/>
+        <p:nvPr/>
+      </p:nvGrpSpPr>
+      <p:grpSpPr>
+        <a:xfrm>
+          <a:off x="0" y="0"/>
+          <a:ext cx="0" cy="0"/>
+          <a:chOff x="0" y="0"/>
+          <a:chExt cx="0" cy="0"/>
+        </a:xfrm>
+      </p:grpSpPr>
+      <p:sp>
+        <p:nvSpPr>
+          <p:cNvPr id="94" name="PlaceHolder 1"/>
+          <p:cNvSpPr>
+            <a:spLocks noGrp="1"/>
+          </p:cNvSpPr>
+          <p:nvPr>
+            <p:ph type="title"/>
+          </p:nvPr>
+        </p:nvSpPr>
+        <p:spPr>
+          <a:xfrm>
+            <a:off x="765000" y="149400"/>
+            <a:ext cx="10571040" cy="880920"/>
+          </a:xfrm>
+          <a:prstGeom prst="rect">
+            <a:avLst/>
+          </a:prstGeom>
+          <a:noFill/>
+          <a:ln w="0">
+            <a:noFill/>
+          </a:ln>
+        </p:spPr>
+        <p:txBody>
+          <a:bodyPr lIns="0" rIns="0" tIns="0" bIns="0" anchor="ctr">
+            <a:noAutofit/>
+          </a:bodyPr>
+          <a:p>
+            <a:pPr indent="0" algn="ctr">
+              <a:lnSpc>
+                <a:spcPct val="100000"/>
+              </a:lnSpc>
+              <a:buNone/>
+              <a:tabLst>
+                <a:tab algn="l" pos="0"/>
+              </a:tabLst>
+            </a:pPr>
+            <a:r>
+              <a:rPr b="0" lang="en-US" sz="4400" spc="-1" strike="noStrike">
+                <a:solidFill>
+                  <a:srgbClr val="000000"/>
+                </a:solidFill>
+                <a:latin typeface="Arial"/>
+              </a:rPr>
+              <a:t>Other reuse possibilities</a:t>
+            </a:r>
+            <a:endParaRPr b="0" lang="en-US" sz="4400" spc="-1" strike="noStrike">
+              <a:solidFill>
+                <a:srgbClr val="000000"/>
+              </a:solidFill>
+              <a:latin typeface="Arial"/>
+            </a:endParaRPr>
+          </a:p>
+        </p:txBody>
+      </p:sp>
+      <p:sp>
+        <p:nvSpPr>
+          <p:cNvPr id="95" name=""/>
+          <p:cNvSpPr txBox="1"/>
+          <p:nvPr/>
+        </p:nvSpPr>
+        <p:spPr>
+          <a:xfrm>
+            <a:off x="273240" y="1233720"/>
+            <a:ext cx="11273760" cy="5097960"/>
+          </a:xfrm>
+          <a:prstGeom prst="rect">
+            <a:avLst/>
+          </a:prstGeom>
+          <a:noFill/>
+          <a:ln w="0">
+            <a:noFill/>
+          </a:ln>
+        </p:spPr>
+        <p:txBody>
+          <a:bodyPr lIns="90000" rIns="90000" tIns="45000" bIns="45000" anchor="t">
+            <a:noAutofit/>
+          </a:bodyPr>
+          <a:p>
+            <a:r>
+              <a:rPr b="0" lang="en-US" sz="2300" spc="-1" strike="noStrike">
+                <a:solidFill>
+                  <a:srgbClr val="000000"/>
+                </a:solidFill>
+                <a:latin typeface="Arial"/>
+              </a:rPr>
+              <a:t>The above process shows that it has potential as it doesn’t make the process significantly worse in any factor.  For this reason, we considered other possibilities of water reuse. The other important cooling need is the cooling after the reactors. This has a wider range (30-160 C), so it’s harder to integrate.</a:t>
+            </a:r>
+            <a:endParaRPr b="0" lang="en-US" sz="2300" spc="-1" strike="noStrike">
+              <a:solidFill>
+                <a:srgbClr val="000000"/>
+              </a:solidFill>
+              <a:latin typeface="Arial"/>
+            </a:endParaRPr>
+          </a:p>
+          <a:p>
+            <a:endParaRPr b="0" lang="en-US" sz="2300" spc="-1" strike="noStrike">
+              <a:solidFill>
+                <a:srgbClr val="000000"/>
+              </a:solidFill>
+              <a:latin typeface="Arial"/>
+            </a:endParaRPr>
+          </a:p>
+          <a:p>
+            <a:r>
+              <a:rPr b="0" lang="en-US" sz="2300" spc="-1" strike="noStrike">
+                <a:solidFill>
+                  <a:srgbClr val="000000"/>
+                </a:solidFill>
+                <a:latin typeface="Arial"/>
+              </a:rPr>
+              <a:t>A first thought was to integrate it in the above cycle. For this to be done, the use of Chloromethane (CH3-Cl) is necessary, which is hazardous for both human and environment and for this reason, this wasn’t considered optimal.</a:t>
+            </a:r>
+            <a:endParaRPr b="0" lang="en-US" sz="2300" spc="-1" strike="noStrike">
+              <a:solidFill>
+                <a:srgbClr val="000000"/>
+              </a:solidFill>
+              <a:latin typeface="Arial"/>
+            </a:endParaRPr>
+          </a:p>
+          <a:p>
+            <a:endParaRPr b="0" lang="en-US" sz="2300" spc="-1" strike="noStrike">
+              <a:solidFill>
+                <a:srgbClr val="000000"/>
+              </a:solidFill>
+              <a:latin typeface="Arial"/>
+            </a:endParaRPr>
+          </a:p>
+          <a:p>
+            <a:r>
+              <a:rPr b="0" lang="en-US" sz="2300" spc="-1" strike="noStrike">
+                <a:solidFill>
+                  <a:srgbClr val="000000"/>
+                </a:solidFill>
+                <a:latin typeface="Arial"/>
+              </a:rPr>
+              <a:t>Another thought was to create a different cycle. This exacerbates the economic problems of the problem by needing more electricity and a second compressor. Furthermore, it still can’t use water for the cooling, but R-134, which may affect other impacts as well. This means that despite lowering water usage even further, it’s even more likely to make the process worth.</a:t>
+            </a:r>
+            <a:endParaRPr b="0" lang="en-US" sz="2300" spc="-1" strike="noStrike">
+              <a:solidFill>
+                <a:srgbClr val="000000"/>
+              </a:solidFill>
+              <a:latin typeface="Arial"/>
+            </a:endParaRPr>
+          </a:p>
+        </p:txBody>
+      </p:sp>
+    </p:spTree>
+  </p:cSld>
+  <mc:AlternateContent>
+    <mc:Choice Requires="p14">
+      <p:transition spd="slow" p14:dur="2000"/>
+    </mc:Choice>
+    <mc:Fallback>
+      <p:transition spd="slow"/>
+    </mc:Fallback>
+  </mc:AlternateContent>
+</p:sld>
+</file>
+
+<file path=ppt/slides/slide24.xml><?xml version="1.0" encoding="utf-8"?>
+<p:sld xmlns:a="http://schemas.openxmlformats.org/drawingml/2006/main" xmlns:p="http://schemas.openxmlformats.org/presentationml/2006/main" xmlns:r="http://schemas.openxmlformats.org/officeDocument/2006/relationships" xmlns:p14="http://schemas.microsoft.com/office/powerpoint/2010/main" xmlns:p15="http://schemas.microsoft.com/office/powerpoint/2012/main" xmlns:mc="http://schemas.openxmlformats.org/markup-compatibility/2006">
+  <p:cSld>
+    <p:spTree>
+      <p:nvGrpSpPr>
+        <p:cNvPr id="1" name=""/>
+        <p:cNvGrpSpPr/>
+        <p:nvPr/>
+      </p:nvGrpSpPr>
+      <p:grpSpPr>
+        <a:xfrm>
+          <a:off x="0" y="0"/>
+          <a:ext cx="0" cy="0"/>
+          <a:chOff x="0" y="0"/>
+          <a:chExt cx="0" cy="0"/>
+        </a:xfrm>
+      </p:grpSpPr>
+      <p:sp>
+        <p:nvSpPr>
+          <p:cNvPr id="96" name="PlaceHolder 1"/>
           <p:cNvSpPr>
             <a:spLocks noGrp="1"/>
           </p:cNvSpPr>
@@ -9190,7 +9995,7 @@
         <p:spPr>
           <a:xfrm>
             <a:off x="609120" y="274320"/>
-            <a:ext cx="10969560" cy="1142280"/>
+            <a:ext cx="10968840" cy="1141560"/>
           </a:xfrm>
           <a:prstGeom prst="rect">
             <a:avLst/>
@@ -9225,16 +10030,16 @@
             </a:r>
             <a:endParaRPr b="0" lang="en-US" sz="3300" spc="-1" strike="noStrike">
               <a:solidFill>
-                <a:schemeClr val="dk1"/>
+                <a:srgbClr val="000000"/>
               </a:solidFill>
-              <a:latin typeface="Calibri"/>
+              <a:latin typeface="Arial"/>
             </a:endParaRPr>
           </a:p>
         </p:txBody>
       </p:sp>
       <p:sp>
         <p:nvSpPr>
-          <p:cNvPr id="89" name="PlaceHolder 2"/>
+          <p:cNvPr id="97" name="PlaceHolder 2"/>
           <p:cNvSpPr>
             <a:spLocks noGrp="1"/>
           </p:cNvSpPr>
@@ -9245,7 +10050,7 @@
         <p:spPr>
           <a:xfrm>
             <a:off x="609120" y="1600200"/>
-            <a:ext cx="10969560" cy="4525200"/>
+            <a:ext cx="10968840" cy="4524480"/>
           </a:xfrm>
           <a:prstGeom prst="rect">
             <a:avLst/>
@@ -9283,9 +10088,9 @@
             </a:r>
             <a:endParaRPr b="0" lang="en-US" sz="2800" spc="-1" strike="noStrike">
               <a:solidFill>
-                <a:schemeClr val="dk1"/>
+                <a:srgbClr val="000000"/>
               </a:solidFill>
-              <a:latin typeface="Calibri"/>
+              <a:latin typeface="Arial"/>
             </a:endParaRPr>
           </a:p>
         </p:txBody>
@@ -9303,7 +10108,7 @@
 </p:sld>
 </file>
 
-<file path=ppt/slides/slide22.xml><?xml version="1.0" encoding="utf-8"?>
+<file path=ppt/slides/slide25.xml><?xml version="1.0" encoding="utf-8"?>
 <p:sld xmlns:a="http://schemas.openxmlformats.org/drawingml/2006/main" xmlns:p="http://schemas.openxmlformats.org/presentationml/2006/main" xmlns:r="http://schemas.openxmlformats.org/officeDocument/2006/relationships" xmlns:p14="http://schemas.microsoft.com/office/powerpoint/2010/main" xmlns:p15="http://schemas.microsoft.com/office/powerpoint/2012/main" xmlns:mc="http://schemas.openxmlformats.org/markup-compatibility/2006">
   <p:cSld>
     <p:spTree>
@@ -9322,7 +10127,7 @@
       </p:grpSpPr>
       <p:sp>
         <p:nvSpPr>
-          <p:cNvPr id="90" name="PlaceHolder 1"/>
+          <p:cNvPr id="98" name="PlaceHolder 1"/>
           <p:cNvSpPr>
             <a:spLocks noGrp="1"/>
           </p:cNvSpPr>
@@ -9333,7 +10138,7 @@
         <p:spPr>
           <a:xfrm>
             <a:off x="609120" y="274320"/>
-            <a:ext cx="10969560" cy="1142280"/>
+            <a:ext cx="10968840" cy="1141560"/>
           </a:xfrm>
           <a:prstGeom prst="rect">
             <a:avLst/>
@@ -9368,16 +10173,16 @@
             </a:r>
             <a:endParaRPr b="0" lang="en-US" sz="3300" spc="-1" strike="noStrike">
               <a:solidFill>
-                <a:schemeClr val="dk1"/>
+                <a:srgbClr val="000000"/>
               </a:solidFill>
-              <a:latin typeface="Calibri"/>
+              <a:latin typeface="Arial"/>
             </a:endParaRPr>
           </a:p>
         </p:txBody>
       </p:sp>
       <p:sp>
         <p:nvSpPr>
-          <p:cNvPr id="91" name="PlaceHolder 2"/>
+          <p:cNvPr id="99" name="PlaceHolder 2"/>
           <p:cNvSpPr>
             <a:spLocks noGrp="1"/>
           </p:cNvSpPr>
@@ -9388,7 +10193,7 @@
         <p:spPr>
           <a:xfrm>
             <a:off x="687240" y="1560960"/>
-            <a:ext cx="10969560" cy="4525200"/>
+            <a:ext cx="10968840" cy="4524480"/>
           </a:xfrm>
           <a:prstGeom prst="rect">
             <a:avLst/>
@@ -9426,9 +10231,9 @@
             </a:r>
             <a:endParaRPr b="0" lang="en-US" sz="2800" spc="-1" strike="noStrike">
               <a:solidFill>
-                <a:schemeClr val="dk1"/>
+                <a:srgbClr val="000000"/>
               </a:solidFill>
-              <a:latin typeface="Calibri"/>
+              <a:latin typeface="Arial"/>
             </a:endParaRPr>
           </a:p>
         </p:txBody>
@@ -9446,7 +10251,7 @@
 </p:sld>
 </file>
 
-<file path=ppt/slides/slide23.xml><?xml version="1.0" encoding="utf-8"?>
+<file path=ppt/slides/slide26.xml><?xml version="1.0" encoding="utf-8"?>
 <p:sld xmlns:a="http://schemas.openxmlformats.org/drawingml/2006/main" xmlns:p="http://schemas.openxmlformats.org/presentationml/2006/main" xmlns:r="http://schemas.openxmlformats.org/officeDocument/2006/relationships" xmlns:p14="http://schemas.microsoft.com/office/powerpoint/2010/main" xmlns:p15="http://schemas.microsoft.com/office/powerpoint/2012/main" xmlns:mc="http://schemas.openxmlformats.org/markup-compatibility/2006">
   <p:cSld>
     <p:spTree>
@@ -9465,7 +10270,7 @@
       </p:grpSpPr>
       <p:sp>
         <p:nvSpPr>
-          <p:cNvPr id="92" name="PlaceHolder 1"/>
+          <p:cNvPr id="100" name="PlaceHolder 1"/>
           <p:cNvSpPr>
             <a:spLocks noGrp="1"/>
           </p:cNvSpPr>
@@ -9476,7 +10281,7 @@
         <p:spPr>
           <a:xfrm>
             <a:off x="499680" y="110520"/>
-            <a:ext cx="10969560" cy="1142280"/>
+            <a:ext cx="10968840" cy="1141560"/>
           </a:xfrm>
           <a:prstGeom prst="rect">
             <a:avLst/>
@@ -9511,16 +10316,16 @@
             </a:r>
             <a:endParaRPr b="0" lang="en-US" sz="3300" spc="-1" strike="noStrike">
               <a:solidFill>
-                <a:schemeClr val="dk1"/>
+                <a:srgbClr val="000000"/>
               </a:solidFill>
-              <a:latin typeface="Calibri"/>
+              <a:latin typeface="Arial"/>
             </a:endParaRPr>
           </a:p>
         </p:txBody>
       </p:sp>
       <p:sp>
         <p:nvSpPr>
-          <p:cNvPr id="93" name="PlaceHolder 2"/>
+          <p:cNvPr id="101" name="PlaceHolder 2"/>
           <p:cNvSpPr>
             <a:spLocks noGrp="1"/>
           </p:cNvSpPr>
@@ -9531,7 +10336,7 @@
         <p:spPr>
           <a:xfrm>
             <a:off x="343800" y="1311120"/>
-            <a:ext cx="10969560" cy="5082840"/>
+            <a:ext cx="10968840" cy="5082120"/>
           </a:xfrm>
           <a:prstGeom prst="rect">
             <a:avLst/>
@@ -9569,9 +10374,9 @@
             </a:r>
             <a:endParaRPr b="0" lang="en-US" sz="2800" spc="-1" strike="noStrike">
               <a:solidFill>
-                <a:schemeClr val="dk1"/>
+                <a:srgbClr val="000000"/>
               </a:solidFill>
-              <a:latin typeface="Calibri"/>
+              <a:latin typeface="Arial"/>
             </a:endParaRPr>
           </a:p>
           <a:p>
@@ -9589,9 +10394,9 @@
             </a:pPr>
             <a:endParaRPr b="0" lang="en-US" sz="2400" spc="-1" strike="noStrike">
               <a:solidFill>
-                <a:schemeClr val="dk1"/>
+                <a:srgbClr val="000000"/>
               </a:solidFill>
-              <a:latin typeface="Calibri"/>
+              <a:latin typeface="Arial"/>
             </a:endParaRPr>
           </a:p>
           <a:p>
@@ -9609,9 +10414,9 @@
             </a:pPr>
             <a:endParaRPr b="0" lang="en-US" sz="2400" spc="-1" strike="noStrike">
               <a:solidFill>
-                <a:schemeClr val="dk1"/>
+                <a:srgbClr val="000000"/>
               </a:solidFill>
-              <a:latin typeface="Calibri"/>
+              <a:latin typeface="Arial"/>
             </a:endParaRPr>
           </a:p>
           <a:p>
@@ -9629,9 +10434,9 @@
             </a:pPr>
             <a:endParaRPr b="0" lang="en-US" sz="2400" spc="-1" strike="noStrike">
               <a:solidFill>
-                <a:schemeClr val="dk1"/>
+                <a:srgbClr val="000000"/>
               </a:solidFill>
-              <a:latin typeface="Calibri"/>
+              <a:latin typeface="Arial"/>
             </a:endParaRPr>
           </a:p>
           <a:p>
@@ -9649,9 +10454,9 @@
             </a:pPr>
             <a:endParaRPr b="0" lang="en-US" sz="2400" spc="-1" strike="noStrike">
               <a:solidFill>
-                <a:schemeClr val="dk1"/>
+                <a:srgbClr val="000000"/>
               </a:solidFill>
-              <a:latin typeface="Calibri"/>
+              <a:latin typeface="Arial"/>
             </a:endParaRPr>
           </a:p>
         </p:txBody>
@@ -9669,7 +10474,7 @@
 </p:sld>
 </file>
 
-<file path=ppt/slides/slide24.xml><?xml version="1.0" encoding="utf-8"?>
+<file path=ppt/slides/slide27.xml><?xml version="1.0" encoding="utf-8"?>
 <p:sld xmlns:a="http://schemas.openxmlformats.org/drawingml/2006/main" xmlns:p="http://schemas.openxmlformats.org/presentationml/2006/main" xmlns:r="http://schemas.openxmlformats.org/officeDocument/2006/relationships" xmlns:p14="http://schemas.microsoft.com/office/powerpoint/2010/main" xmlns:p15="http://schemas.microsoft.com/office/powerpoint/2012/main" xmlns:mc="http://schemas.openxmlformats.org/markup-compatibility/2006">
   <p:cSld>
     <p:spTree>
@@ -9688,7 +10493,7 @@
       </p:grpSpPr>
       <p:sp>
         <p:nvSpPr>
-          <p:cNvPr id="94" name="PlaceHolder 1"/>
+          <p:cNvPr id="102" name="PlaceHolder 1"/>
           <p:cNvSpPr>
             <a:spLocks noGrp="1"/>
           </p:cNvSpPr>
@@ -9699,7 +10504,7 @@
         <p:spPr>
           <a:xfrm>
             <a:off x="609120" y="274320"/>
-            <a:ext cx="10969560" cy="1142280"/>
+            <a:ext cx="10968840" cy="1141560"/>
           </a:xfrm>
           <a:prstGeom prst="rect">
             <a:avLst/>
@@ -9734,16 +10539,16 @@
             </a:r>
             <a:endParaRPr b="0" lang="en-US" sz="3300" spc="-1" strike="noStrike">
               <a:solidFill>
-                <a:schemeClr val="dk1"/>
+                <a:srgbClr val="000000"/>
               </a:solidFill>
-              <a:latin typeface="Calibri"/>
+              <a:latin typeface="Arial"/>
             </a:endParaRPr>
           </a:p>
         </p:txBody>
       </p:sp>
       <p:sp>
         <p:nvSpPr>
-          <p:cNvPr id="95" name="PlaceHolder 2"/>
+          <p:cNvPr id="103" name="PlaceHolder 2"/>
           <p:cNvSpPr>
             <a:spLocks noGrp="1"/>
           </p:cNvSpPr>
@@ -9754,7 +10559,7 @@
         <p:spPr>
           <a:xfrm>
             <a:off x="609120" y="1416600"/>
-            <a:ext cx="10969560" cy="4525200"/>
+            <a:ext cx="10968840" cy="4524480"/>
           </a:xfrm>
           <a:prstGeom prst="rect">
             <a:avLst/>
@@ -9797,9 +10602,9 @@
             </a:r>
             <a:endParaRPr b="0" lang="en-US" sz="2400" spc="-1" strike="noStrike">
               <a:solidFill>
-                <a:schemeClr val="dk1"/>
+                <a:srgbClr val="000000"/>
               </a:solidFill>
-              <a:latin typeface="Calibri"/>
+              <a:latin typeface="Arial"/>
             </a:endParaRPr>
           </a:p>
           <a:p>
@@ -9817,9 +10622,9 @@
             </a:pPr>
             <a:endParaRPr b="0" lang="en-US" sz="2400" spc="-1" strike="noStrike">
               <a:solidFill>
-                <a:schemeClr val="dk1"/>
+                <a:srgbClr val="000000"/>
               </a:solidFill>
-              <a:latin typeface="Calibri"/>
+              <a:latin typeface="Arial"/>
             </a:endParaRPr>
           </a:p>
           <a:p>
@@ -9851,9 +10656,9 @@
             </a:r>
             <a:endParaRPr b="0" lang="en-US" sz="2400" spc="-1" strike="noStrike">
               <a:solidFill>
-                <a:schemeClr val="dk1"/>
+                <a:srgbClr val="000000"/>
               </a:solidFill>
-              <a:latin typeface="Calibri"/>
+              <a:latin typeface="Arial"/>
             </a:endParaRPr>
           </a:p>
         </p:txBody>
@@ -9871,7 +10676,7 @@
 </p:sld>
 </file>
 
-<file path=ppt/slides/slide25.xml><?xml version="1.0" encoding="utf-8"?>
+<file path=ppt/slides/slide28.xml><?xml version="1.0" encoding="utf-8"?>
 <p:sld xmlns:a="http://schemas.openxmlformats.org/drawingml/2006/main" xmlns:p="http://schemas.openxmlformats.org/presentationml/2006/main" xmlns:r="http://schemas.openxmlformats.org/officeDocument/2006/relationships" xmlns:p14="http://schemas.microsoft.com/office/powerpoint/2010/main" xmlns:p15="http://schemas.microsoft.com/office/powerpoint/2012/main" xmlns:mc="http://schemas.openxmlformats.org/markup-compatibility/2006">
   <p:cSld>
     <p:spTree>
@@ -9890,7 +10695,7 @@
       </p:grpSpPr>
       <p:sp>
         <p:nvSpPr>
-          <p:cNvPr id="96" name="PlaceHolder 1"/>
+          <p:cNvPr id="104" name="PlaceHolder 1"/>
           <p:cNvSpPr>
             <a:spLocks noGrp="1"/>
           </p:cNvSpPr>
@@ -9901,7 +10706,7 @@
         <p:spPr>
           <a:xfrm>
             <a:off x="609120" y="274320"/>
-            <a:ext cx="10969560" cy="1142280"/>
+            <a:ext cx="10968840" cy="1141560"/>
           </a:xfrm>
           <a:prstGeom prst="rect">
             <a:avLst/>
@@ -9936,16 +10741,16 @@
             </a:r>
             <a:endParaRPr b="0" lang="en-US" sz="3300" spc="-1" strike="noStrike">
               <a:solidFill>
-                <a:schemeClr val="dk1"/>
+                <a:srgbClr val="000000"/>
               </a:solidFill>
-              <a:latin typeface="Calibri"/>
+              <a:latin typeface="Arial"/>
             </a:endParaRPr>
           </a:p>
         </p:txBody>
       </p:sp>
       <p:sp>
         <p:nvSpPr>
-          <p:cNvPr id="97" name="PlaceHolder 2"/>
+          <p:cNvPr id="105" name="PlaceHolder 2"/>
           <p:cNvSpPr>
             <a:spLocks noGrp="1"/>
           </p:cNvSpPr>
@@ -9956,7 +10761,7 @@
         <p:spPr>
           <a:xfrm>
             <a:off x="609120" y="1600200"/>
-            <a:ext cx="10969560" cy="4525200"/>
+            <a:ext cx="10968840" cy="4524480"/>
           </a:xfrm>
           <a:prstGeom prst="rect">
             <a:avLst/>
@@ -10014,9 +10819,9 @@
             </a:r>
             <a:endParaRPr b="0" lang="en-US" sz="2800" spc="-1" strike="noStrike">
               <a:solidFill>
-                <a:schemeClr val="dk1"/>
+                <a:srgbClr val="000000"/>
               </a:solidFill>
-              <a:latin typeface="Calibri"/>
+              <a:latin typeface="Arial"/>
             </a:endParaRPr>
           </a:p>
           <a:p>
@@ -10063,9 +10868,9 @@
             </a:r>
             <a:endParaRPr b="0" lang="en-US" sz="2800" spc="-1" strike="noStrike">
               <a:solidFill>
-                <a:schemeClr val="dk1"/>
+                <a:srgbClr val="000000"/>
               </a:solidFill>
-              <a:latin typeface="Calibri"/>
+              <a:latin typeface="Arial"/>
             </a:endParaRPr>
           </a:p>
         </p:txBody>
@@ -10083,7 +10888,7 @@
 </p:sld>
 </file>
 
-<file path=ppt/slides/slide26.xml><?xml version="1.0" encoding="utf-8"?>
+<file path=ppt/slides/slide29.xml><?xml version="1.0" encoding="utf-8"?>
 <p:sld xmlns:a="http://schemas.openxmlformats.org/drawingml/2006/main" xmlns:p="http://schemas.openxmlformats.org/presentationml/2006/main" xmlns:r="http://schemas.openxmlformats.org/officeDocument/2006/relationships" xmlns:p14="http://schemas.microsoft.com/office/powerpoint/2010/main" xmlns:p15="http://schemas.microsoft.com/office/powerpoint/2012/main" xmlns:mc="http://schemas.openxmlformats.org/markup-compatibility/2006">
   <p:cSld>
     <p:spTree>
@@ -10102,7 +10907,7 @@
       </p:grpSpPr>
       <p:sp>
         <p:nvSpPr>
-          <p:cNvPr id="98" name="PlaceHolder 1"/>
+          <p:cNvPr id="106" name="PlaceHolder 1"/>
           <p:cNvSpPr>
             <a:spLocks noGrp="1"/>
           </p:cNvSpPr>
@@ -10113,7 +10918,7 @@
         <p:spPr>
           <a:xfrm>
             <a:off x="538560" y="789480"/>
-            <a:ext cx="10969560" cy="4995720"/>
+            <a:ext cx="10968840" cy="4995000"/>
           </a:xfrm>
           <a:prstGeom prst="rect">
             <a:avLst/>
@@ -10129,7 +10934,13 @@
           </a:bodyPr>
           <a:p>
             <a:pPr indent="0">
+              <a:lnSpc>
+                <a:spcPct val="100000"/>
+              </a:lnSpc>
               <a:buNone/>
+              <a:tabLst>
+                <a:tab algn="l" pos="0"/>
+              </a:tabLst>
             </a:pPr>
             <a:r>
               <a:rPr b="0" lang="en-US" sz="6000" spc="-1" strike="noStrike">
@@ -10142,9 +10953,9 @@
             </a:r>
             <a:endParaRPr b="0" lang="en-US" sz="6000" spc="-1" strike="noStrike">
               <a:solidFill>
-                <a:schemeClr val="dk1"/>
+                <a:srgbClr val="000000"/>
               </a:solidFill>
-              <a:latin typeface="Calibri"/>
+              <a:latin typeface="Arial"/>
             </a:endParaRPr>
           </a:p>
         </p:txBody>
@@ -10181,7 +10992,7 @@
       </p:grpSpPr>
       <p:sp>
         <p:nvSpPr>
-          <p:cNvPr id="45" name="PlaceHolder 1"/>
+          <p:cNvPr id="47" name="PlaceHolder 1"/>
           <p:cNvSpPr>
             <a:spLocks noGrp="1"/>
           </p:cNvSpPr>
@@ -10192,7 +11003,7 @@
         <p:spPr>
           <a:xfrm>
             <a:off x="609120" y="274320"/>
-            <a:ext cx="10969560" cy="1142280"/>
+            <a:ext cx="10968840" cy="1141560"/>
           </a:xfrm>
           <a:prstGeom prst="rect">
             <a:avLst/>
@@ -10223,56 +11034,20 @@
                 </a:solidFill>
                 <a:latin typeface="Calibri"/>
               </a:rPr>
-              <a:t>Proce</a:t>
-            </a:r>
-            <a:r>
-              <a:rPr b="0" lang="en-US" sz="4400" spc="-1" strike="noStrike">
-                <a:solidFill>
-                  <a:schemeClr val="dk1"/>
-                </a:solidFill>
-                <a:latin typeface="Calibri"/>
-              </a:rPr>
-              <a:t>ss for </a:t>
-            </a:r>
-            <a:r>
-              <a:rPr b="0" lang="en-US" sz="4400" spc="-1" strike="noStrike">
-                <a:solidFill>
-                  <a:schemeClr val="dk1"/>
-                </a:solidFill>
-                <a:latin typeface="Calibri"/>
-              </a:rPr>
-              <a:t>comp</a:t>
-            </a:r>
-            <a:r>
-              <a:rPr b="0" lang="en-US" sz="4400" spc="-1" strike="noStrike">
-                <a:solidFill>
-                  <a:schemeClr val="dk1"/>
-                </a:solidFill>
-                <a:latin typeface="Calibri"/>
-              </a:rPr>
-              <a:t>ariso</a:t>
-            </a:r>
-            <a:r>
-              <a:rPr b="0" lang="en-US" sz="4400" spc="-1" strike="noStrike">
-                <a:solidFill>
-                  <a:schemeClr val="dk1"/>
-                </a:solidFill>
-                <a:latin typeface="Calibri"/>
-              </a:rPr>
-              <a:t>n</a:t>
+              <a:t>Process for comparison</a:t>
             </a:r>
             <a:endParaRPr b="0" lang="en-US" sz="4400" spc="-1" strike="noStrike">
               <a:solidFill>
-                <a:schemeClr val="dk1"/>
+                <a:srgbClr val="000000"/>
               </a:solidFill>
-              <a:latin typeface="Calibri"/>
+              <a:latin typeface="Arial"/>
             </a:endParaRPr>
           </a:p>
         </p:txBody>
       </p:sp>
       <p:sp>
         <p:nvSpPr>
-          <p:cNvPr id="46" name="PlaceHolder 2"/>
+          <p:cNvPr id="48" name="PlaceHolder 2"/>
           <p:cNvSpPr>
             <a:spLocks noGrp="1"/>
           </p:cNvSpPr>
@@ -10283,7 +11058,7 @@
         <p:spPr>
           <a:xfrm>
             <a:off x="609120" y="1600200"/>
-            <a:ext cx="10969560" cy="4525200"/>
+            <a:ext cx="10968840" cy="4524480"/>
           </a:xfrm>
           <a:prstGeom prst="rect">
             <a:avLst/>
@@ -10341,9 +11116,9 @@
             </a:r>
             <a:endParaRPr b="0" lang="en-US" sz="3000" spc="-1" strike="noStrike">
               <a:solidFill>
-                <a:schemeClr val="dk1"/>
+                <a:srgbClr val="000000"/>
               </a:solidFill>
-              <a:latin typeface="Calibri"/>
+              <a:latin typeface="Arial"/>
             </a:endParaRPr>
           </a:p>
         </p:txBody>
@@ -10380,7 +11155,7 @@
       </p:grpSpPr>
       <p:sp>
         <p:nvSpPr>
-          <p:cNvPr id="47" name="PlaceHolder 1"/>
+          <p:cNvPr id="49" name="PlaceHolder 1"/>
           <p:cNvSpPr>
             <a:spLocks noGrp="1"/>
           </p:cNvSpPr>
@@ -10391,7 +11166,7 @@
         <p:spPr>
           <a:xfrm>
             <a:off x="609120" y="71280"/>
-            <a:ext cx="10969560" cy="1142280"/>
+            <a:ext cx="10968840" cy="1141560"/>
           </a:xfrm>
           <a:prstGeom prst="rect">
             <a:avLst/>
@@ -10422,38 +11197,20 @@
                 </a:solidFill>
                 <a:latin typeface="Calibri"/>
               </a:rPr>
-              <a:t>Impacts </a:t>
-            </a:r>
-            <a:r>
-              <a:rPr b="0" lang="en-US" sz="3300" spc="-1" strike="noStrike">
-                <a:solidFill>
-                  <a:schemeClr val="dk1"/>
-                </a:solidFill>
-                <a:latin typeface="Calibri"/>
-              </a:rPr>
-              <a:t>assesse</a:t>
-            </a:r>
-            <a:r>
-              <a:rPr b="0" lang="en-US" sz="3300" spc="-1" strike="noStrike">
-                <a:solidFill>
-                  <a:schemeClr val="dk1"/>
-                </a:solidFill>
-                <a:latin typeface="Calibri"/>
-              </a:rPr>
-              <a:t>d</a:t>
+              <a:t>Impacts assessed</a:t>
             </a:r>
             <a:endParaRPr b="0" lang="en-US" sz="3300" spc="-1" strike="noStrike">
               <a:solidFill>
-                <a:schemeClr val="dk1"/>
+                <a:srgbClr val="000000"/>
               </a:solidFill>
-              <a:latin typeface="Calibri"/>
+              <a:latin typeface="Arial"/>
             </a:endParaRPr>
           </a:p>
         </p:txBody>
       </p:sp>
       <p:sp>
         <p:nvSpPr>
-          <p:cNvPr id="48" name="PlaceHolder 2"/>
+          <p:cNvPr id="50" name="PlaceHolder 2"/>
           <p:cNvSpPr>
             <a:spLocks noGrp="1"/>
           </p:cNvSpPr>
@@ -10464,7 +11221,7 @@
         <p:spPr>
           <a:xfrm>
             <a:off x="609120" y="1155240"/>
-            <a:ext cx="10969560" cy="4525200"/>
+            <a:ext cx="10968840" cy="4524480"/>
           </a:xfrm>
           <a:prstGeom prst="rect">
             <a:avLst/>
@@ -10502,9 +11259,9 @@
             </a:r>
             <a:endParaRPr b="0" lang="en-US" sz="2800" spc="-1" strike="noStrike">
               <a:solidFill>
-                <a:schemeClr val="dk1"/>
+                <a:srgbClr val="000000"/>
               </a:solidFill>
-              <a:latin typeface="Calibri"/>
+              <a:latin typeface="Arial"/>
             </a:endParaRPr>
           </a:p>
           <a:p>
@@ -10531,9 +11288,9 @@
             </a:r>
             <a:endParaRPr b="0" lang="en-US" sz="2800" spc="-1" strike="noStrike">
               <a:solidFill>
-                <a:schemeClr val="dk1"/>
+                <a:srgbClr val="000000"/>
               </a:solidFill>
-              <a:latin typeface="Calibri"/>
+              <a:latin typeface="Arial"/>
             </a:endParaRPr>
           </a:p>
         </p:txBody>
@@ -10570,7 +11327,7 @@
       </p:grpSpPr>
       <p:sp>
         <p:nvSpPr>
-          <p:cNvPr id="49" name="PlaceHolder 1"/>
+          <p:cNvPr id="51" name="PlaceHolder 1"/>
           <p:cNvSpPr>
             <a:spLocks noGrp="1"/>
           </p:cNvSpPr>
@@ -10581,7 +11338,7 @@
         <p:spPr>
           <a:xfrm>
             <a:off x="609120" y="272880"/>
-            <a:ext cx="4009320" cy="1161720"/>
+            <a:ext cx="4008600" cy="1161000"/>
           </a:xfrm>
           <a:prstGeom prst="rect">
             <a:avLst/>
@@ -10597,7 +11354,13 @@
           </a:bodyPr>
           <a:p>
             <a:pPr indent="0">
+              <a:lnSpc>
+                <a:spcPct val="100000"/>
+              </a:lnSpc>
               <a:buNone/>
+              <a:tabLst>
+                <a:tab algn="l" pos="0"/>
+              </a:tabLst>
             </a:pPr>
             <a:r>
               <a:rPr b="0" lang="en-US" sz="3000" spc="-1" strike="noStrike">
@@ -10606,56 +11369,20 @@
                 </a:solidFill>
                 <a:latin typeface="Calibri"/>
               </a:rPr>
-              <a:t>System </a:t>
-            </a:r>
-            <a:r>
-              <a:rPr b="0" lang="en-US" sz="3000" spc="-1" strike="noStrike">
-                <a:solidFill>
-                  <a:schemeClr val="dk1"/>
-                </a:solidFill>
-                <a:latin typeface="Calibri"/>
-              </a:rPr>
-              <a:t>Boundar</a:t>
-            </a:r>
-            <a:r>
-              <a:rPr b="0" lang="en-US" sz="3000" spc="-1" strike="noStrike">
-                <a:solidFill>
-                  <a:schemeClr val="dk1"/>
-                </a:solidFill>
-                <a:latin typeface="Calibri"/>
-              </a:rPr>
-              <a:t>ies and </a:t>
-            </a:r>
-            <a:r>
-              <a:rPr b="0" lang="en-US" sz="3000" spc="-1" strike="noStrike">
-                <a:solidFill>
-                  <a:schemeClr val="dk1"/>
-                </a:solidFill>
-                <a:latin typeface="Calibri"/>
-              </a:rPr>
-              <a:t>Function</a:t>
-            </a:r>
-            <a:r>
-              <a:rPr b="0" lang="en-US" sz="3000" spc="-1" strike="noStrike">
-                <a:solidFill>
-                  <a:schemeClr val="dk1"/>
-                </a:solidFill>
-                <a:latin typeface="Calibri"/>
-              </a:rPr>
-              <a:t>al Unit</a:t>
+              <a:t>System Boundaries and Functional Unit</a:t>
             </a:r>
             <a:endParaRPr b="0" lang="en-US" sz="3000" spc="-1" strike="noStrike">
               <a:solidFill>
-                <a:schemeClr val="dk1"/>
+                <a:srgbClr val="000000"/>
               </a:solidFill>
-              <a:latin typeface="Calibri"/>
+              <a:latin typeface="Arial"/>
             </a:endParaRPr>
           </a:p>
         </p:txBody>
       </p:sp>
       <p:sp>
         <p:nvSpPr>
-          <p:cNvPr id="50" name="PlaceHolder 2"/>
+          <p:cNvPr id="52" name="PlaceHolder 2"/>
           <p:cNvSpPr>
             <a:spLocks noGrp="1"/>
           </p:cNvSpPr>
@@ -10666,7 +11393,7 @@
         <p:spPr>
           <a:xfrm>
             <a:off x="609120" y="1434960"/>
-            <a:ext cx="4009320" cy="4690440"/>
+            <a:ext cx="4008600" cy="4689720"/>
           </a:xfrm>
           <a:prstGeom prst="rect">
             <a:avLst/>
@@ -10695,9 +11422,9 @@
             </a:pPr>
             <a:endParaRPr b="0" lang="en-US" sz="1050" spc="-1" strike="noStrike">
               <a:solidFill>
-                <a:schemeClr val="dk1"/>
+                <a:srgbClr val="000000"/>
               </a:solidFill>
-              <a:latin typeface="Calibri"/>
+              <a:latin typeface="Arial"/>
             </a:endParaRPr>
           </a:p>
           <a:p>
@@ -10724,16 +11451,16 @@
             </a:r>
             <a:endParaRPr b="0" lang="en-US" sz="2400" spc="-1" strike="noStrike">
               <a:solidFill>
-                <a:schemeClr val="dk1"/>
+                <a:srgbClr val="000000"/>
               </a:solidFill>
-              <a:latin typeface="Calibri"/>
+              <a:latin typeface="Arial"/>
             </a:endParaRPr>
           </a:p>
         </p:txBody>
       </p:sp>
       <p:pic>
         <p:nvPicPr>
-          <p:cNvPr id="51" name="Picture 1" descr="./lca_flowsheet.png"/>
+          <p:cNvPr id="53" name="Picture 1" descr="./lca_flowsheet.png"/>
           <p:cNvPicPr/>
           <p:nvPr/>
         </p:nvPicPr>
@@ -10744,7 +11471,7 @@
         <p:spPr>
           <a:xfrm>
             <a:off x="6161760" y="270360"/>
-            <a:ext cx="3994920" cy="5841360"/>
+            <a:ext cx="3994200" cy="5840640"/>
           </a:xfrm>
           <a:prstGeom prst="rect">
             <a:avLst/>
@@ -10793,7 +11520,7 @@
       </p:grpSpPr>
       <p:sp>
         <p:nvSpPr>
-          <p:cNvPr id="52" name="PlaceHolder 1"/>
+          <p:cNvPr id="54" name="PlaceHolder 1"/>
           <p:cNvSpPr>
             <a:spLocks noGrp="1"/>
           </p:cNvSpPr>
@@ -10804,7 +11531,7 @@
         <p:spPr>
           <a:xfrm>
             <a:off x="609120" y="0"/>
-            <a:ext cx="10969560" cy="1142280"/>
+            <a:ext cx="10968840" cy="1141560"/>
           </a:xfrm>
           <a:prstGeom prst="rect">
             <a:avLst/>
@@ -10835,53 +11562,26 @@
                 </a:solidFill>
                 <a:latin typeface="Calibri"/>
               </a:rPr>
-              <a:t>Life </a:t>
-            </a:r>
-            <a:r>
-              <a:rPr b="0" lang="en-US" sz="3300" spc="-1" strike="noStrike">
-                <a:solidFill>
-                  <a:schemeClr val="dk1"/>
-                </a:solidFill>
-                <a:latin typeface="Calibri"/>
-              </a:rPr>
-              <a:t>Cycle </a:t>
-            </a:r>
-            <a:r>
-              <a:rPr b="0" lang="en-US" sz="3300" spc="-1" strike="noStrike">
-                <a:solidFill>
-                  <a:schemeClr val="dk1"/>
-                </a:solidFill>
-                <a:latin typeface="Calibri"/>
-              </a:rPr>
-              <a:t>Invento</a:t>
-            </a:r>
-            <a:r>
-              <a:rPr b="0" lang="en-US" sz="3300" spc="-1" strike="noStrike">
-                <a:solidFill>
-                  <a:schemeClr val="dk1"/>
-                </a:solidFill>
-                <a:latin typeface="Calibri"/>
-              </a:rPr>
-              <a:t>ry</a:t>
+              <a:t>Life Cycle Inventory</a:t>
             </a:r>
             <a:endParaRPr b="0" lang="en-US" sz="3300" spc="-1" strike="noStrike">
               <a:solidFill>
-                <a:schemeClr val="dk1"/>
+                <a:srgbClr val="000000"/>
               </a:solidFill>
-              <a:latin typeface="Calibri"/>
+              <a:latin typeface="Arial"/>
             </a:endParaRPr>
           </a:p>
         </p:txBody>
       </p:sp>
       <p:graphicFrame>
         <p:nvGraphicFramePr>
-          <p:cNvPr id="53" name="Table 3"/>
+          <p:cNvPr id="55" name="Table 3"/>
           <p:cNvGraphicFramePr/>
           <p:nvPr/>
         </p:nvGraphicFramePr>
         <p:xfrm>
           <a:off x="293400" y="1278000"/>
-          <a:ext cx="6251760" cy="5014800"/>
+          <a:ext cx="6251400" cy="5015160"/>
         </p:xfrm>
         <a:graphic>
           <a:graphicData uri="http://schemas.openxmlformats.org/drawingml/2006/table">
@@ -10921,7 +11621,7 @@
                         <a:solidFill>
                           <a:srgbClr val="000000"/>
                         </a:solidFill>
-                        <a:latin typeface="Times New Roman"/>
+                        <a:latin typeface="Arial"/>
                       </a:endParaRPr>
                     </a:p>
                   </a:txBody>
@@ -10982,7 +11682,7 @@
                         <a:solidFill>
                           <a:srgbClr val="000000"/>
                         </a:solidFill>
-                        <a:latin typeface="Times New Roman"/>
+                        <a:latin typeface="Arial"/>
                       </a:endParaRPr>
                     </a:p>
                   </a:txBody>
@@ -11043,7 +11743,7 @@
                         <a:solidFill>
                           <a:srgbClr val="000000"/>
                         </a:solidFill>
-                        <a:latin typeface="Times New Roman"/>
+                        <a:latin typeface="Arial"/>
                       </a:endParaRPr>
                     </a:p>
                   </a:txBody>
@@ -11104,7 +11804,7 @@
                         <a:solidFill>
                           <a:srgbClr val="000000"/>
                         </a:solidFill>
-                        <a:latin typeface="Times New Roman"/>
+                        <a:latin typeface="Arial"/>
                       </a:endParaRPr>
                     </a:p>
                   </a:txBody>
@@ -11167,7 +11867,7 @@
                         <a:solidFill>
                           <a:srgbClr val="000000"/>
                         </a:solidFill>
-                        <a:latin typeface="Times New Roman"/>
+                        <a:latin typeface="Arial"/>
                       </a:endParaRPr>
                     </a:p>
                     <a:p>
@@ -11192,7 +11892,7 @@
                         <a:solidFill>
                           <a:srgbClr val="000000"/>
                         </a:solidFill>
-                        <a:latin typeface="Times New Roman"/>
+                        <a:latin typeface="Arial"/>
                       </a:endParaRPr>
                     </a:p>
                     <a:p>
@@ -11217,7 +11917,7 @@
                         <a:solidFill>
                           <a:srgbClr val="000000"/>
                         </a:solidFill>
-                        <a:latin typeface="Times New Roman"/>
+                        <a:latin typeface="Arial"/>
                       </a:endParaRPr>
                     </a:p>
                     <a:p>
@@ -11242,7 +11942,7 @@
                         <a:solidFill>
                           <a:srgbClr val="000000"/>
                         </a:solidFill>
-                        <a:latin typeface="Times New Roman"/>
+                        <a:latin typeface="Arial"/>
                       </a:endParaRPr>
                     </a:p>
                   </a:txBody>
@@ -11303,7 +12003,7 @@
                         <a:solidFill>
                           <a:srgbClr val="000000"/>
                         </a:solidFill>
-                        <a:latin typeface="Times New Roman"/>
+                        <a:latin typeface="Arial"/>
                       </a:endParaRPr>
                     </a:p>
                   </a:txBody>
@@ -11366,7 +12066,7 @@
                         <a:solidFill>
                           <a:srgbClr val="000000"/>
                         </a:solidFill>
-                        <a:latin typeface="Times New Roman"/>
+                        <a:latin typeface="Arial"/>
                       </a:endParaRPr>
                     </a:p>
                   </a:txBody>
@@ -11429,7 +12129,7 @@
                         <a:solidFill>
                           <a:srgbClr val="000000"/>
                         </a:solidFill>
-                        <a:latin typeface="Times New Roman"/>
+                        <a:latin typeface="Arial"/>
                       </a:endParaRPr>
                     </a:p>
                   </a:txBody>
@@ -11526,7 +12226,7 @@
                         <a:solidFill>
                           <a:srgbClr val="000000"/>
                         </a:solidFill>
-                        <a:latin typeface="Times New Roman"/>
+                        <a:latin typeface="Arial"/>
                       </a:endParaRPr>
                     </a:p>
                   </a:txBody>
@@ -11589,7 +12289,7 @@
                         <a:solidFill>
                           <a:srgbClr val="000000"/>
                         </a:solidFill>
-                        <a:latin typeface="Times New Roman"/>
+                        <a:latin typeface="Arial"/>
                       </a:endParaRPr>
                     </a:p>
                   </a:txBody>
@@ -11652,7 +12352,7 @@
                         <a:solidFill>
                           <a:srgbClr val="000000"/>
                         </a:solidFill>
-                        <a:latin typeface="Times New Roman"/>
+                        <a:latin typeface="Arial"/>
                       </a:endParaRPr>
                     </a:p>
                   </a:txBody>
@@ -11749,7 +12449,7 @@
                         <a:solidFill>
                           <a:srgbClr val="000000"/>
                         </a:solidFill>
-                        <a:latin typeface="Times New Roman"/>
+                        <a:latin typeface="Arial"/>
                       </a:endParaRPr>
                     </a:p>
                   </a:txBody>
@@ -11812,7 +12512,7 @@
                         <a:solidFill>
                           <a:srgbClr val="000000"/>
                         </a:solidFill>
-                        <a:latin typeface="Times New Roman"/>
+                        <a:latin typeface="Arial"/>
                       </a:endParaRPr>
                     </a:p>
                   </a:txBody>
@@ -11875,7 +12575,7 @@
                         <a:solidFill>
                           <a:srgbClr val="000000"/>
                         </a:solidFill>
-                        <a:latin typeface="Times New Roman"/>
+                        <a:latin typeface="Arial"/>
                       </a:endParaRPr>
                     </a:p>
                   </a:txBody>
@@ -11972,7 +12672,7 @@
                         <a:solidFill>
                           <a:srgbClr val="000000"/>
                         </a:solidFill>
-                        <a:latin typeface="Times New Roman"/>
+                        <a:latin typeface="Arial"/>
                       </a:endParaRPr>
                     </a:p>
                   </a:txBody>
@@ -12035,7 +12735,7 @@
                         <a:solidFill>
                           <a:srgbClr val="000000"/>
                         </a:solidFill>
-                        <a:latin typeface="Times New Roman"/>
+                        <a:latin typeface="Arial"/>
                       </a:endParaRPr>
                     </a:p>
                   </a:txBody>
@@ -12098,7 +12798,7 @@
                         <a:solidFill>
                           <a:srgbClr val="000000"/>
                         </a:solidFill>
-                        <a:latin typeface="Times New Roman"/>
+                        <a:latin typeface="Arial"/>
                       </a:endParaRPr>
                     </a:p>
                   </a:txBody>
@@ -12213,7 +12913,7 @@
                         <a:solidFill>
                           <a:srgbClr val="000000"/>
                         </a:solidFill>
-                        <a:latin typeface="Times New Roman"/>
+                        <a:latin typeface="Arial"/>
                       </a:endParaRPr>
                     </a:p>
                   </a:txBody>
@@ -12276,7 +12976,7 @@
                         <a:solidFill>
                           <a:srgbClr val="000000"/>
                         </a:solidFill>
-                        <a:latin typeface="Times New Roman"/>
+                        <a:latin typeface="Arial"/>
                       </a:endParaRPr>
                     </a:p>
                   </a:txBody>
@@ -12339,7 +13039,7 @@
                         <a:solidFill>
                           <a:srgbClr val="000000"/>
                         </a:solidFill>
-                        <a:latin typeface="Times New Roman"/>
+                        <a:latin typeface="Arial"/>
                       </a:endParaRPr>
                     </a:p>
                   </a:txBody>
@@ -12436,7 +13136,7 @@
                         <a:solidFill>
                           <a:srgbClr val="000000"/>
                         </a:solidFill>
-                        <a:latin typeface="Times New Roman"/>
+                        <a:latin typeface="Arial"/>
                       </a:endParaRPr>
                     </a:p>
                   </a:txBody>
@@ -12499,7 +13199,7 @@
                         <a:solidFill>
                           <a:srgbClr val="000000"/>
                         </a:solidFill>
-                        <a:latin typeface="Times New Roman"/>
+                        <a:latin typeface="Arial"/>
                       </a:endParaRPr>
                     </a:p>
                   </a:txBody>
@@ -12562,7 +13262,7 @@
                         <a:solidFill>
                           <a:srgbClr val="000000"/>
                         </a:solidFill>
-                        <a:latin typeface="Times New Roman"/>
+                        <a:latin typeface="Arial"/>
                       </a:endParaRPr>
                     </a:p>
                   </a:txBody>
@@ -12668,7 +13368,7 @@
                         <a:solidFill>
                           <a:srgbClr val="000000"/>
                         </a:solidFill>
-                        <a:latin typeface="Times New Roman"/>
+                        <a:latin typeface="Arial"/>
                       </a:endParaRPr>
                     </a:p>
                   </a:txBody>
@@ -12731,7 +13431,7 @@
                         <a:solidFill>
                           <a:srgbClr val="000000"/>
                         </a:solidFill>
-                        <a:latin typeface="Times New Roman"/>
+                        <a:latin typeface="Arial"/>
                       </a:endParaRPr>
                     </a:p>
                   </a:txBody>
@@ -12794,7 +13494,7 @@
                         <a:solidFill>
                           <a:srgbClr val="000000"/>
                         </a:solidFill>
-                        <a:latin typeface="Times New Roman"/>
+                        <a:latin typeface="Arial"/>
                       </a:endParaRPr>
                     </a:p>
                   </a:txBody>
@@ -12900,7 +13600,7 @@
                         <a:solidFill>
                           <a:srgbClr val="000000"/>
                         </a:solidFill>
-                        <a:latin typeface="Times New Roman"/>
+                        <a:latin typeface="Arial"/>
                       </a:endParaRPr>
                     </a:p>
                   </a:txBody>
@@ -12963,7 +13663,7 @@
                         <a:solidFill>
                           <a:srgbClr val="000000"/>
                         </a:solidFill>
-                        <a:latin typeface="Times New Roman"/>
+                        <a:latin typeface="Arial"/>
                       </a:endParaRPr>
                     </a:p>
                   </a:txBody>
@@ -13026,7 +13726,7 @@
                         <a:solidFill>
                           <a:srgbClr val="000000"/>
                         </a:solidFill>
-                        <a:latin typeface="Times New Roman"/>
+                        <a:latin typeface="Arial"/>
                       </a:endParaRPr>
                     </a:p>
                   </a:txBody>
@@ -13091,7 +13791,7 @@
                         <a:solidFill>
                           <a:srgbClr val="000000"/>
                         </a:solidFill>
-                        <a:latin typeface="Times New Roman"/>
+                        <a:latin typeface="Arial"/>
                       </a:endParaRPr>
                     </a:p>
                   </a:txBody>
@@ -13152,7 +13852,7 @@
                         <a:solidFill>
                           <a:srgbClr val="000000"/>
                         </a:solidFill>
-                        <a:latin typeface="Times New Roman"/>
+                        <a:latin typeface="Arial"/>
                       </a:endParaRPr>
                     </a:p>
                   </a:txBody>
@@ -13215,7 +13915,7 @@
                         <a:solidFill>
                           <a:srgbClr val="000000"/>
                         </a:solidFill>
-                        <a:latin typeface="Times New Roman"/>
+                        <a:latin typeface="Arial"/>
                       </a:endParaRPr>
                     </a:p>
                   </a:txBody>
@@ -13278,7 +13978,7 @@
                         <a:solidFill>
                           <a:srgbClr val="000000"/>
                         </a:solidFill>
-                        <a:latin typeface="Times New Roman"/>
+                        <a:latin typeface="Arial"/>
                       </a:endParaRPr>
                     </a:p>
                   </a:txBody>
@@ -13375,7 +14075,7 @@
                         <a:solidFill>
                           <a:srgbClr val="000000"/>
                         </a:solidFill>
-                        <a:latin typeface="Times New Roman"/>
+                        <a:latin typeface="Arial"/>
                       </a:endParaRPr>
                     </a:p>
                   </a:txBody>
@@ -13438,7 +14138,7 @@
                         <a:solidFill>
                           <a:srgbClr val="000000"/>
                         </a:solidFill>
-                        <a:latin typeface="Times New Roman"/>
+                        <a:latin typeface="Arial"/>
                       </a:endParaRPr>
                     </a:p>
                   </a:txBody>
@@ -13501,7 +14201,7 @@
                         <a:solidFill>
                           <a:srgbClr val="000000"/>
                         </a:solidFill>
-                        <a:latin typeface="Times New Roman"/>
+                        <a:latin typeface="Arial"/>
                       </a:endParaRPr>
                     </a:p>
                   </a:txBody>
@@ -13616,7 +14316,7 @@
                         <a:solidFill>
                           <a:srgbClr val="000000"/>
                         </a:solidFill>
-                        <a:latin typeface="Times New Roman"/>
+                        <a:latin typeface="Arial"/>
                       </a:endParaRPr>
                     </a:p>
                   </a:txBody>
@@ -13679,7 +14379,7 @@
                         <a:solidFill>
                           <a:srgbClr val="000000"/>
                         </a:solidFill>
-                        <a:latin typeface="Times New Roman"/>
+                        <a:latin typeface="Arial"/>
                       </a:endParaRPr>
                     </a:p>
                   </a:txBody>
@@ -13742,7 +14442,7 @@
                         <a:solidFill>
                           <a:srgbClr val="000000"/>
                         </a:solidFill>
-                        <a:latin typeface="Times New Roman"/>
+                        <a:latin typeface="Arial"/>
                       </a:endParaRPr>
                     </a:p>
                   </a:txBody>
@@ -13807,7 +14507,7 @@
                         <a:solidFill>
                           <a:srgbClr val="000000"/>
                         </a:solidFill>
-                        <a:latin typeface="Times New Roman"/>
+                        <a:latin typeface="Arial"/>
                       </a:endParaRPr>
                     </a:p>
                   </a:txBody>
@@ -13868,7 +14568,7 @@
                         <a:solidFill>
                           <a:srgbClr val="000000"/>
                         </a:solidFill>
-                        <a:latin typeface="Times New Roman"/>
+                        <a:latin typeface="Arial"/>
                       </a:endParaRPr>
                     </a:p>
                   </a:txBody>
@@ -13931,7 +14631,7 @@
                         <a:solidFill>
                           <a:srgbClr val="000000"/>
                         </a:solidFill>
-                        <a:latin typeface="Times New Roman"/>
+                        <a:latin typeface="Arial"/>
                       </a:endParaRPr>
                     </a:p>
                   </a:txBody>
@@ -13994,7 +14694,7 @@
                         <a:solidFill>
                           <a:srgbClr val="000000"/>
                         </a:solidFill>
-                        <a:latin typeface="Times New Roman"/>
+                        <a:latin typeface="Arial"/>
                       </a:endParaRPr>
                     </a:p>
                   </a:txBody>
@@ -14091,7 +14791,7 @@
                         <a:solidFill>
                           <a:srgbClr val="000000"/>
                         </a:solidFill>
-                        <a:latin typeface="Times New Roman"/>
+                        <a:latin typeface="Arial"/>
                       </a:endParaRPr>
                     </a:p>
                   </a:txBody>
@@ -14154,7 +14854,7 @@
                         <a:solidFill>
                           <a:srgbClr val="000000"/>
                         </a:solidFill>
-                        <a:latin typeface="Times New Roman"/>
+                        <a:latin typeface="Arial"/>
                       </a:endParaRPr>
                     </a:p>
                   </a:txBody>
@@ -14217,7 +14917,7 @@
                         <a:solidFill>
                           <a:srgbClr val="000000"/>
                         </a:solidFill>
-                        <a:latin typeface="Times New Roman"/>
+                        <a:latin typeface="Arial"/>
                       </a:endParaRPr>
                     </a:p>
                   </a:txBody>
@@ -14314,7 +15014,7 @@
                         <a:solidFill>
                           <a:srgbClr val="000000"/>
                         </a:solidFill>
-                        <a:latin typeface="Times New Roman"/>
+                        <a:latin typeface="Arial"/>
                       </a:endParaRPr>
                     </a:p>
                   </a:txBody>
@@ -14377,7 +15077,7 @@
                         <a:solidFill>
                           <a:srgbClr val="000000"/>
                         </a:solidFill>
-                        <a:latin typeface="Times New Roman"/>
+                        <a:latin typeface="Arial"/>
                       </a:endParaRPr>
                     </a:p>
                   </a:txBody>
@@ -14440,7 +15140,7 @@
                         <a:solidFill>
                           <a:srgbClr val="000000"/>
                         </a:solidFill>
-                        <a:latin typeface="Times New Roman"/>
+                        <a:latin typeface="Arial"/>
                       </a:endParaRPr>
                     </a:p>
                   </a:txBody>
@@ -14505,7 +15205,7 @@
                         <a:solidFill>
                           <a:srgbClr val="000000"/>
                         </a:solidFill>
-                        <a:latin typeface="Times New Roman"/>
+                        <a:latin typeface="Arial"/>
                       </a:endParaRPr>
                     </a:p>
                     <a:p>
@@ -14530,7 +15230,7 @@
                         <a:solidFill>
                           <a:srgbClr val="000000"/>
                         </a:solidFill>
-                        <a:latin typeface="Times New Roman"/>
+                        <a:latin typeface="Arial"/>
                       </a:endParaRPr>
                     </a:p>
                   </a:txBody>
@@ -14591,7 +15291,7 @@
                         <a:solidFill>
                           <a:srgbClr val="000000"/>
                         </a:solidFill>
-                        <a:latin typeface="Times New Roman"/>
+                        <a:latin typeface="Arial"/>
                       </a:endParaRPr>
                     </a:p>
                   </a:txBody>
@@ -14654,7 +15354,7 @@
                         <a:solidFill>
                           <a:srgbClr val="000000"/>
                         </a:solidFill>
-                        <a:latin typeface="Times New Roman"/>
+                        <a:latin typeface="Arial"/>
                       </a:endParaRPr>
                     </a:p>
                   </a:txBody>
@@ -14717,7 +15417,7 @@
                         <a:solidFill>
                           <a:srgbClr val="000000"/>
                         </a:solidFill>
-                        <a:latin typeface="Times New Roman"/>
+                        <a:latin typeface="Arial"/>
                       </a:endParaRPr>
                     </a:p>
                   </a:txBody>
@@ -14814,7 +15514,7 @@
                         <a:solidFill>
                           <a:srgbClr val="000000"/>
                         </a:solidFill>
-                        <a:latin typeface="Times New Roman"/>
+                        <a:latin typeface="Arial"/>
                       </a:endParaRPr>
                     </a:p>
                   </a:txBody>
@@ -14877,7 +15577,7 @@
                         <a:solidFill>
                           <a:srgbClr val="000000"/>
                         </a:solidFill>
-                        <a:latin typeface="Times New Roman"/>
+                        <a:latin typeface="Arial"/>
                       </a:endParaRPr>
                     </a:p>
                   </a:txBody>
@@ -14940,7 +15640,7 @@
                         <a:solidFill>
                           <a:srgbClr val="000000"/>
                         </a:solidFill>
-                        <a:latin typeface="Times New Roman"/>
+                        <a:latin typeface="Arial"/>
                       </a:endParaRPr>
                     </a:p>
                   </a:txBody>
@@ -15037,7 +15737,7 @@
                         <a:solidFill>
                           <a:srgbClr val="000000"/>
                         </a:solidFill>
-                        <a:latin typeface="Times New Roman"/>
+                        <a:latin typeface="Arial"/>
                       </a:endParaRPr>
                     </a:p>
                   </a:txBody>
@@ -15100,7 +15800,7 @@
                         <a:solidFill>
                           <a:srgbClr val="000000"/>
                         </a:solidFill>
-                        <a:latin typeface="Times New Roman"/>
+                        <a:latin typeface="Arial"/>
                       </a:endParaRPr>
                     </a:p>
                   </a:txBody>
@@ -15163,7 +15863,7 @@
                         <a:solidFill>
                           <a:srgbClr val="000000"/>
                         </a:solidFill>
-                        <a:latin typeface="Times New Roman"/>
+                        <a:latin typeface="Arial"/>
                       </a:endParaRPr>
                     </a:p>
                   </a:txBody>
@@ -15206,13 +15906,13 @@
       </p:graphicFrame>
       <p:graphicFrame>
         <p:nvGraphicFramePr>
-          <p:cNvPr id="54" name="Table 1"/>
+          <p:cNvPr id="56" name="Table 1"/>
           <p:cNvGraphicFramePr/>
           <p:nvPr/>
         </p:nvGraphicFramePr>
         <p:xfrm>
           <a:off x="6810480" y="2354400"/>
-          <a:ext cx="4871520" cy="3122640"/>
+          <a:ext cx="4871160" cy="3123000"/>
         </p:xfrm>
         <a:graphic>
           <a:graphicData uri="http://schemas.openxmlformats.org/drawingml/2006/table">
@@ -15252,7 +15952,7 @@
                         <a:solidFill>
                           <a:srgbClr val="000000"/>
                         </a:solidFill>
-                        <a:latin typeface="Times New Roman"/>
+                        <a:latin typeface="Arial"/>
                       </a:endParaRPr>
                     </a:p>
                     <a:p>
@@ -15277,7 +15977,7 @@
                         <a:solidFill>
                           <a:srgbClr val="000000"/>
                         </a:solidFill>
-                        <a:latin typeface="Times New Roman"/>
+                        <a:latin typeface="Arial"/>
                       </a:endParaRPr>
                     </a:p>
                   </a:txBody>
@@ -15338,7 +16038,7 @@
                         <a:solidFill>
                           <a:srgbClr val="000000"/>
                         </a:solidFill>
-                        <a:latin typeface="Times New Roman"/>
+                        <a:latin typeface="Arial"/>
                       </a:endParaRPr>
                     </a:p>
                   </a:txBody>
@@ -15401,7 +16101,7 @@
                         <a:solidFill>
                           <a:srgbClr val="000000"/>
                         </a:solidFill>
-                        <a:latin typeface="Times New Roman"/>
+                        <a:latin typeface="Arial"/>
                       </a:endParaRPr>
                     </a:p>
                   </a:txBody>
@@ -15464,7 +16164,7 @@
                         <a:solidFill>
                           <a:srgbClr val="000000"/>
                         </a:solidFill>
-                        <a:latin typeface="Times New Roman"/>
+                        <a:latin typeface="Arial"/>
                       </a:endParaRPr>
                     </a:p>
                   </a:txBody>
@@ -15561,7 +16261,7 @@
                         <a:solidFill>
                           <a:srgbClr val="000000"/>
                         </a:solidFill>
-                        <a:latin typeface="Times New Roman"/>
+                        <a:latin typeface="Arial"/>
                       </a:endParaRPr>
                     </a:p>
                   </a:txBody>
@@ -15624,7 +16324,7 @@
                         <a:solidFill>
                           <a:srgbClr val="000000"/>
                         </a:solidFill>
-                        <a:latin typeface="Times New Roman"/>
+                        <a:latin typeface="Arial"/>
                       </a:endParaRPr>
                     </a:p>
                   </a:txBody>
@@ -15687,7 +16387,7 @@
                         <a:solidFill>
                           <a:srgbClr val="000000"/>
                         </a:solidFill>
-                        <a:latin typeface="Times New Roman"/>
+                        <a:latin typeface="Arial"/>
                       </a:endParaRPr>
                     </a:p>
                   </a:txBody>
@@ -15784,7 +16484,7 @@
                         <a:solidFill>
                           <a:srgbClr val="000000"/>
                         </a:solidFill>
-                        <a:latin typeface="Times New Roman"/>
+                        <a:latin typeface="Arial"/>
                       </a:endParaRPr>
                     </a:p>
                   </a:txBody>
@@ -15847,7 +16547,7 @@
                         <a:solidFill>
                           <a:srgbClr val="000000"/>
                         </a:solidFill>
-                        <a:latin typeface="Times New Roman"/>
+                        <a:latin typeface="Arial"/>
                       </a:endParaRPr>
                     </a:p>
                   </a:txBody>
@@ -15910,7 +16610,7 @@
                         <a:solidFill>
                           <a:srgbClr val="000000"/>
                         </a:solidFill>
-                        <a:latin typeface="Times New Roman"/>
+                        <a:latin typeface="Arial"/>
                       </a:endParaRPr>
                     </a:p>
                   </a:txBody>
@@ -15975,7 +16675,7 @@
                         <a:solidFill>
                           <a:srgbClr val="000000"/>
                         </a:solidFill>
-                        <a:latin typeface="Times New Roman"/>
+                        <a:latin typeface="Arial"/>
                       </a:endParaRPr>
                     </a:p>
                     <a:p>
@@ -16000,7 +16700,7 @@
                         <a:solidFill>
                           <a:srgbClr val="000000"/>
                         </a:solidFill>
-                        <a:latin typeface="Times New Roman"/>
+                        <a:latin typeface="Arial"/>
                       </a:endParaRPr>
                     </a:p>
                     <a:p>
@@ -16025,7 +16725,7 @@
                         <a:solidFill>
                           <a:srgbClr val="000000"/>
                         </a:solidFill>
-                        <a:latin typeface="Times New Roman"/>
+                        <a:latin typeface="Arial"/>
                       </a:endParaRPr>
                     </a:p>
                   </a:txBody>
@@ -16104,7 +16804,7 @@
                         <a:solidFill>
                           <a:srgbClr val="000000"/>
                         </a:solidFill>
-                        <a:latin typeface="Times New Roman"/>
+                        <a:latin typeface="Arial"/>
                       </a:endParaRPr>
                     </a:p>
                   </a:txBody>
@@ -16167,7 +16867,7 @@
                         <a:solidFill>
                           <a:srgbClr val="000000"/>
                         </a:solidFill>
-                        <a:latin typeface="Times New Roman"/>
+                        <a:latin typeface="Arial"/>
                       </a:endParaRPr>
                     </a:p>
                   </a:txBody>
@@ -16230,7 +16930,7 @@
                         <a:solidFill>
                           <a:srgbClr val="000000"/>
                         </a:solidFill>
-                        <a:latin typeface="Times New Roman"/>
+                        <a:latin typeface="Arial"/>
                       </a:endParaRPr>
                     </a:p>
                   </a:txBody>
@@ -16327,7 +17027,7 @@
                         <a:solidFill>
                           <a:srgbClr val="000000"/>
                         </a:solidFill>
-                        <a:latin typeface="Times New Roman"/>
+                        <a:latin typeface="Arial"/>
                       </a:endParaRPr>
                     </a:p>
                   </a:txBody>
@@ -16390,7 +17090,7 @@
                         <a:solidFill>
                           <a:srgbClr val="000000"/>
                         </a:solidFill>
-                        <a:latin typeface="Times New Roman"/>
+                        <a:latin typeface="Arial"/>
                       </a:endParaRPr>
                     </a:p>
                   </a:txBody>
@@ -16453,7 +17153,7 @@
                         <a:solidFill>
                           <a:srgbClr val="000000"/>
                         </a:solidFill>
-                        <a:latin typeface="Times New Roman"/>
+                        <a:latin typeface="Arial"/>
                       </a:endParaRPr>
                     </a:p>
                   </a:txBody>
@@ -16568,7 +17268,7 @@
                         <a:solidFill>
                           <a:srgbClr val="000000"/>
                         </a:solidFill>
-                        <a:latin typeface="Times New Roman"/>
+                        <a:latin typeface="Arial"/>
                       </a:endParaRPr>
                     </a:p>
                   </a:txBody>
@@ -16631,7 +17331,7 @@
                         <a:solidFill>
                           <a:srgbClr val="000000"/>
                         </a:solidFill>
-                        <a:latin typeface="Times New Roman"/>
+                        <a:latin typeface="Arial"/>
                       </a:endParaRPr>
                     </a:p>
                   </a:txBody>
@@ -16694,7 +17394,7 @@
                         <a:solidFill>
                           <a:srgbClr val="000000"/>
                         </a:solidFill>
-                        <a:latin typeface="Times New Roman"/>
+                        <a:latin typeface="Arial"/>
                       </a:endParaRPr>
                     </a:p>
                   </a:txBody>
@@ -16791,7 +17491,7 @@
                         <a:solidFill>
                           <a:srgbClr val="000000"/>
                         </a:solidFill>
-                        <a:latin typeface="Times New Roman"/>
+                        <a:latin typeface="Arial"/>
                       </a:endParaRPr>
                     </a:p>
                   </a:txBody>
@@ -16854,7 +17554,7 @@
                         <a:solidFill>
                           <a:srgbClr val="000000"/>
                         </a:solidFill>
-                        <a:latin typeface="Times New Roman"/>
+                        <a:latin typeface="Arial"/>
                       </a:endParaRPr>
                     </a:p>
                   </a:txBody>
@@ -16917,7 +17617,7 @@
                         <a:solidFill>
                           <a:srgbClr val="000000"/>
                         </a:solidFill>
-                        <a:latin typeface="Times New Roman"/>
+                        <a:latin typeface="Arial"/>
                       </a:endParaRPr>
                     </a:p>
                   </a:txBody>
@@ -17014,7 +17714,7 @@
                         <a:solidFill>
                           <a:srgbClr val="000000"/>
                         </a:solidFill>
-                        <a:latin typeface="Times New Roman"/>
+                        <a:latin typeface="Arial"/>
                       </a:endParaRPr>
                     </a:p>
                   </a:txBody>
@@ -17077,7 +17777,7 @@
                         <a:solidFill>
                           <a:srgbClr val="000000"/>
                         </a:solidFill>
-                        <a:latin typeface="Times New Roman"/>
+                        <a:latin typeface="Arial"/>
                       </a:endParaRPr>
                     </a:p>
                   </a:txBody>
@@ -17140,7 +17840,7 @@
                         <a:solidFill>
                           <a:srgbClr val="000000"/>
                         </a:solidFill>
-                        <a:latin typeface="Times New Roman"/>
+                        <a:latin typeface="Arial"/>
                       </a:endParaRPr>
                     </a:p>
                   </a:txBody>
@@ -17183,13 +17883,13 @@
       </p:graphicFrame>
       <p:graphicFrame>
         <p:nvGraphicFramePr>
-          <p:cNvPr id="55" name="Table 2"/>
+          <p:cNvPr id="57" name="Table 2"/>
           <p:cNvGraphicFramePr/>
           <p:nvPr/>
         </p:nvGraphicFramePr>
         <p:xfrm>
           <a:off x="6797160" y="1884240"/>
-          <a:ext cx="4893120" cy="439920"/>
+          <a:ext cx="4892760" cy="440280"/>
         </p:xfrm>
         <a:graphic>
           <a:graphicData uri="http://schemas.openxmlformats.org/drawingml/2006/table">
@@ -17229,7 +17929,7 @@
                         <a:solidFill>
                           <a:srgbClr val="000000"/>
                         </a:solidFill>
-                        <a:latin typeface="Times New Roman"/>
+                        <a:latin typeface="Arial"/>
                       </a:endParaRPr>
                     </a:p>
                   </a:txBody>
@@ -17290,7 +17990,7 @@
                         <a:solidFill>
                           <a:srgbClr val="000000"/>
                         </a:solidFill>
-                        <a:latin typeface="Times New Roman"/>
+                        <a:latin typeface="Arial"/>
                       </a:endParaRPr>
                     </a:p>
                   </a:txBody>
@@ -17351,7 +18051,7 @@
                         <a:solidFill>
                           <a:srgbClr val="000000"/>
                         </a:solidFill>
-                        <a:latin typeface="Times New Roman"/>
+                        <a:latin typeface="Arial"/>
                       </a:endParaRPr>
                     </a:p>
                   </a:txBody>
@@ -17412,7 +18112,7 @@
                         <a:solidFill>
                           <a:srgbClr val="000000"/>
                         </a:solidFill>
-                        <a:latin typeface="Times New Roman"/>
+                        <a:latin typeface="Arial"/>
                       </a:endParaRPr>
                     </a:p>
                   </a:txBody>
@@ -17483,7 +18183,7 @@
       </p:grpSpPr>
       <p:sp>
         <p:nvSpPr>
-          <p:cNvPr id="56" name="PlaceHolder 1"/>
+          <p:cNvPr id="58" name="PlaceHolder 1"/>
           <p:cNvSpPr>
             <a:spLocks noGrp="1"/>
           </p:cNvSpPr>
@@ -17494,7 +18194,7 @@
         <p:spPr>
           <a:xfrm>
             <a:off x="507600" y="-45720"/>
-            <a:ext cx="10969560" cy="1142280"/>
+            <a:ext cx="10968840" cy="1141560"/>
           </a:xfrm>
           <a:prstGeom prst="rect">
             <a:avLst/>
@@ -17529,16 +18229,16 @@
             </a:r>
             <a:endParaRPr b="0" lang="en-US" sz="3300" spc="-1" strike="noStrike">
               <a:solidFill>
-                <a:schemeClr val="dk1"/>
+                <a:srgbClr val="000000"/>
               </a:solidFill>
-              <a:latin typeface="Calibri"/>
+              <a:latin typeface="Arial"/>
             </a:endParaRPr>
           </a:p>
         </p:txBody>
       </p:sp>
       <p:sp>
         <p:nvSpPr>
-          <p:cNvPr id="57" name="PlaceHolder 2"/>
+          <p:cNvPr id="59" name="PlaceHolder 2"/>
           <p:cNvSpPr>
             <a:spLocks noGrp="1"/>
           </p:cNvSpPr>
@@ -17549,7 +18249,7 @@
         <p:spPr>
           <a:xfrm>
             <a:off x="609120" y="1014840"/>
-            <a:ext cx="10969560" cy="4525200"/>
+            <a:ext cx="10968840" cy="4524480"/>
           </a:xfrm>
           <a:prstGeom prst="rect">
             <a:avLst/>
@@ -17587,9 +18287,9 @@
             </a:r>
             <a:endParaRPr b="0" lang="en-US" sz="2100" spc="-1" strike="noStrike">
               <a:solidFill>
-                <a:schemeClr val="dk1"/>
+                <a:srgbClr val="000000"/>
               </a:solidFill>
-              <a:latin typeface="Calibri"/>
+              <a:latin typeface="Arial"/>
             </a:endParaRPr>
           </a:p>
           <a:p>
@@ -17620,9 +18320,9 @@
             </a:r>
             <a:endParaRPr b="0" lang="en-US" sz="2100" spc="-1" strike="noStrike">
               <a:solidFill>
-                <a:schemeClr val="dk1"/>
+                <a:srgbClr val="000000"/>
               </a:solidFill>
-              <a:latin typeface="Calibri"/>
+              <a:latin typeface="Arial"/>
             </a:endParaRPr>
           </a:p>
           <a:p>
@@ -17653,9 +18353,9 @@
             </a:r>
             <a:endParaRPr b="0" lang="en-US" sz="2100" spc="-1" strike="noStrike">
               <a:solidFill>
-                <a:schemeClr val="dk1"/>
+                <a:srgbClr val="000000"/>
               </a:solidFill>
-              <a:latin typeface="Calibri"/>
+              <a:latin typeface="Arial"/>
             </a:endParaRPr>
           </a:p>
           <a:p>
@@ -17686,9 +18386,9 @@
             </a:r>
             <a:endParaRPr b="0" lang="en-US" sz="2100" spc="-1" strike="noStrike">
               <a:solidFill>
-                <a:schemeClr val="dk1"/>
+                <a:srgbClr val="000000"/>
               </a:solidFill>
-              <a:latin typeface="Calibri"/>
+              <a:latin typeface="Arial"/>
             </a:endParaRPr>
           </a:p>
           <a:p>
@@ -17719,9 +18419,9 @@
             </a:r>
             <a:endParaRPr b="0" lang="en-US" sz="2100" spc="-1" strike="noStrike">
               <a:solidFill>
-                <a:schemeClr val="dk1"/>
+                <a:srgbClr val="000000"/>
               </a:solidFill>
-              <a:latin typeface="Calibri"/>
+              <a:latin typeface="Arial"/>
             </a:endParaRPr>
           </a:p>
           <a:p>
@@ -17752,9 +18452,9 @@
             </a:r>
             <a:endParaRPr b="0" lang="en-US" sz="2100" spc="-1" strike="noStrike">
               <a:solidFill>
-                <a:schemeClr val="dk1"/>
+                <a:srgbClr val="000000"/>
               </a:solidFill>
-              <a:latin typeface="Calibri"/>
+              <a:latin typeface="Arial"/>
             </a:endParaRPr>
           </a:p>
           <a:p>
@@ -17785,9 +18485,9 @@
             </a:r>
             <a:endParaRPr b="0" lang="en-US" sz="2100" spc="-1" strike="noStrike">
               <a:solidFill>
-                <a:schemeClr val="dk1"/>
+                <a:srgbClr val="000000"/>
               </a:solidFill>
-              <a:latin typeface="Calibri"/>
+              <a:latin typeface="Arial"/>
             </a:endParaRPr>
           </a:p>
           <a:p>
@@ -17818,9 +18518,9 @@
             </a:r>
             <a:endParaRPr b="0" lang="en-US" sz="2100" spc="-1" strike="noStrike">
               <a:solidFill>
-                <a:schemeClr val="dk1"/>
+                <a:srgbClr val="000000"/>
               </a:solidFill>
-              <a:latin typeface="Calibri"/>
+              <a:latin typeface="Arial"/>
             </a:endParaRPr>
           </a:p>
         </p:txBody>
@@ -17857,7 +18557,7 @@
       </p:grpSpPr>
       <p:sp>
         <p:nvSpPr>
-          <p:cNvPr id="58" name="PlaceHolder 1"/>
+          <p:cNvPr id="60" name="PlaceHolder 1"/>
           <p:cNvSpPr>
             <a:spLocks noGrp="1"/>
           </p:cNvSpPr>
@@ -17868,7 +18568,7 @@
         <p:spPr>
           <a:xfrm>
             <a:off x="609120" y="274320"/>
-            <a:ext cx="10969560" cy="1142280"/>
+            <a:ext cx="10968840" cy="1141560"/>
           </a:xfrm>
           <a:prstGeom prst="rect">
             <a:avLst/>
@@ -17903,16 +18603,16 @@
             </a:r>
             <a:endParaRPr b="0" lang="en-US" sz="3300" spc="-1" strike="noStrike">
               <a:solidFill>
-                <a:schemeClr val="dk1"/>
+                <a:srgbClr val="000000"/>
               </a:solidFill>
-              <a:latin typeface="Calibri"/>
+              <a:latin typeface="Arial"/>
             </a:endParaRPr>
           </a:p>
         </p:txBody>
       </p:sp>
       <p:sp>
         <p:nvSpPr>
-          <p:cNvPr id="59" name="PlaceHolder 2"/>
+          <p:cNvPr id="61" name="PlaceHolder 2"/>
           <p:cNvSpPr>
             <a:spLocks noGrp="1"/>
           </p:cNvSpPr>
@@ -17923,7 +18623,7 @@
         <p:spPr>
           <a:xfrm>
             <a:off x="609120" y="1600200"/>
-            <a:ext cx="10969560" cy="4525200"/>
+            <a:ext cx="10968840" cy="4524480"/>
           </a:xfrm>
           <a:prstGeom prst="rect">
             <a:avLst/>
@@ -17961,9 +18661,9 @@
             </a:r>
             <a:endParaRPr b="0" lang="en-US" sz="2400" spc="-1" strike="noStrike">
               <a:solidFill>
-                <a:schemeClr val="dk1"/>
+                <a:srgbClr val="000000"/>
               </a:solidFill>
-              <a:latin typeface="Calibri"/>
+              <a:latin typeface="Arial"/>
             </a:endParaRPr>
           </a:p>
           <a:p>
@@ -17990,9 +18690,9 @@
             </a:r>
             <a:endParaRPr b="0" lang="en-US" sz="2400" spc="-1" strike="noStrike">
               <a:solidFill>
-                <a:schemeClr val="dk1"/>
+                <a:srgbClr val="000000"/>
               </a:solidFill>
-              <a:latin typeface="Calibri"/>
+              <a:latin typeface="Arial"/>
             </a:endParaRPr>
           </a:p>
         </p:txBody>
@@ -18029,7 +18729,7 @@
       </p:grpSpPr>
       <p:sp>
         <p:nvSpPr>
-          <p:cNvPr id="60" name="PlaceHolder 1"/>
+          <p:cNvPr id="62" name="PlaceHolder 1"/>
           <p:cNvSpPr>
             <a:spLocks noGrp="1"/>
           </p:cNvSpPr>
@@ -18040,7 +18740,7 @@
         <p:spPr>
           <a:xfrm>
             <a:off x="343440" y="218160"/>
-            <a:ext cx="10743120" cy="459000"/>
+            <a:ext cx="10742400" cy="458280"/>
           </a:xfrm>
           <a:prstGeom prst="rect">
             <a:avLst/>
@@ -18075,16 +18775,16 @@
             </a:r>
             <a:endParaRPr b="0" lang="en-US" sz="3200" spc="-1" strike="noStrike">
               <a:solidFill>
-                <a:schemeClr val="dk1"/>
+                <a:srgbClr val="000000"/>
               </a:solidFill>
-              <a:latin typeface="Calibri"/>
+              <a:latin typeface="Arial"/>
             </a:endParaRPr>
           </a:p>
         </p:txBody>
       </p:sp>
       <p:sp>
         <p:nvSpPr>
-          <p:cNvPr id="61" name="PlaceHolder 2"/>
+          <p:cNvPr id="63" name="PlaceHolder 2"/>
           <p:cNvSpPr>
             <a:spLocks noGrp="1"/>
           </p:cNvSpPr>
@@ -18095,7 +18795,7 @@
         <p:spPr>
           <a:xfrm>
             <a:off x="866880" y="4629600"/>
-            <a:ext cx="9774360" cy="1865880"/>
+            <a:ext cx="9773640" cy="1865160"/>
           </a:xfrm>
           <a:prstGeom prst="rect">
             <a:avLst/>
@@ -18133,9 +18833,9 @@
             </a:r>
             <a:endParaRPr b="0" lang="en-US" sz="2400" spc="-1" strike="noStrike">
               <a:solidFill>
-                <a:schemeClr val="dk1"/>
+                <a:srgbClr val="000000"/>
               </a:solidFill>
-              <a:latin typeface="Calibri"/>
+              <a:latin typeface="Arial"/>
             </a:endParaRPr>
           </a:p>
           <a:p>
@@ -18153,9 +18853,9 @@
             </a:pPr>
             <a:endParaRPr b="0" lang="en-US" sz="2400" spc="-1" strike="noStrike">
               <a:solidFill>
-                <a:schemeClr val="dk1"/>
+                <a:srgbClr val="000000"/>
               </a:solidFill>
-              <a:latin typeface="Calibri"/>
+              <a:latin typeface="Arial"/>
             </a:endParaRPr>
           </a:p>
           <a:p>
@@ -18182,16 +18882,16 @@
             </a:r>
             <a:endParaRPr b="0" lang="en-US" sz="2400" spc="-1" strike="noStrike">
               <a:solidFill>
-                <a:schemeClr val="dk1"/>
+                <a:srgbClr val="000000"/>
               </a:solidFill>
-              <a:latin typeface="Calibri"/>
+              <a:latin typeface="Arial"/>
             </a:endParaRPr>
           </a:p>
         </p:txBody>
       </p:sp>
       <p:pic>
         <p:nvPicPr>
-          <p:cNvPr id="62" name="Picture 1" descr="Life_Cycle_Inventory/2024-01-06_15-07-24_screenshot.png"/>
+          <p:cNvPr id="64" name="Picture 1" descr="Life_Cycle_Inventory/2024-01-06_15-07-24_screenshot.png"/>
           <p:cNvPicPr/>
           <p:nvPr/>
         </p:nvPicPr>
@@ -18202,7 +18902,7 @@
         <p:spPr>
           <a:xfrm>
             <a:off x="1173240" y="2217240"/>
-            <a:ext cx="7907040" cy="2064960"/>
+            <a:ext cx="7906320" cy="2064240"/>
           </a:xfrm>
           <a:prstGeom prst="rect">
             <a:avLst/>
@@ -18214,14 +18914,14 @@
       </p:pic>
       <p:sp>
         <p:nvSpPr>
-          <p:cNvPr id="63" name=""/>
-          <p:cNvSpPr txBox="1"/>
+          <p:cNvPr id="65" name=""/>
+          <p:cNvSpPr/>
           <p:nvPr/>
         </p:nvSpPr>
         <p:spPr>
           <a:xfrm>
             <a:off x="546480" y="772920"/>
-            <a:ext cx="10157400" cy="1155240"/>
+            <a:ext cx="10156680" cy="1154520"/>
           </a:xfrm>
           <a:prstGeom prst="rect">
             <a:avLst/>
@@ -18231,6 +18931,12 @@
             <a:noFill/>
           </a:ln>
         </p:spPr>
+        <p:style>
+          <a:lnRef idx="0"/>
+          <a:fillRef idx="0"/>
+          <a:effectRef idx="0"/>
+          <a:fontRef idx="minor"/>
+        </p:style>
         <p:txBody>
           <a:bodyPr lIns="90000" rIns="90000" tIns="45000" bIns="45000" anchor="t">
             <a:noAutofit/>
